--- a/Documentation/Research Assistant - (Muazzam)/Plan.pptx
+++ b/Documentation/Research Assistant - (Muazzam)/Plan.pptx
@@ -6,16 +6,24 @@
   </p:sldMasterIdLst>
   <p:sldIdLst>
     <p:sldId id="256" r:id="rId2"/>
-    <p:sldId id="257" r:id="rId3"/>
-    <p:sldId id="258" r:id="rId4"/>
+    <p:sldId id="274" r:id="rId3"/>
+    <p:sldId id="267" r:id="rId4"/>
     <p:sldId id="259" r:id="rId5"/>
     <p:sldId id="260" r:id="rId6"/>
     <p:sldId id="261" r:id="rId7"/>
     <p:sldId id="262" r:id="rId8"/>
-    <p:sldId id="263" r:id="rId9"/>
-    <p:sldId id="264" r:id="rId10"/>
-    <p:sldId id="265" r:id="rId11"/>
-    <p:sldId id="266" r:id="rId12"/>
+    <p:sldId id="271" r:id="rId9"/>
+    <p:sldId id="273" r:id="rId10"/>
+    <p:sldId id="270" r:id="rId11"/>
+    <p:sldId id="272" r:id="rId12"/>
+    <p:sldId id="263" r:id="rId13"/>
+    <p:sldId id="264" r:id="rId14"/>
+    <p:sldId id="275" r:id="rId15"/>
+    <p:sldId id="269" r:id="rId16"/>
+    <p:sldId id="276" r:id="rId17"/>
+    <p:sldId id="265" r:id="rId18"/>
+    <p:sldId id="266" r:id="rId19"/>
+    <p:sldId id="268" r:id="rId20"/>
   </p:sldIdLst>
   <p:sldSz cx="12192000" cy="6858000"/>
   <p:notesSz cx="6858000" cy="9144000"/>
@@ -117,6 +125,3174 @@
 </p:presentation>
 </file>
 
+<file path=ppt/diagrams/colors1.xml><?xml version="1.0" encoding="utf-8"?>
+<dgm:colorsDef xmlns:dgm="http://schemas.openxmlformats.org/drawingml/2006/diagram" xmlns:a="http://schemas.openxmlformats.org/drawingml/2006/main" uniqueId="urn:microsoft.com/office/officeart/2005/8/colors/colorful1">
+  <dgm:title val=""/>
+  <dgm:desc val=""/>
+  <dgm:catLst>
+    <dgm:cat type="colorful" pri="10100"/>
+  </dgm:catLst>
+  <dgm:styleLbl name="node0">
+    <dgm:fillClrLst meth="repeat">
+      <a:schemeClr val="accent1"/>
+    </dgm:fillClrLst>
+    <dgm:linClrLst meth="repeat">
+      <a:schemeClr val="lt1"/>
+    </dgm:linClrLst>
+    <dgm:effectClrLst/>
+    <dgm:txLinClrLst/>
+    <dgm:txFillClrLst/>
+    <dgm:txEffectClrLst/>
+  </dgm:styleLbl>
+  <dgm:styleLbl name="node1">
+    <dgm:fillClrLst meth="repeat">
+      <a:schemeClr val="accent2"/>
+      <a:schemeClr val="accent3"/>
+      <a:schemeClr val="accent4"/>
+      <a:schemeClr val="accent5"/>
+      <a:schemeClr val="accent6"/>
+    </dgm:fillClrLst>
+    <dgm:linClrLst meth="repeat">
+      <a:schemeClr val="lt1"/>
+    </dgm:linClrLst>
+    <dgm:effectClrLst/>
+    <dgm:txLinClrLst/>
+    <dgm:txFillClrLst/>
+    <dgm:txEffectClrLst/>
+  </dgm:styleLbl>
+  <dgm:styleLbl name="alignNode1">
+    <dgm:fillClrLst meth="repeat">
+      <a:schemeClr val="accent2"/>
+      <a:schemeClr val="accent3"/>
+      <a:schemeClr val="accent4"/>
+      <a:schemeClr val="accent5"/>
+      <a:schemeClr val="accent6"/>
+    </dgm:fillClrLst>
+    <dgm:linClrLst meth="repeat">
+      <a:schemeClr val="accent2"/>
+      <a:schemeClr val="accent3"/>
+      <a:schemeClr val="accent4"/>
+      <a:schemeClr val="accent5"/>
+      <a:schemeClr val="accent6"/>
+    </dgm:linClrLst>
+    <dgm:effectClrLst/>
+    <dgm:txLinClrLst/>
+    <dgm:txFillClrLst/>
+    <dgm:txEffectClrLst/>
+  </dgm:styleLbl>
+  <dgm:styleLbl name="lnNode1">
+    <dgm:fillClrLst meth="repeat">
+      <a:schemeClr val="accent2"/>
+      <a:schemeClr val="accent3"/>
+      <a:schemeClr val="accent4"/>
+      <a:schemeClr val="accent5"/>
+      <a:schemeClr val="accent6"/>
+    </dgm:fillClrLst>
+    <dgm:linClrLst meth="repeat">
+      <a:schemeClr val="lt1"/>
+    </dgm:linClrLst>
+    <dgm:effectClrLst/>
+    <dgm:txLinClrLst/>
+    <dgm:txFillClrLst/>
+    <dgm:txEffectClrLst/>
+  </dgm:styleLbl>
+  <dgm:styleLbl name="vennNode1">
+    <dgm:fillClrLst meth="repeat">
+      <a:schemeClr val="accent2">
+        <a:alpha val="50000"/>
+      </a:schemeClr>
+      <a:schemeClr val="accent3">
+        <a:alpha val="50000"/>
+      </a:schemeClr>
+      <a:schemeClr val="accent4">
+        <a:alpha val="50000"/>
+      </a:schemeClr>
+      <a:schemeClr val="accent5">
+        <a:alpha val="50000"/>
+      </a:schemeClr>
+      <a:schemeClr val="accent6">
+        <a:alpha val="50000"/>
+      </a:schemeClr>
+    </dgm:fillClrLst>
+    <dgm:linClrLst meth="repeat">
+      <a:schemeClr val="lt1"/>
+    </dgm:linClrLst>
+    <dgm:effectClrLst/>
+    <dgm:txLinClrLst/>
+    <dgm:txFillClrLst/>
+    <dgm:txEffectClrLst/>
+  </dgm:styleLbl>
+  <dgm:styleLbl name="node2">
+    <dgm:fillClrLst>
+      <a:schemeClr val="accent2"/>
+    </dgm:fillClrLst>
+    <dgm:linClrLst meth="repeat">
+      <a:schemeClr val="lt1"/>
+    </dgm:linClrLst>
+    <dgm:effectClrLst/>
+    <dgm:txLinClrLst/>
+    <dgm:txFillClrLst/>
+    <dgm:txEffectClrLst/>
+  </dgm:styleLbl>
+  <dgm:styleLbl name="node3">
+    <dgm:fillClrLst>
+      <a:schemeClr val="accent3"/>
+    </dgm:fillClrLst>
+    <dgm:linClrLst meth="repeat">
+      <a:schemeClr val="lt1"/>
+    </dgm:linClrLst>
+    <dgm:effectClrLst/>
+    <dgm:txLinClrLst/>
+    <dgm:txFillClrLst/>
+    <dgm:txEffectClrLst/>
+  </dgm:styleLbl>
+  <dgm:styleLbl name="node4">
+    <dgm:fillClrLst>
+      <a:schemeClr val="accent4"/>
+    </dgm:fillClrLst>
+    <dgm:linClrLst meth="repeat">
+      <a:schemeClr val="lt1"/>
+    </dgm:linClrLst>
+    <dgm:effectClrLst/>
+    <dgm:txLinClrLst/>
+    <dgm:txFillClrLst/>
+    <dgm:txEffectClrLst/>
+  </dgm:styleLbl>
+  <dgm:styleLbl name="fgImgPlace1">
+    <dgm:fillClrLst meth="repeat">
+      <a:schemeClr val="accent2">
+        <a:tint val="50000"/>
+      </a:schemeClr>
+      <a:schemeClr val="accent3">
+        <a:tint val="50000"/>
+      </a:schemeClr>
+      <a:schemeClr val="accent4">
+        <a:tint val="50000"/>
+      </a:schemeClr>
+      <a:schemeClr val="accent5">
+        <a:tint val="50000"/>
+      </a:schemeClr>
+      <a:schemeClr val="accent6">
+        <a:tint val="50000"/>
+      </a:schemeClr>
+    </dgm:fillClrLst>
+    <dgm:linClrLst meth="repeat">
+      <a:schemeClr val="lt1"/>
+    </dgm:linClrLst>
+    <dgm:effectClrLst/>
+    <dgm:txLinClrLst/>
+    <dgm:txFillClrLst meth="repeat">
+      <a:schemeClr val="lt1"/>
+    </dgm:txFillClrLst>
+    <dgm:txEffectClrLst/>
+  </dgm:styleLbl>
+  <dgm:styleLbl name="alignImgPlace1">
+    <dgm:fillClrLst>
+      <a:schemeClr val="accent1">
+        <a:tint val="50000"/>
+      </a:schemeClr>
+      <a:schemeClr val="accent2">
+        <a:tint val="20000"/>
+      </a:schemeClr>
+    </dgm:fillClrLst>
+    <dgm:linClrLst meth="repeat">
+      <a:schemeClr val="lt1"/>
+    </dgm:linClrLst>
+    <dgm:effectClrLst/>
+    <dgm:txLinClrLst/>
+    <dgm:txFillClrLst meth="repeat">
+      <a:schemeClr val="lt1"/>
+    </dgm:txFillClrLst>
+    <dgm:txEffectClrLst/>
+  </dgm:styleLbl>
+  <dgm:styleLbl name="bgImgPlace1">
+    <dgm:fillClrLst>
+      <a:schemeClr val="accent1">
+        <a:tint val="50000"/>
+      </a:schemeClr>
+      <a:schemeClr val="accent2">
+        <a:tint val="20000"/>
+      </a:schemeClr>
+    </dgm:fillClrLst>
+    <dgm:linClrLst meth="repeat">
+      <a:schemeClr val="lt1"/>
+    </dgm:linClrLst>
+    <dgm:effectClrLst/>
+    <dgm:txLinClrLst/>
+    <dgm:txFillClrLst meth="repeat">
+      <a:schemeClr val="lt1"/>
+    </dgm:txFillClrLst>
+    <dgm:txEffectClrLst/>
+  </dgm:styleLbl>
+  <dgm:styleLbl name="sibTrans2D1">
+    <dgm:fillClrLst meth="repeat">
+      <a:schemeClr val="accent2"/>
+      <a:schemeClr val="accent3"/>
+      <a:schemeClr val="accent4"/>
+      <a:schemeClr val="accent5"/>
+      <a:schemeClr val="accent6"/>
+    </dgm:fillClrLst>
+    <dgm:linClrLst meth="cycle">
+      <a:schemeClr val="lt1"/>
+    </dgm:linClrLst>
+    <dgm:effectClrLst/>
+    <dgm:txLinClrLst/>
+    <dgm:txFillClrLst/>
+    <dgm:txEffectClrLst/>
+  </dgm:styleLbl>
+  <dgm:styleLbl name="fgSibTrans2D1">
+    <dgm:fillClrLst meth="repeat">
+      <a:schemeClr val="accent2"/>
+      <a:schemeClr val="accent3"/>
+      <a:schemeClr val="accent4"/>
+      <a:schemeClr val="accent5"/>
+      <a:schemeClr val="accent6"/>
+    </dgm:fillClrLst>
+    <dgm:linClrLst meth="cycle">
+      <a:schemeClr val="lt1"/>
+    </dgm:linClrLst>
+    <dgm:effectClrLst/>
+    <dgm:txLinClrLst/>
+    <dgm:txFillClrLst meth="repeat">
+      <a:schemeClr val="lt1"/>
+    </dgm:txFillClrLst>
+    <dgm:txEffectClrLst/>
+  </dgm:styleLbl>
+  <dgm:styleLbl name="bgSibTrans2D1">
+    <dgm:fillClrLst meth="repeat">
+      <a:schemeClr val="accent2"/>
+      <a:schemeClr val="accent3"/>
+      <a:schemeClr val="accent4"/>
+      <a:schemeClr val="accent5"/>
+      <a:schemeClr val="accent6"/>
+    </dgm:fillClrLst>
+    <dgm:linClrLst meth="cycle">
+      <a:schemeClr val="lt1"/>
+    </dgm:linClrLst>
+    <dgm:effectClrLst/>
+    <dgm:txLinClrLst/>
+    <dgm:txFillClrLst meth="repeat">
+      <a:schemeClr val="lt1"/>
+    </dgm:txFillClrLst>
+    <dgm:txEffectClrLst/>
+  </dgm:styleLbl>
+  <dgm:styleLbl name="sibTrans1D1">
+    <dgm:fillClrLst meth="repeat">
+      <a:schemeClr val="accent2"/>
+      <a:schemeClr val="accent3"/>
+      <a:schemeClr val="accent4"/>
+      <a:schemeClr val="accent5"/>
+      <a:schemeClr val="accent6"/>
+    </dgm:fillClrLst>
+    <dgm:linClrLst meth="repeat">
+      <a:schemeClr val="accent2"/>
+      <a:schemeClr val="accent3"/>
+      <a:schemeClr val="accent4"/>
+      <a:schemeClr val="accent5"/>
+      <a:schemeClr val="accent6"/>
+    </dgm:linClrLst>
+    <dgm:effectClrLst/>
+    <dgm:txLinClrLst/>
+    <dgm:txFillClrLst meth="repeat">
+      <a:schemeClr val="tx1"/>
+    </dgm:txFillClrLst>
+    <dgm:txEffectClrLst/>
+  </dgm:styleLbl>
+  <dgm:styleLbl name="callout">
+    <dgm:fillClrLst meth="repeat">
+      <a:schemeClr val="accent2"/>
+    </dgm:fillClrLst>
+    <dgm:linClrLst meth="repeat">
+      <a:schemeClr val="accent2">
+        <a:tint val="50000"/>
+      </a:schemeClr>
+    </dgm:linClrLst>
+    <dgm:effectClrLst/>
+    <dgm:txLinClrLst/>
+    <dgm:txFillClrLst meth="repeat">
+      <a:schemeClr val="tx1"/>
+    </dgm:txFillClrLst>
+    <dgm:txEffectClrLst/>
+  </dgm:styleLbl>
+  <dgm:styleLbl name="asst0">
+    <dgm:fillClrLst meth="repeat">
+      <a:schemeClr val="accent1"/>
+    </dgm:fillClrLst>
+    <dgm:linClrLst meth="repeat">
+      <a:schemeClr val="lt1"/>
+    </dgm:linClrLst>
+    <dgm:effectClrLst/>
+    <dgm:txLinClrLst/>
+    <dgm:txFillClrLst/>
+    <dgm:txEffectClrLst/>
+  </dgm:styleLbl>
+  <dgm:styleLbl name="asst1">
+    <dgm:fillClrLst meth="repeat">
+      <a:schemeClr val="accent2"/>
+    </dgm:fillClrLst>
+    <dgm:linClrLst meth="repeat">
+      <a:schemeClr val="lt1"/>
+    </dgm:linClrLst>
+    <dgm:effectClrLst/>
+    <dgm:txLinClrLst/>
+    <dgm:txFillClrLst/>
+    <dgm:txEffectClrLst/>
+  </dgm:styleLbl>
+  <dgm:styleLbl name="asst2">
+    <dgm:fillClrLst>
+      <a:schemeClr val="accent3"/>
+    </dgm:fillClrLst>
+    <dgm:linClrLst meth="repeat">
+      <a:schemeClr val="lt1"/>
+    </dgm:linClrLst>
+    <dgm:effectClrLst/>
+    <dgm:txLinClrLst/>
+    <dgm:txFillClrLst/>
+    <dgm:txEffectClrLst/>
+  </dgm:styleLbl>
+  <dgm:styleLbl name="asst3">
+    <dgm:fillClrLst>
+      <a:schemeClr val="accent4"/>
+    </dgm:fillClrLst>
+    <dgm:linClrLst meth="repeat">
+      <a:schemeClr val="lt1"/>
+    </dgm:linClrLst>
+    <dgm:effectClrLst/>
+    <dgm:txLinClrLst/>
+    <dgm:txFillClrLst/>
+    <dgm:txEffectClrLst/>
+  </dgm:styleLbl>
+  <dgm:styleLbl name="asst4">
+    <dgm:fillClrLst>
+      <a:schemeClr val="accent5"/>
+    </dgm:fillClrLst>
+    <dgm:linClrLst meth="repeat">
+      <a:schemeClr val="lt1"/>
+    </dgm:linClrLst>
+    <dgm:effectClrLst/>
+    <dgm:txLinClrLst/>
+    <dgm:txFillClrLst/>
+    <dgm:txEffectClrLst/>
+  </dgm:styleLbl>
+  <dgm:styleLbl name="parChTrans2D1">
+    <dgm:fillClrLst meth="repeat">
+      <a:schemeClr val="accent2"/>
+    </dgm:fillClrLst>
+    <dgm:linClrLst meth="repeat">
+      <a:schemeClr val="lt1"/>
+    </dgm:linClrLst>
+    <dgm:effectClrLst/>
+    <dgm:txLinClrLst/>
+    <dgm:txFillClrLst meth="repeat">
+      <a:schemeClr val="lt1"/>
+    </dgm:txFillClrLst>
+    <dgm:txEffectClrLst/>
+  </dgm:styleLbl>
+  <dgm:styleLbl name="parChTrans2D2">
+    <dgm:fillClrLst meth="repeat">
+      <a:schemeClr val="accent3"/>
+    </dgm:fillClrLst>
+    <dgm:linClrLst meth="repeat">
+      <a:schemeClr val="lt1"/>
+    </dgm:linClrLst>
+    <dgm:effectClrLst/>
+    <dgm:txLinClrLst/>
+    <dgm:txFillClrLst/>
+    <dgm:txEffectClrLst/>
+  </dgm:styleLbl>
+  <dgm:styleLbl name="parChTrans2D3">
+    <dgm:fillClrLst meth="repeat">
+      <a:schemeClr val="accent4"/>
+    </dgm:fillClrLst>
+    <dgm:linClrLst meth="repeat">
+      <a:schemeClr val="lt1"/>
+    </dgm:linClrLst>
+    <dgm:effectClrLst/>
+    <dgm:txLinClrLst/>
+    <dgm:txFillClrLst/>
+    <dgm:txEffectClrLst/>
+  </dgm:styleLbl>
+  <dgm:styleLbl name="parChTrans2D4">
+    <dgm:fillClrLst meth="repeat">
+      <a:schemeClr val="accent5"/>
+    </dgm:fillClrLst>
+    <dgm:linClrLst meth="repeat">
+      <a:schemeClr val="lt1"/>
+    </dgm:linClrLst>
+    <dgm:effectClrLst/>
+    <dgm:txLinClrLst/>
+    <dgm:txFillClrLst meth="repeat">
+      <a:schemeClr val="lt1"/>
+    </dgm:txFillClrLst>
+    <dgm:txEffectClrLst/>
+  </dgm:styleLbl>
+  <dgm:styleLbl name="parChTrans1D1">
+    <dgm:fillClrLst meth="repeat">
+      <a:schemeClr val="accent2"/>
+    </dgm:fillClrLst>
+    <dgm:linClrLst meth="repeat">
+      <a:schemeClr val="accent1"/>
+    </dgm:linClrLst>
+    <dgm:effectClrLst/>
+    <dgm:txLinClrLst/>
+    <dgm:txFillClrLst meth="repeat">
+      <a:schemeClr val="tx1"/>
+    </dgm:txFillClrLst>
+    <dgm:txEffectClrLst/>
+  </dgm:styleLbl>
+  <dgm:styleLbl name="parChTrans1D2">
+    <dgm:fillClrLst meth="repeat">
+      <a:schemeClr val="accent3">
+        <a:tint val="90000"/>
+      </a:schemeClr>
+    </dgm:fillClrLst>
+    <dgm:linClrLst meth="repeat">
+      <a:schemeClr val="accent2"/>
+    </dgm:linClrLst>
+    <dgm:effectClrLst/>
+    <dgm:txLinClrLst/>
+    <dgm:txFillClrLst meth="repeat">
+      <a:schemeClr val="tx1"/>
+    </dgm:txFillClrLst>
+    <dgm:txEffectClrLst/>
+  </dgm:styleLbl>
+  <dgm:styleLbl name="parChTrans1D3">
+    <dgm:fillClrLst meth="repeat">
+      <a:schemeClr val="accent4">
+        <a:tint val="70000"/>
+      </a:schemeClr>
+    </dgm:fillClrLst>
+    <dgm:linClrLst meth="repeat">
+      <a:schemeClr val="accent3"/>
+    </dgm:linClrLst>
+    <dgm:effectClrLst/>
+    <dgm:txLinClrLst/>
+    <dgm:txFillClrLst meth="repeat">
+      <a:schemeClr val="tx1"/>
+    </dgm:txFillClrLst>
+    <dgm:txEffectClrLst/>
+  </dgm:styleLbl>
+  <dgm:styleLbl name="parChTrans1D4">
+    <dgm:fillClrLst meth="repeat">
+      <a:schemeClr val="accent5">
+        <a:tint val="50000"/>
+      </a:schemeClr>
+    </dgm:fillClrLst>
+    <dgm:linClrLst meth="repeat">
+      <a:schemeClr val="accent4"/>
+    </dgm:linClrLst>
+    <dgm:effectClrLst/>
+    <dgm:txLinClrLst/>
+    <dgm:txFillClrLst meth="repeat">
+      <a:schemeClr val="tx1"/>
+    </dgm:txFillClrLst>
+    <dgm:txEffectClrLst/>
+  </dgm:styleLbl>
+  <dgm:styleLbl name="fgAcc1">
+    <dgm:fillClrLst meth="repeat">
+      <a:schemeClr val="lt1">
+        <a:alpha val="90000"/>
+      </a:schemeClr>
+    </dgm:fillClrLst>
+    <dgm:linClrLst meth="repeat">
+      <a:schemeClr val="accent2"/>
+      <a:schemeClr val="accent3"/>
+      <a:schemeClr val="accent4"/>
+      <a:schemeClr val="accent5"/>
+      <a:schemeClr val="accent6"/>
+    </dgm:linClrLst>
+    <dgm:effectClrLst/>
+    <dgm:txLinClrLst/>
+    <dgm:txFillClrLst meth="repeat">
+      <a:schemeClr val="dk1"/>
+    </dgm:txFillClrLst>
+    <dgm:txEffectClrLst/>
+  </dgm:styleLbl>
+  <dgm:styleLbl name="conFgAcc1">
+    <dgm:fillClrLst meth="repeat">
+      <a:schemeClr val="lt1">
+        <a:alpha val="90000"/>
+      </a:schemeClr>
+    </dgm:fillClrLst>
+    <dgm:linClrLst meth="repeat">
+      <a:schemeClr val="accent2"/>
+      <a:schemeClr val="accent3"/>
+      <a:schemeClr val="accent4"/>
+      <a:schemeClr val="accent5"/>
+      <a:schemeClr val="accent6"/>
+    </dgm:linClrLst>
+    <dgm:effectClrLst/>
+    <dgm:txLinClrLst/>
+    <dgm:txFillClrLst meth="repeat">
+      <a:schemeClr val="dk1"/>
+    </dgm:txFillClrLst>
+    <dgm:txEffectClrLst/>
+  </dgm:styleLbl>
+  <dgm:styleLbl name="alignAcc1">
+    <dgm:fillClrLst meth="repeat">
+      <a:schemeClr val="lt1">
+        <a:alpha val="90000"/>
+      </a:schemeClr>
+    </dgm:fillClrLst>
+    <dgm:linClrLst meth="repeat">
+      <a:schemeClr val="accent2"/>
+      <a:schemeClr val="accent3"/>
+      <a:schemeClr val="accent4"/>
+      <a:schemeClr val="accent5"/>
+      <a:schemeClr val="accent6"/>
+    </dgm:linClrLst>
+    <dgm:effectClrLst/>
+    <dgm:txLinClrLst/>
+    <dgm:txFillClrLst meth="repeat">
+      <a:schemeClr val="dk1"/>
+    </dgm:txFillClrLst>
+    <dgm:txEffectClrLst/>
+  </dgm:styleLbl>
+  <dgm:styleLbl name="trAlignAcc1">
+    <dgm:fillClrLst meth="repeat">
+      <a:schemeClr val="lt1">
+        <a:alpha val="40000"/>
+      </a:schemeClr>
+    </dgm:fillClrLst>
+    <dgm:linClrLst meth="repeat">
+      <a:schemeClr val="accent1"/>
+    </dgm:linClrLst>
+    <dgm:effectClrLst/>
+    <dgm:txLinClrLst/>
+    <dgm:txFillClrLst meth="repeat">
+      <a:schemeClr val="dk1"/>
+    </dgm:txFillClrLst>
+    <dgm:txEffectClrLst/>
+  </dgm:styleLbl>
+  <dgm:styleLbl name="bgAcc1">
+    <dgm:fillClrLst meth="repeat">
+      <a:schemeClr val="lt1">
+        <a:alpha val="90000"/>
+      </a:schemeClr>
+    </dgm:fillClrLst>
+    <dgm:linClrLst meth="repeat">
+      <a:schemeClr val="accent2"/>
+      <a:schemeClr val="accent3"/>
+      <a:schemeClr val="accent4"/>
+      <a:schemeClr val="accent5"/>
+      <a:schemeClr val="accent6"/>
+    </dgm:linClrLst>
+    <dgm:effectClrLst/>
+    <dgm:txLinClrLst/>
+    <dgm:txFillClrLst meth="repeat">
+      <a:schemeClr val="dk1"/>
+    </dgm:txFillClrLst>
+    <dgm:txEffectClrLst/>
+  </dgm:styleLbl>
+  <dgm:styleLbl name="solidFgAcc1">
+    <dgm:fillClrLst meth="repeat">
+      <a:schemeClr val="lt1"/>
+    </dgm:fillClrLst>
+    <dgm:linClrLst meth="repeat">
+      <a:schemeClr val="accent2"/>
+      <a:schemeClr val="accent3"/>
+      <a:schemeClr val="accent4"/>
+      <a:schemeClr val="accent5"/>
+      <a:schemeClr val="accent6"/>
+    </dgm:linClrLst>
+    <dgm:effectClrLst/>
+    <dgm:txLinClrLst/>
+    <dgm:txFillClrLst meth="repeat">
+      <a:schemeClr val="dk1"/>
+    </dgm:txFillClrLst>
+    <dgm:txEffectClrLst/>
+  </dgm:styleLbl>
+  <dgm:styleLbl name="solidAlignAcc1">
+    <dgm:fillClrLst meth="repeat">
+      <a:schemeClr val="lt1"/>
+    </dgm:fillClrLst>
+    <dgm:linClrLst meth="repeat">
+      <a:schemeClr val="accent2"/>
+      <a:schemeClr val="accent3"/>
+      <a:schemeClr val="accent4"/>
+      <a:schemeClr val="accent5"/>
+      <a:schemeClr val="accent6"/>
+    </dgm:linClrLst>
+    <dgm:effectClrLst/>
+    <dgm:txLinClrLst/>
+    <dgm:txFillClrLst meth="repeat">
+      <a:schemeClr val="dk1"/>
+    </dgm:txFillClrLst>
+    <dgm:txEffectClrLst/>
+  </dgm:styleLbl>
+  <dgm:styleLbl name="solidBgAcc1">
+    <dgm:fillClrLst meth="repeat">
+      <a:schemeClr val="lt1"/>
+    </dgm:fillClrLst>
+    <dgm:linClrLst meth="repeat">
+      <a:schemeClr val="accent2"/>
+      <a:schemeClr val="accent3"/>
+      <a:schemeClr val="accent4"/>
+      <a:schemeClr val="accent5"/>
+      <a:schemeClr val="accent6"/>
+    </dgm:linClrLst>
+    <dgm:effectClrLst/>
+    <dgm:txLinClrLst/>
+    <dgm:txFillClrLst meth="repeat">
+      <a:schemeClr val="dk1"/>
+    </dgm:txFillClrLst>
+    <dgm:txEffectClrLst/>
+  </dgm:styleLbl>
+  <dgm:styleLbl name="fgAccFollowNode1">
+    <dgm:fillClrLst meth="repeat">
+      <a:schemeClr val="accent2">
+        <a:tint val="40000"/>
+        <a:alpha val="90000"/>
+      </a:schemeClr>
+      <a:schemeClr val="accent3">
+        <a:tint val="40000"/>
+        <a:alpha val="90000"/>
+      </a:schemeClr>
+      <a:schemeClr val="accent4">
+        <a:tint val="40000"/>
+        <a:alpha val="90000"/>
+      </a:schemeClr>
+      <a:schemeClr val="accent5">
+        <a:tint val="40000"/>
+        <a:alpha val="90000"/>
+      </a:schemeClr>
+      <a:schemeClr val="accent6">
+        <a:tint val="40000"/>
+        <a:alpha val="90000"/>
+      </a:schemeClr>
+    </dgm:fillClrLst>
+    <dgm:linClrLst meth="repeat">
+      <a:schemeClr val="accent2">
+        <a:tint val="40000"/>
+        <a:alpha val="90000"/>
+      </a:schemeClr>
+      <a:schemeClr val="accent3">
+        <a:tint val="40000"/>
+        <a:alpha val="90000"/>
+      </a:schemeClr>
+      <a:schemeClr val="accent4">
+        <a:tint val="40000"/>
+        <a:alpha val="90000"/>
+      </a:schemeClr>
+      <a:schemeClr val="accent5">
+        <a:tint val="40000"/>
+        <a:alpha val="90000"/>
+      </a:schemeClr>
+      <a:schemeClr val="accent6">
+        <a:tint val="40000"/>
+        <a:alpha val="90000"/>
+      </a:schemeClr>
+    </dgm:linClrLst>
+    <dgm:effectClrLst/>
+    <dgm:txLinClrLst/>
+    <dgm:txFillClrLst meth="repeat">
+      <a:schemeClr val="dk1"/>
+    </dgm:txFillClrLst>
+    <dgm:txEffectClrLst/>
+  </dgm:styleLbl>
+  <dgm:styleLbl name="alignAccFollowNode1">
+    <dgm:fillClrLst meth="repeat">
+      <a:schemeClr val="accent2">
+        <a:tint val="40000"/>
+        <a:alpha val="90000"/>
+      </a:schemeClr>
+      <a:schemeClr val="accent3">
+        <a:tint val="40000"/>
+        <a:alpha val="90000"/>
+      </a:schemeClr>
+      <a:schemeClr val="accent4">
+        <a:tint val="40000"/>
+        <a:alpha val="90000"/>
+      </a:schemeClr>
+      <a:schemeClr val="accent5">
+        <a:tint val="40000"/>
+        <a:alpha val="90000"/>
+      </a:schemeClr>
+      <a:schemeClr val="accent6">
+        <a:tint val="40000"/>
+        <a:alpha val="90000"/>
+      </a:schemeClr>
+    </dgm:fillClrLst>
+    <dgm:linClrLst meth="repeat">
+      <a:schemeClr val="accent2">
+        <a:tint val="40000"/>
+        <a:alpha val="90000"/>
+      </a:schemeClr>
+      <a:schemeClr val="accent3">
+        <a:tint val="40000"/>
+        <a:alpha val="90000"/>
+      </a:schemeClr>
+      <a:schemeClr val="accent4">
+        <a:tint val="40000"/>
+        <a:alpha val="90000"/>
+      </a:schemeClr>
+      <a:schemeClr val="accent5">
+        <a:tint val="40000"/>
+        <a:alpha val="90000"/>
+      </a:schemeClr>
+      <a:schemeClr val="accent6">
+        <a:tint val="40000"/>
+        <a:alpha val="90000"/>
+      </a:schemeClr>
+    </dgm:linClrLst>
+    <dgm:effectClrLst/>
+    <dgm:txLinClrLst/>
+    <dgm:txFillClrLst meth="repeat">
+      <a:schemeClr val="dk1"/>
+    </dgm:txFillClrLst>
+    <dgm:txEffectClrLst/>
+  </dgm:styleLbl>
+  <dgm:styleLbl name="bgAccFollowNode1">
+    <dgm:fillClrLst meth="repeat">
+      <a:schemeClr val="accent2">
+        <a:tint val="40000"/>
+        <a:alpha val="90000"/>
+      </a:schemeClr>
+      <a:schemeClr val="accent3">
+        <a:tint val="40000"/>
+        <a:alpha val="90000"/>
+      </a:schemeClr>
+      <a:schemeClr val="accent4">
+        <a:tint val="40000"/>
+        <a:alpha val="90000"/>
+      </a:schemeClr>
+      <a:schemeClr val="accent5">
+        <a:tint val="40000"/>
+        <a:alpha val="90000"/>
+      </a:schemeClr>
+      <a:schemeClr val="accent6">
+        <a:tint val="40000"/>
+        <a:alpha val="90000"/>
+      </a:schemeClr>
+    </dgm:fillClrLst>
+    <dgm:linClrLst meth="repeat">
+      <a:schemeClr val="accent2">
+        <a:tint val="40000"/>
+        <a:alpha val="90000"/>
+      </a:schemeClr>
+      <a:schemeClr val="accent3">
+        <a:tint val="40000"/>
+        <a:alpha val="90000"/>
+      </a:schemeClr>
+      <a:schemeClr val="accent4">
+        <a:tint val="40000"/>
+        <a:alpha val="90000"/>
+      </a:schemeClr>
+      <a:schemeClr val="accent5">
+        <a:tint val="40000"/>
+        <a:alpha val="90000"/>
+      </a:schemeClr>
+      <a:schemeClr val="accent6">
+        <a:tint val="40000"/>
+        <a:alpha val="90000"/>
+      </a:schemeClr>
+    </dgm:linClrLst>
+    <dgm:effectClrLst/>
+    <dgm:txLinClrLst/>
+    <dgm:txFillClrLst meth="repeat">
+      <a:schemeClr val="dk1"/>
+    </dgm:txFillClrLst>
+    <dgm:txEffectClrLst/>
+  </dgm:styleLbl>
+  <dgm:styleLbl name="fgAcc0">
+    <dgm:fillClrLst meth="repeat">
+      <a:schemeClr val="lt1">
+        <a:alpha val="90000"/>
+      </a:schemeClr>
+    </dgm:fillClrLst>
+    <dgm:linClrLst>
+      <a:schemeClr val="accent1"/>
+    </dgm:linClrLst>
+    <dgm:effectClrLst/>
+    <dgm:txLinClrLst/>
+    <dgm:txFillClrLst meth="repeat">
+      <a:schemeClr val="dk1"/>
+    </dgm:txFillClrLst>
+    <dgm:txEffectClrLst/>
+  </dgm:styleLbl>
+  <dgm:styleLbl name="fgAcc2">
+    <dgm:fillClrLst meth="repeat">
+      <a:schemeClr val="lt1">
+        <a:alpha val="90000"/>
+      </a:schemeClr>
+    </dgm:fillClrLst>
+    <dgm:linClrLst>
+      <a:schemeClr val="accent2"/>
+    </dgm:linClrLst>
+    <dgm:effectClrLst/>
+    <dgm:txLinClrLst/>
+    <dgm:txFillClrLst meth="repeat">
+      <a:schemeClr val="dk1"/>
+    </dgm:txFillClrLst>
+    <dgm:txEffectClrLst/>
+  </dgm:styleLbl>
+  <dgm:styleLbl name="fgAcc3">
+    <dgm:fillClrLst meth="repeat">
+      <a:schemeClr val="lt1">
+        <a:alpha val="90000"/>
+      </a:schemeClr>
+    </dgm:fillClrLst>
+    <dgm:linClrLst>
+      <a:schemeClr val="accent3"/>
+    </dgm:linClrLst>
+    <dgm:effectClrLst/>
+    <dgm:txLinClrLst/>
+    <dgm:txFillClrLst meth="repeat">
+      <a:schemeClr val="dk1"/>
+    </dgm:txFillClrLst>
+    <dgm:txEffectClrLst/>
+  </dgm:styleLbl>
+  <dgm:styleLbl name="fgAcc4">
+    <dgm:fillClrLst meth="repeat">
+      <a:schemeClr val="lt1">
+        <a:alpha val="90000"/>
+      </a:schemeClr>
+    </dgm:fillClrLst>
+    <dgm:linClrLst>
+      <a:schemeClr val="accent4"/>
+    </dgm:linClrLst>
+    <dgm:effectClrLst/>
+    <dgm:txLinClrLst/>
+    <dgm:txFillClrLst meth="repeat">
+      <a:schemeClr val="dk1"/>
+    </dgm:txFillClrLst>
+    <dgm:txEffectClrLst/>
+  </dgm:styleLbl>
+  <dgm:styleLbl name="bgShp">
+    <dgm:fillClrLst meth="repeat">
+      <a:schemeClr val="accent2">
+        <a:tint val="40000"/>
+      </a:schemeClr>
+    </dgm:fillClrLst>
+    <dgm:linClrLst meth="repeat">
+      <a:schemeClr val="dk1"/>
+    </dgm:linClrLst>
+    <dgm:effectClrLst/>
+    <dgm:txLinClrLst/>
+    <dgm:txFillClrLst meth="repeat">
+      <a:schemeClr val="dk1"/>
+    </dgm:txFillClrLst>
+    <dgm:txEffectClrLst/>
+  </dgm:styleLbl>
+  <dgm:styleLbl name="dkBgShp">
+    <dgm:fillClrLst meth="repeat">
+      <a:schemeClr val="accent2">
+        <a:shade val="90000"/>
+      </a:schemeClr>
+    </dgm:fillClrLst>
+    <dgm:linClrLst meth="repeat">
+      <a:schemeClr val="dk1"/>
+    </dgm:linClrLst>
+    <dgm:effectClrLst/>
+    <dgm:txLinClrLst/>
+    <dgm:txFillClrLst meth="repeat">
+      <a:schemeClr val="lt1"/>
+    </dgm:txFillClrLst>
+    <dgm:txEffectClrLst/>
+  </dgm:styleLbl>
+  <dgm:styleLbl name="trBgShp">
+    <dgm:fillClrLst meth="repeat">
+      <a:schemeClr val="accent1">
+        <a:tint val="50000"/>
+        <a:alpha val="40000"/>
+      </a:schemeClr>
+    </dgm:fillClrLst>
+    <dgm:linClrLst meth="repeat">
+      <a:schemeClr val="accent2"/>
+    </dgm:linClrLst>
+    <dgm:effectClrLst/>
+    <dgm:txLinClrLst/>
+    <dgm:txFillClrLst meth="repeat">
+      <a:schemeClr val="lt1"/>
+    </dgm:txFillClrLst>
+    <dgm:txEffectClrLst/>
+  </dgm:styleLbl>
+  <dgm:styleLbl name="fgShp">
+    <dgm:fillClrLst meth="repeat">
+      <a:schemeClr val="accent2">
+        <a:tint val="40000"/>
+      </a:schemeClr>
+    </dgm:fillClrLst>
+    <dgm:linClrLst meth="repeat">
+      <a:schemeClr val="lt1"/>
+    </dgm:linClrLst>
+    <dgm:effectClrLst/>
+    <dgm:txLinClrLst/>
+    <dgm:txFillClrLst meth="repeat">
+      <a:schemeClr val="dk1"/>
+    </dgm:txFillClrLst>
+    <dgm:txEffectClrLst/>
+  </dgm:styleLbl>
+  <dgm:styleLbl name="revTx">
+    <dgm:fillClrLst meth="repeat">
+      <a:schemeClr val="lt1">
+        <a:alpha val="0"/>
+      </a:schemeClr>
+    </dgm:fillClrLst>
+    <dgm:linClrLst meth="repeat">
+      <a:schemeClr val="dk1">
+        <a:alpha val="0"/>
+      </a:schemeClr>
+    </dgm:linClrLst>
+    <dgm:effectClrLst/>
+    <dgm:txLinClrLst/>
+    <dgm:txFillClrLst meth="repeat">
+      <a:schemeClr val="tx1"/>
+    </dgm:txFillClrLst>
+    <dgm:txEffectClrLst/>
+  </dgm:styleLbl>
+</dgm:colorsDef>
+</file>
+
+<file path=ppt/diagrams/data1.xml><?xml version="1.0" encoding="utf-8"?>
+<dgm:dataModel xmlns:dgm="http://schemas.openxmlformats.org/drawingml/2006/diagram" xmlns:a="http://schemas.openxmlformats.org/drawingml/2006/main">
+  <dgm:ptLst>
+    <dgm:pt modelId="{F3057B10-036C-4413-BAEB-9D57951582B0}" type="doc">
+      <dgm:prSet loTypeId="urn:microsoft.com/office/officeart/2005/8/layout/hierarchy1" loCatId="hierarchy" qsTypeId="urn:microsoft.com/office/officeart/2005/8/quickstyle/simple1" qsCatId="simple" csTypeId="urn:microsoft.com/office/officeart/2005/8/colors/colorful1" csCatId="colorful"/>
+      <dgm:spPr/>
+      <dgm:t>
+        <a:bodyPr/>
+        <a:lstStyle/>
+        <a:p>
+          <a:endParaRPr lang="en-US"/>
+        </a:p>
+      </dgm:t>
+    </dgm:pt>
+    <dgm:pt modelId="{5BB84A06-C575-4245-BECC-8B508DDEAEC7}">
+      <dgm:prSet/>
+      <dgm:spPr/>
+      <dgm:t>
+        <a:bodyPr/>
+        <a:lstStyle/>
+        <a:p>
+          <a:r>
+            <a:rPr lang="en-DE"/>
+            <a:t>Front End</a:t>
+          </a:r>
+          <a:endParaRPr lang="en-US"/>
+        </a:p>
+      </dgm:t>
+    </dgm:pt>
+    <dgm:pt modelId="{C0F56092-AE10-4FD1-928A-9EC6634CD5F4}" type="parTrans" cxnId="{CF02B39B-7984-4155-AC74-5FB2EE585288}">
+      <dgm:prSet/>
+      <dgm:spPr/>
+      <dgm:t>
+        <a:bodyPr/>
+        <a:lstStyle/>
+        <a:p>
+          <a:endParaRPr lang="en-US"/>
+        </a:p>
+      </dgm:t>
+    </dgm:pt>
+    <dgm:pt modelId="{2A373829-238D-412D-91D8-89A87A3A43F8}" type="sibTrans" cxnId="{CF02B39B-7984-4155-AC74-5FB2EE585288}">
+      <dgm:prSet/>
+      <dgm:spPr/>
+      <dgm:t>
+        <a:bodyPr/>
+        <a:lstStyle/>
+        <a:p>
+          <a:endParaRPr lang="en-US"/>
+        </a:p>
+      </dgm:t>
+    </dgm:pt>
+    <dgm:pt modelId="{342F308E-9CB3-49C8-91D5-A893D851A9CB}">
+      <dgm:prSet/>
+      <dgm:spPr/>
+      <dgm:t>
+        <a:bodyPr/>
+        <a:lstStyle/>
+        <a:p>
+          <a:r>
+            <a:rPr lang="en-DE"/>
+            <a:t>Inter Protocol Communication</a:t>
+          </a:r>
+          <a:endParaRPr lang="en-US"/>
+        </a:p>
+      </dgm:t>
+    </dgm:pt>
+    <dgm:pt modelId="{1A938E7D-7CB0-4737-8A04-9E45800BD54F}" type="parTrans" cxnId="{2C63C416-4E19-4F55-A839-08387B1450E9}">
+      <dgm:prSet/>
+      <dgm:spPr/>
+      <dgm:t>
+        <a:bodyPr/>
+        <a:lstStyle/>
+        <a:p>
+          <a:endParaRPr lang="en-US"/>
+        </a:p>
+      </dgm:t>
+    </dgm:pt>
+    <dgm:pt modelId="{6DF0C938-CEF2-412E-9640-5E21228200AD}" type="sibTrans" cxnId="{2C63C416-4E19-4F55-A839-08387B1450E9}">
+      <dgm:prSet/>
+      <dgm:spPr/>
+      <dgm:t>
+        <a:bodyPr/>
+        <a:lstStyle/>
+        <a:p>
+          <a:endParaRPr lang="en-US"/>
+        </a:p>
+      </dgm:t>
+    </dgm:pt>
+    <dgm:pt modelId="{37190768-663F-41A6-8BB9-BA45B0BC1117}">
+      <dgm:prSet/>
+      <dgm:spPr/>
+      <dgm:t>
+        <a:bodyPr/>
+        <a:lstStyle/>
+        <a:p>
+          <a:r>
+            <a:rPr lang="en-DE"/>
+            <a:t>Back End</a:t>
+          </a:r>
+          <a:endParaRPr lang="en-US"/>
+        </a:p>
+      </dgm:t>
+    </dgm:pt>
+    <dgm:pt modelId="{7A99564D-7768-4909-9375-EB0CACD02828}" type="parTrans" cxnId="{467A28C2-0C56-4329-8215-C9AFF2133DA3}">
+      <dgm:prSet/>
+      <dgm:spPr/>
+      <dgm:t>
+        <a:bodyPr/>
+        <a:lstStyle/>
+        <a:p>
+          <a:endParaRPr lang="en-US"/>
+        </a:p>
+      </dgm:t>
+    </dgm:pt>
+    <dgm:pt modelId="{9CF7D5CB-3E16-4EFC-8AA2-39061F820B85}" type="sibTrans" cxnId="{467A28C2-0C56-4329-8215-C9AFF2133DA3}">
+      <dgm:prSet/>
+      <dgm:spPr/>
+      <dgm:t>
+        <a:bodyPr/>
+        <a:lstStyle/>
+        <a:p>
+          <a:endParaRPr lang="en-US"/>
+        </a:p>
+      </dgm:t>
+    </dgm:pt>
+    <dgm:pt modelId="{E5E00FA2-77AC-486D-879C-0D30CF030B5C}" type="pres">
+      <dgm:prSet presAssocID="{F3057B10-036C-4413-BAEB-9D57951582B0}" presName="hierChild1" presStyleCnt="0">
+        <dgm:presLayoutVars>
+          <dgm:chPref val="1"/>
+          <dgm:dir/>
+          <dgm:animOne val="branch"/>
+          <dgm:animLvl val="lvl"/>
+          <dgm:resizeHandles/>
+        </dgm:presLayoutVars>
+      </dgm:prSet>
+      <dgm:spPr/>
+    </dgm:pt>
+    <dgm:pt modelId="{689DA2AC-EBA1-4A18-86CC-F63536F0E3D4}" type="pres">
+      <dgm:prSet presAssocID="{5BB84A06-C575-4245-BECC-8B508DDEAEC7}" presName="hierRoot1" presStyleCnt="0"/>
+      <dgm:spPr/>
+    </dgm:pt>
+    <dgm:pt modelId="{297F65AE-A70A-472F-AC4D-F353962EA88C}" type="pres">
+      <dgm:prSet presAssocID="{5BB84A06-C575-4245-BECC-8B508DDEAEC7}" presName="composite" presStyleCnt="0"/>
+      <dgm:spPr/>
+    </dgm:pt>
+    <dgm:pt modelId="{43CFE41E-3DC4-47F0-9ECB-6574C99981D9}" type="pres">
+      <dgm:prSet presAssocID="{5BB84A06-C575-4245-BECC-8B508DDEAEC7}" presName="background" presStyleLbl="node0" presStyleIdx="0" presStyleCnt="3"/>
+      <dgm:spPr/>
+    </dgm:pt>
+    <dgm:pt modelId="{7F95DDBE-C174-4DD7-B887-BC7FCC3053EB}" type="pres">
+      <dgm:prSet presAssocID="{5BB84A06-C575-4245-BECC-8B508DDEAEC7}" presName="text" presStyleLbl="fgAcc0" presStyleIdx="0" presStyleCnt="3">
+        <dgm:presLayoutVars>
+          <dgm:chPref val="3"/>
+        </dgm:presLayoutVars>
+      </dgm:prSet>
+      <dgm:spPr/>
+    </dgm:pt>
+    <dgm:pt modelId="{01608B69-E099-4F3D-9E53-B90ABC9C5924}" type="pres">
+      <dgm:prSet presAssocID="{5BB84A06-C575-4245-BECC-8B508DDEAEC7}" presName="hierChild2" presStyleCnt="0"/>
+      <dgm:spPr/>
+    </dgm:pt>
+    <dgm:pt modelId="{8FA963B2-81A7-40ED-8BA6-B43BCFD62300}" type="pres">
+      <dgm:prSet presAssocID="{342F308E-9CB3-49C8-91D5-A893D851A9CB}" presName="hierRoot1" presStyleCnt="0"/>
+      <dgm:spPr/>
+    </dgm:pt>
+    <dgm:pt modelId="{C205FAEB-31CD-4091-99E9-9E1C7F9A9411}" type="pres">
+      <dgm:prSet presAssocID="{342F308E-9CB3-49C8-91D5-A893D851A9CB}" presName="composite" presStyleCnt="0"/>
+      <dgm:spPr/>
+    </dgm:pt>
+    <dgm:pt modelId="{8E0BE30E-B8BB-4F74-9648-303D25BA99DC}" type="pres">
+      <dgm:prSet presAssocID="{342F308E-9CB3-49C8-91D5-A893D851A9CB}" presName="background" presStyleLbl="node0" presStyleIdx="1" presStyleCnt="3"/>
+      <dgm:spPr/>
+    </dgm:pt>
+    <dgm:pt modelId="{8C3F41C8-1756-4533-9697-CDCF3BF8188C}" type="pres">
+      <dgm:prSet presAssocID="{342F308E-9CB3-49C8-91D5-A893D851A9CB}" presName="text" presStyleLbl="fgAcc0" presStyleIdx="1" presStyleCnt="3">
+        <dgm:presLayoutVars>
+          <dgm:chPref val="3"/>
+        </dgm:presLayoutVars>
+      </dgm:prSet>
+      <dgm:spPr/>
+    </dgm:pt>
+    <dgm:pt modelId="{87DC75F5-390D-40E3-B340-7AEC1DA3F3A9}" type="pres">
+      <dgm:prSet presAssocID="{342F308E-9CB3-49C8-91D5-A893D851A9CB}" presName="hierChild2" presStyleCnt="0"/>
+      <dgm:spPr/>
+    </dgm:pt>
+    <dgm:pt modelId="{C1EE86B7-95BF-4F34-8328-637EE61E7DD0}" type="pres">
+      <dgm:prSet presAssocID="{37190768-663F-41A6-8BB9-BA45B0BC1117}" presName="hierRoot1" presStyleCnt="0"/>
+      <dgm:spPr/>
+    </dgm:pt>
+    <dgm:pt modelId="{CCF151A1-884E-4A79-8727-E225EC96CC54}" type="pres">
+      <dgm:prSet presAssocID="{37190768-663F-41A6-8BB9-BA45B0BC1117}" presName="composite" presStyleCnt="0"/>
+      <dgm:spPr/>
+    </dgm:pt>
+    <dgm:pt modelId="{EF1CEFDC-0B3D-4DF3-9FA6-C0BA3B9F8916}" type="pres">
+      <dgm:prSet presAssocID="{37190768-663F-41A6-8BB9-BA45B0BC1117}" presName="background" presStyleLbl="node0" presStyleIdx="2" presStyleCnt="3"/>
+      <dgm:spPr/>
+    </dgm:pt>
+    <dgm:pt modelId="{3C493AD1-7679-48B1-A5CB-D212955BA554}" type="pres">
+      <dgm:prSet presAssocID="{37190768-663F-41A6-8BB9-BA45B0BC1117}" presName="text" presStyleLbl="fgAcc0" presStyleIdx="2" presStyleCnt="3">
+        <dgm:presLayoutVars>
+          <dgm:chPref val="3"/>
+        </dgm:presLayoutVars>
+      </dgm:prSet>
+      <dgm:spPr/>
+    </dgm:pt>
+    <dgm:pt modelId="{81C191CD-EDD1-4022-BF4A-B0F7E5E3B828}" type="pres">
+      <dgm:prSet presAssocID="{37190768-663F-41A6-8BB9-BA45B0BC1117}" presName="hierChild2" presStyleCnt="0"/>
+      <dgm:spPr/>
+    </dgm:pt>
+  </dgm:ptLst>
+  <dgm:cxnLst>
+    <dgm:cxn modelId="{2C63C416-4E19-4F55-A839-08387B1450E9}" srcId="{F3057B10-036C-4413-BAEB-9D57951582B0}" destId="{342F308E-9CB3-49C8-91D5-A893D851A9CB}" srcOrd="1" destOrd="0" parTransId="{1A938E7D-7CB0-4737-8A04-9E45800BD54F}" sibTransId="{6DF0C938-CEF2-412E-9640-5E21228200AD}"/>
+    <dgm:cxn modelId="{12C08623-19EB-4C90-8088-0BF098237369}" type="presOf" srcId="{F3057B10-036C-4413-BAEB-9D57951582B0}" destId="{E5E00FA2-77AC-486D-879C-0D30CF030B5C}" srcOrd="0" destOrd="0" presId="urn:microsoft.com/office/officeart/2005/8/layout/hierarchy1"/>
+    <dgm:cxn modelId="{883B577E-4BB0-4C4B-8372-F7ECEEC447C2}" type="presOf" srcId="{37190768-663F-41A6-8BB9-BA45B0BC1117}" destId="{3C493AD1-7679-48B1-A5CB-D212955BA554}" srcOrd="0" destOrd="0" presId="urn:microsoft.com/office/officeart/2005/8/layout/hierarchy1"/>
+    <dgm:cxn modelId="{CF02B39B-7984-4155-AC74-5FB2EE585288}" srcId="{F3057B10-036C-4413-BAEB-9D57951582B0}" destId="{5BB84A06-C575-4245-BECC-8B508DDEAEC7}" srcOrd="0" destOrd="0" parTransId="{C0F56092-AE10-4FD1-928A-9EC6634CD5F4}" sibTransId="{2A373829-238D-412D-91D8-89A87A3A43F8}"/>
+    <dgm:cxn modelId="{66C97BA9-7188-4593-9CA5-92DFB7B444D8}" type="presOf" srcId="{5BB84A06-C575-4245-BECC-8B508DDEAEC7}" destId="{7F95DDBE-C174-4DD7-B887-BC7FCC3053EB}" srcOrd="0" destOrd="0" presId="urn:microsoft.com/office/officeart/2005/8/layout/hierarchy1"/>
+    <dgm:cxn modelId="{467A28C2-0C56-4329-8215-C9AFF2133DA3}" srcId="{F3057B10-036C-4413-BAEB-9D57951582B0}" destId="{37190768-663F-41A6-8BB9-BA45B0BC1117}" srcOrd="2" destOrd="0" parTransId="{7A99564D-7768-4909-9375-EB0CACD02828}" sibTransId="{9CF7D5CB-3E16-4EFC-8AA2-39061F820B85}"/>
+    <dgm:cxn modelId="{F8B043E0-434C-40E8-9A0E-8B360A7E2AE2}" type="presOf" srcId="{342F308E-9CB3-49C8-91D5-A893D851A9CB}" destId="{8C3F41C8-1756-4533-9697-CDCF3BF8188C}" srcOrd="0" destOrd="0" presId="urn:microsoft.com/office/officeart/2005/8/layout/hierarchy1"/>
+    <dgm:cxn modelId="{CDB4E49A-3E0B-46EC-B503-493F9827944D}" type="presParOf" srcId="{E5E00FA2-77AC-486D-879C-0D30CF030B5C}" destId="{689DA2AC-EBA1-4A18-86CC-F63536F0E3D4}" srcOrd="0" destOrd="0" presId="urn:microsoft.com/office/officeart/2005/8/layout/hierarchy1"/>
+    <dgm:cxn modelId="{82B4682B-EC1C-48C0-BB0C-F6DF41E33392}" type="presParOf" srcId="{689DA2AC-EBA1-4A18-86CC-F63536F0E3D4}" destId="{297F65AE-A70A-472F-AC4D-F353962EA88C}" srcOrd="0" destOrd="0" presId="urn:microsoft.com/office/officeart/2005/8/layout/hierarchy1"/>
+    <dgm:cxn modelId="{38B21EF3-1DD1-49F6-9FE6-DCE2D82D2F8B}" type="presParOf" srcId="{297F65AE-A70A-472F-AC4D-F353962EA88C}" destId="{43CFE41E-3DC4-47F0-9ECB-6574C99981D9}" srcOrd="0" destOrd="0" presId="urn:microsoft.com/office/officeart/2005/8/layout/hierarchy1"/>
+    <dgm:cxn modelId="{157AAE03-7463-4C7D-909E-1E08896828BA}" type="presParOf" srcId="{297F65AE-A70A-472F-AC4D-F353962EA88C}" destId="{7F95DDBE-C174-4DD7-B887-BC7FCC3053EB}" srcOrd="1" destOrd="0" presId="urn:microsoft.com/office/officeart/2005/8/layout/hierarchy1"/>
+    <dgm:cxn modelId="{D3044E20-57CD-4D53-BFE4-F4FAC5F1B27D}" type="presParOf" srcId="{689DA2AC-EBA1-4A18-86CC-F63536F0E3D4}" destId="{01608B69-E099-4F3D-9E53-B90ABC9C5924}" srcOrd="1" destOrd="0" presId="urn:microsoft.com/office/officeart/2005/8/layout/hierarchy1"/>
+    <dgm:cxn modelId="{DBCA18BA-E20F-4164-A124-F7E6344B9563}" type="presParOf" srcId="{E5E00FA2-77AC-486D-879C-0D30CF030B5C}" destId="{8FA963B2-81A7-40ED-8BA6-B43BCFD62300}" srcOrd="1" destOrd="0" presId="urn:microsoft.com/office/officeart/2005/8/layout/hierarchy1"/>
+    <dgm:cxn modelId="{C4C3D6E8-670A-40D9-98B1-271841124515}" type="presParOf" srcId="{8FA963B2-81A7-40ED-8BA6-B43BCFD62300}" destId="{C205FAEB-31CD-4091-99E9-9E1C7F9A9411}" srcOrd="0" destOrd="0" presId="urn:microsoft.com/office/officeart/2005/8/layout/hierarchy1"/>
+    <dgm:cxn modelId="{6B6FD76F-99F5-4669-AD41-C6400F21684A}" type="presParOf" srcId="{C205FAEB-31CD-4091-99E9-9E1C7F9A9411}" destId="{8E0BE30E-B8BB-4F74-9648-303D25BA99DC}" srcOrd="0" destOrd="0" presId="urn:microsoft.com/office/officeart/2005/8/layout/hierarchy1"/>
+    <dgm:cxn modelId="{1EABA6B9-C115-407D-9956-D749032216E0}" type="presParOf" srcId="{C205FAEB-31CD-4091-99E9-9E1C7F9A9411}" destId="{8C3F41C8-1756-4533-9697-CDCF3BF8188C}" srcOrd="1" destOrd="0" presId="urn:microsoft.com/office/officeart/2005/8/layout/hierarchy1"/>
+    <dgm:cxn modelId="{C3DC53C4-D5B9-43FD-8F5B-5DC13935E7CB}" type="presParOf" srcId="{8FA963B2-81A7-40ED-8BA6-B43BCFD62300}" destId="{87DC75F5-390D-40E3-B340-7AEC1DA3F3A9}" srcOrd="1" destOrd="0" presId="urn:microsoft.com/office/officeart/2005/8/layout/hierarchy1"/>
+    <dgm:cxn modelId="{3A95996B-0687-4D23-9EA4-3F20EB4AE3DD}" type="presParOf" srcId="{E5E00FA2-77AC-486D-879C-0D30CF030B5C}" destId="{C1EE86B7-95BF-4F34-8328-637EE61E7DD0}" srcOrd="2" destOrd="0" presId="urn:microsoft.com/office/officeart/2005/8/layout/hierarchy1"/>
+    <dgm:cxn modelId="{022CA171-87A8-4341-A72D-116C63CB177A}" type="presParOf" srcId="{C1EE86B7-95BF-4F34-8328-637EE61E7DD0}" destId="{CCF151A1-884E-4A79-8727-E225EC96CC54}" srcOrd="0" destOrd="0" presId="urn:microsoft.com/office/officeart/2005/8/layout/hierarchy1"/>
+    <dgm:cxn modelId="{DC55CB82-BD72-467E-89D2-9414CDD86E33}" type="presParOf" srcId="{CCF151A1-884E-4A79-8727-E225EC96CC54}" destId="{EF1CEFDC-0B3D-4DF3-9FA6-C0BA3B9F8916}" srcOrd="0" destOrd="0" presId="urn:microsoft.com/office/officeart/2005/8/layout/hierarchy1"/>
+    <dgm:cxn modelId="{83B84A00-E4B8-452C-ADA8-B117DA988405}" type="presParOf" srcId="{CCF151A1-884E-4A79-8727-E225EC96CC54}" destId="{3C493AD1-7679-48B1-A5CB-D212955BA554}" srcOrd="1" destOrd="0" presId="urn:microsoft.com/office/officeart/2005/8/layout/hierarchy1"/>
+    <dgm:cxn modelId="{EF07994C-1396-42E6-9ABB-81CE99E297B7}" type="presParOf" srcId="{C1EE86B7-95BF-4F34-8328-637EE61E7DD0}" destId="{81C191CD-EDD1-4022-BF4A-B0F7E5E3B828}" srcOrd="1" destOrd="0" presId="urn:microsoft.com/office/officeart/2005/8/layout/hierarchy1"/>
+  </dgm:cxnLst>
+  <dgm:bg/>
+  <dgm:whole/>
+  <dgm:extLst>
+    <a:ext uri="http://schemas.microsoft.com/office/drawing/2008/diagram">
+      <dsp:dataModelExt xmlns:dsp="http://schemas.microsoft.com/office/drawing/2008/diagram" relId="rId6" minVer="http://schemas.openxmlformats.org/drawingml/2006/diagram"/>
+    </a:ext>
+  </dgm:extLst>
+</dgm:dataModel>
+</file>
+
+<file path=ppt/diagrams/drawing1.xml><?xml version="1.0" encoding="utf-8"?>
+<dsp:drawing xmlns:dgm="http://schemas.openxmlformats.org/drawingml/2006/diagram" xmlns:dsp="http://schemas.microsoft.com/office/drawing/2008/diagram" xmlns:a="http://schemas.openxmlformats.org/drawingml/2006/main">
+  <dsp:spTree>
+    <dsp:nvGrpSpPr>
+      <dsp:cNvPr id="0" name=""/>
+      <dsp:cNvGrpSpPr/>
+    </dsp:nvGrpSpPr>
+    <dsp:grpSpPr/>
+    <dsp:sp modelId="{43CFE41E-3DC4-47F0-9ECB-6574C99981D9}">
+      <dsp:nvSpPr>
+        <dsp:cNvPr id="0" name=""/>
+        <dsp:cNvSpPr/>
+      </dsp:nvSpPr>
+      <dsp:spPr>
+        <a:xfrm>
+          <a:off x="0" y="524133"/>
+          <a:ext cx="2918936" cy="1853524"/>
+        </a:xfrm>
+        <a:prstGeom prst="roundRect">
+          <a:avLst>
+            <a:gd name="adj" fmla="val 10000"/>
+          </a:avLst>
+        </a:prstGeom>
+        <a:solidFill>
+          <a:schemeClr val="accent1">
+            <a:hueOff val="0"/>
+            <a:satOff val="0"/>
+            <a:lumOff val="0"/>
+            <a:alphaOff val="0"/>
+          </a:schemeClr>
+        </a:solidFill>
+        <a:ln w="19050" cap="flat" cmpd="sng" algn="ctr">
+          <a:solidFill>
+            <a:schemeClr val="lt1">
+              <a:hueOff val="0"/>
+              <a:satOff val="0"/>
+              <a:lumOff val="0"/>
+              <a:alphaOff val="0"/>
+            </a:schemeClr>
+          </a:solidFill>
+          <a:prstDash val="solid"/>
+          <a:miter lim="800000"/>
+        </a:ln>
+        <a:effectLst/>
+      </dsp:spPr>
+      <dsp:style>
+        <a:lnRef idx="2">
+          <a:scrgbClr r="0" g="0" b="0"/>
+        </a:lnRef>
+        <a:fillRef idx="1">
+          <a:scrgbClr r="0" g="0" b="0"/>
+        </a:fillRef>
+        <a:effectRef idx="0">
+          <a:scrgbClr r="0" g="0" b="0"/>
+        </a:effectRef>
+        <a:fontRef idx="minor">
+          <a:schemeClr val="lt1"/>
+        </a:fontRef>
+      </dsp:style>
+    </dsp:sp>
+    <dsp:sp modelId="{7F95DDBE-C174-4DD7-B887-BC7FCC3053EB}">
+      <dsp:nvSpPr>
+        <dsp:cNvPr id="0" name=""/>
+        <dsp:cNvSpPr/>
+      </dsp:nvSpPr>
+      <dsp:spPr>
+        <a:xfrm>
+          <a:off x="324326" y="832243"/>
+          <a:ext cx="2918936" cy="1853524"/>
+        </a:xfrm>
+        <a:prstGeom prst="roundRect">
+          <a:avLst>
+            <a:gd name="adj" fmla="val 10000"/>
+          </a:avLst>
+        </a:prstGeom>
+        <a:solidFill>
+          <a:schemeClr val="lt1">
+            <a:alpha val="90000"/>
+            <a:hueOff val="0"/>
+            <a:satOff val="0"/>
+            <a:lumOff val="0"/>
+            <a:alphaOff val="0"/>
+          </a:schemeClr>
+        </a:solidFill>
+        <a:ln w="19050" cap="flat" cmpd="sng" algn="ctr">
+          <a:solidFill>
+            <a:schemeClr val="accent1">
+              <a:hueOff val="0"/>
+              <a:satOff val="0"/>
+              <a:lumOff val="0"/>
+              <a:alphaOff val="0"/>
+            </a:schemeClr>
+          </a:solidFill>
+          <a:prstDash val="solid"/>
+          <a:miter lim="800000"/>
+        </a:ln>
+        <a:effectLst/>
+      </dsp:spPr>
+      <dsp:style>
+        <a:lnRef idx="2">
+          <a:scrgbClr r="0" g="0" b="0"/>
+        </a:lnRef>
+        <a:fillRef idx="1">
+          <a:scrgbClr r="0" g="0" b="0"/>
+        </a:fillRef>
+        <a:effectRef idx="0">
+          <a:scrgbClr r="0" g="0" b="0"/>
+        </a:effectRef>
+        <a:fontRef idx="minor"/>
+      </dsp:style>
+      <dsp:txBody>
+        <a:bodyPr spcFirstLastPara="0" vert="horz" wrap="square" lIns="110490" tIns="110490" rIns="110490" bIns="110490" numCol="1" spcCol="1270" anchor="ctr" anchorCtr="0">
+          <a:noAutofit/>
+        </a:bodyPr>
+        <a:lstStyle/>
+        <a:p>
+          <a:pPr marL="0" lvl="0" indent="0" algn="ctr" defTabSz="1289050">
+            <a:lnSpc>
+              <a:spcPct val="90000"/>
+            </a:lnSpc>
+            <a:spcBef>
+              <a:spcPct val="0"/>
+            </a:spcBef>
+            <a:spcAft>
+              <a:spcPct val="35000"/>
+            </a:spcAft>
+            <a:buNone/>
+          </a:pPr>
+          <a:r>
+            <a:rPr lang="en-DE" sz="2900" kern="1200"/>
+            <a:t>Front End</a:t>
+          </a:r>
+          <a:endParaRPr lang="en-US" sz="2900" kern="1200"/>
+        </a:p>
+      </dsp:txBody>
+      <dsp:txXfrm>
+        <a:off x="378614" y="886531"/>
+        <a:ext cx="2810360" cy="1744948"/>
+      </dsp:txXfrm>
+    </dsp:sp>
+    <dsp:sp modelId="{8E0BE30E-B8BB-4F74-9648-303D25BA99DC}">
+      <dsp:nvSpPr>
+        <dsp:cNvPr id="0" name=""/>
+        <dsp:cNvSpPr/>
+      </dsp:nvSpPr>
+      <dsp:spPr>
+        <a:xfrm>
+          <a:off x="3567588" y="524133"/>
+          <a:ext cx="2918936" cy="1853524"/>
+        </a:xfrm>
+        <a:prstGeom prst="roundRect">
+          <a:avLst>
+            <a:gd name="adj" fmla="val 10000"/>
+          </a:avLst>
+        </a:prstGeom>
+        <a:solidFill>
+          <a:schemeClr val="accent1">
+            <a:hueOff val="0"/>
+            <a:satOff val="0"/>
+            <a:lumOff val="0"/>
+            <a:alphaOff val="0"/>
+          </a:schemeClr>
+        </a:solidFill>
+        <a:ln w="19050" cap="flat" cmpd="sng" algn="ctr">
+          <a:solidFill>
+            <a:schemeClr val="lt1">
+              <a:hueOff val="0"/>
+              <a:satOff val="0"/>
+              <a:lumOff val="0"/>
+              <a:alphaOff val="0"/>
+            </a:schemeClr>
+          </a:solidFill>
+          <a:prstDash val="solid"/>
+          <a:miter lim="800000"/>
+        </a:ln>
+        <a:effectLst/>
+      </dsp:spPr>
+      <dsp:style>
+        <a:lnRef idx="2">
+          <a:scrgbClr r="0" g="0" b="0"/>
+        </a:lnRef>
+        <a:fillRef idx="1">
+          <a:scrgbClr r="0" g="0" b="0"/>
+        </a:fillRef>
+        <a:effectRef idx="0">
+          <a:scrgbClr r="0" g="0" b="0"/>
+        </a:effectRef>
+        <a:fontRef idx="minor">
+          <a:schemeClr val="lt1"/>
+        </a:fontRef>
+      </dsp:style>
+    </dsp:sp>
+    <dsp:sp modelId="{8C3F41C8-1756-4533-9697-CDCF3BF8188C}">
+      <dsp:nvSpPr>
+        <dsp:cNvPr id="0" name=""/>
+        <dsp:cNvSpPr/>
+      </dsp:nvSpPr>
+      <dsp:spPr>
+        <a:xfrm>
+          <a:off x="3891915" y="832243"/>
+          <a:ext cx="2918936" cy="1853524"/>
+        </a:xfrm>
+        <a:prstGeom prst="roundRect">
+          <a:avLst>
+            <a:gd name="adj" fmla="val 10000"/>
+          </a:avLst>
+        </a:prstGeom>
+        <a:solidFill>
+          <a:schemeClr val="lt1">
+            <a:alpha val="90000"/>
+            <a:hueOff val="0"/>
+            <a:satOff val="0"/>
+            <a:lumOff val="0"/>
+            <a:alphaOff val="0"/>
+          </a:schemeClr>
+        </a:solidFill>
+        <a:ln w="19050" cap="flat" cmpd="sng" algn="ctr">
+          <a:solidFill>
+            <a:schemeClr val="accent1">
+              <a:hueOff val="0"/>
+              <a:satOff val="0"/>
+              <a:lumOff val="0"/>
+              <a:alphaOff val="0"/>
+            </a:schemeClr>
+          </a:solidFill>
+          <a:prstDash val="solid"/>
+          <a:miter lim="800000"/>
+        </a:ln>
+        <a:effectLst/>
+      </dsp:spPr>
+      <dsp:style>
+        <a:lnRef idx="2">
+          <a:scrgbClr r="0" g="0" b="0"/>
+        </a:lnRef>
+        <a:fillRef idx="1">
+          <a:scrgbClr r="0" g="0" b="0"/>
+        </a:fillRef>
+        <a:effectRef idx="0">
+          <a:scrgbClr r="0" g="0" b="0"/>
+        </a:effectRef>
+        <a:fontRef idx="minor"/>
+      </dsp:style>
+      <dsp:txBody>
+        <a:bodyPr spcFirstLastPara="0" vert="horz" wrap="square" lIns="110490" tIns="110490" rIns="110490" bIns="110490" numCol="1" spcCol="1270" anchor="ctr" anchorCtr="0">
+          <a:noAutofit/>
+        </a:bodyPr>
+        <a:lstStyle/>
+        <a:p>
+          <a:pPr marL="0" lvl="0" indent="0" algn="ctr" defTabSz="1289050">
+            <a:lnSpc>
+              <a:spcPct val="90000"/>
+            </a:lnSpc>
+            <a:spcBef>
+              <a:spcPct val="0"/>
+            </a:spcBef>
+            <a:spcAft>
+              <a:spcPct val="35000"/>
+            </a:spcAft>
+            <a:buNone/>
+          </a:pPr>
+          <a:r>
+            <a:rPr lang="en-DE" sz="2900" kern="1200"/>
+            <a:t>Inter Protocol Communication</a:t>
+          </a:r>
+          <a:endParaRPr lang="en-US" sz="2900" kern="1200"/>
+        </a:p>
+      </dsp:txBody>
+      <dsp:txXfrm>
+        <a:off x="3946203" y="886531"/>
+        <a:ext cx="2810360" cy="1744948"/>
+      </dsp:txXfrm>
+    </dsp:sp>
+    <dsp:sp modelId="{EF1CEFDC-0B3D-4DF3-9FA6-C0BA3B9F8916}">
+      <dsp:nvSpPr>
+        <dsp:cNvPr id="0" name=""/>
+        <dsp:cNvSpPr/>
+      </dsp:nvSpPr>
+      <dsp:spPr>
+        <a:xfrm>
+          <a:off x="7135177" y="524133"/>
+          <a:ext cx="2918936" cy="1853524"/>
+        </a:xfrm>
+        <a:prstGeom prst="roundRect">
+          <a:avLst>
+            <a:gd name="adj" fmla="val 10000"/>
+          </a:avLst>
+        </a:prstGeom>
+        <a:solidFill>
+          <a:schemeClr val="accent1">
+            <a:hueOff val="0"/>
+            <a:satOff val="0"/>
+            <a:lumOff val="0"/>
+            <a:alphaOff val="0"/>
+          </a:schemeClr>
+        </a:solidFill>
+        <a:ln w="19050" cap="flat" cmpd="sng" algn="ctr">
+          <a:solidFill>
+            <a:schemeClr val="lt1">
+              <a:hueOff val="0"/>
+              <a:satOff val="0"/>
+              <a:lumOff val="0"/>
+              <a:alphaOff val="0"/>
+            </a:schemeClr>
+          </a:solidFill>
+          <a:prstDash val="solid"/>
+          <a:miter lim="800000"/>
+        </a:ln>
+        <a:effectLst/>
+      </dsp:spPr>
+      <dsp:style>
+        <a:lnRef idx="2">
+          <a:scrgbClr r="0" g="0" b="0"/>
+        </a:lnRef>
+        <a:fillRef idx="1">
+          <a:scrgbClr r="0" g="0" b="0"/>
+        </a:fillRef>
+        <a:effectRef idx="0">
+          <a:scrgbClr r="0" g="0" b="0"/>
+        </a:effectRef>
+        <a:fontRef idx="minor">
+          <a:schemeClr val="lt1"/>
+        </a:fontRef>
+      </dsp:style>
+    </dsp:sp>
+    <dsp:sp modelId="{3C493AD1-7679-48B1-A5CB-D212955BA554}">
+      <dsp:nvSpPr>
+        <dsp:cNvPr id="0" name=""/>
+        <dsp:cNvSpPr/>
+      </dsp:nvSpPr>
+      <dsp:spPr>
+        <a:xfrm>
+          <a:off x="7459503" y="832243"/>
+          <a:ext cx="2918936" cy="1853524"/>
+        </a:xfrm>
+        <a:prstGeom prst="roundRect">
+          <a:avLst>
+            <a:gd name="adj" fmla="val 10000"/>
+          </a:avLst>
+        </a:prstGeom>
+        <a:solidFill>
+          <a:schemeClr val="lt1">
+            <a:alpha val="90000"/>
+            <a:hueOff val="0"/>
+            <a:satOff val="0"/>
+            <a:lumOff val="0"/>
+            <a:alphaOff val="0"/>
+          </a:schemeClr>
+        </a:solidFill>
+        <a:ln w="19050" cap="flat" cmpd="sng" algn="ctr">
+          <a:solidFill>
+            <a:schemeClr val="accent1">
+              <a:hueOff val="0"/>
+              <a:satOff val="0"/>
+              <a:lumOff val="0"/>
+              <a:alphaOff val="0"/>
+            </a:schemeClr>
+          </a:solidFill>
+          <a:prstDash val="solid"/>
+          <a:miter lim="800000"/>
+        </a:ln>
+        <a:effectLst/>
+      </dsp:spPr>
+      <dsp:style>
+        <a:lnRef idx="2">
+          <a:scrgbClr r="0" g="0" b="0"/>
+        </a:lnRef>
+        <a:fillRef idx="1">
+          <a:scrgbClr r="0" g="0" b="0"/>
+        </a:fillRef>
+        <a:effectRef idx="0">
+          <a:scrgbClr r="0" g="0" b="0"/>
+        </a:effectRef>
+        <a:fontRef idx="minor"/>
+      </dsp:style>
+      <dsp:txBody>
+        <a:bodyPr spcFirstLastPara="0" vert="horz" wrap="square" lIns="110490" tIns="110490" rIns="110490" bIns="110490" numCol="1" spcCol="1270" anchor="ctr" anchorCtr="0">
+          <a:noAutofit/>
+        </a:bodyPr>
+        <a:lstStyle/>
+        <a:p>
+          <a:pPr marL="0" lvl="0" indent="0" algn="ctr" defTabSz="1289050">
+            <a:lnSpc>
+              <a:spcPct val="90000"/>
+            </a:lnSpc>
+            <a:spcBef>
+              <a:spcPct val="0"/>
+            </a:spcBef>
+            <a:spcAft>
+              <a:spcPct val="35000"/>
+            </a:spcAft>
+            <a:buNone/>
+          </a:pPr>
+          <a:r>
+            <a:rPr lang="en-DE" sz="2900" kern="1200"/>
+            <a:t>Back End</a:t>
+          </a:r>
+          <a:endParaRPr lang="en-US" sz="2900" kern="1200"/>
+        </a:p>
+      </dsp:txBody>
+      <dsp:txXfrm>
+        <a:off x="7513791" y="886531"/>
+        <a:ext cx="2810360" cy="1744948"/>
+      </dsp:txXfrm>
+    </dsp:sp>
+  </dsp:spTree>
+</dsp:drawing>
+</file>
+
+<file path=ppt/diagrams/layout1.xml><?xml version="1.0" encoding="utf-8"?>
+<dgm:layoutDef xmlns:dgm="http://schemas.openxmlformats.org/drawingml/2006/diagram" xmlns:a="http://schemas.openxmlformats.org/drawingml/2006/main" uniqueId="urn:microsoft.com/office/officeart/2005/8/layout/hierarchy1">
+  <dgm:title val=""/>
+  <dgm:desc val=""/>
+  <dgm:catLst>
+    <dgm:cat type="hierarchy" pri="2000"/>
+  </dgm:catLst>
+  <dgm:sampData>
+    <dgm:dataModel>
+      <dgm:ptLst>
+        <dgm:pt modelId="0" type="doc"/>
+        <dgm:pt modelId="1">
+          <dgm:prSet phldr="1"/>
+        </dgm:pt>
+        <dgm:pt modelId="2">
+          <dgm:prSet phldr="1"/>
+        </dgm:pt>
+        <dgm:pt modelId="21">
+          <dgm:prSet phldr="1"/>
+        </dgm:pt>
+        <dgm:pt modelId="22">
+          <dgm:prSet phldr="1"/>
+        </dgm:pt>
+        <dgm:pt modelId="3">
+          <dgm:prSet phldr="1"/>
+        </dgm:pt>
+        <dgm:pt modelId="31">
+          <dgm:prSet phldr="1"/>
+        </dgm:pt>
+      </dgm:ptLst>
+      <dgm:cxnLst>
+        <dgm:cxn modelId="4" srcId="0" destId="1" srcOrd="0" destOrd="0"/>
+        <dgm:cxn modelId="5" srcId="1" destId="2" srcOrd="0" destOrd="0"/>
+        <dgm:cxn modelId="6" srcId="1" destId="3" srcOrd="1" destOrd="0"/>
+        <dgm:cxn modelId="23" srcId="2" destId="21" srcOrd="0" destOrd="0"/>
+        <dgm:cxn modelId="24" srcId="2" destId="22" srcOrd="1" destOrd="0"/>
+        <dgm:cxn modelId="33" srcId="3" destId="31" srcOrd="0" destOrd="0"/>
+      </dgm:cxnLst>
+      <dgm:bg/>
+      <dgm:whole/>
+    </dgm:dataModel>
+  </dgm:sampData>
+  <dgm:styleData>
+    <dgm:dataModel>
+      <dgm:ptLst>
+        <dgm:pt modelId="0" type="doc"/>
+        <dgm:pt modelId="1"/>
+        <dgm:pt modelId="11"/>
+        <dgm:pt modelId="12"/>
+      </dgm:ptLst>
+      <dgm:cxnLst>
+        <dgm:cxn modelId="2" srcId="0" destId="1" srcOrd="0" destOrd="0"/>
+        <dgm:cxn modelId="13" srcId="1" destId="11" srcOrd="0" destOrd="0"/>
+        <dgm:cxn modelId="14" srcId="1" destId="12" srcOrd="1" destOrd="0"/>
+      </dgm:cxnLst>
+      <dgm:bg/>
+      <dgm:whole/>
+    </dgm:dataModel>
+  </dgm:styleData>
+  <dgm:clrData>
+    <dgm:dataModel>
+      <dgm:ptLst>
+        <dgm:pt modelId="0" type="doc"/>
+        <dgm:pt modelId="1"/>
+        <dgm:pt modelId="2"/>
+        <dgm:pt modelId="21"/>
+        <dgm:pt modelId="211"/>
+        <dgm:pt modelId="3"/>
+        <dgm:pt modelId="31"/>
+        <dgm:pt modelId="311"/>
+      </dgm:ptLst>
+      <dgm:cxnLst>
+        <dgm:cxn modelId="4" srcId="0" destId="1" srcOrd="0" destOrd="0"/>
+        <dgm:cxn modelId="5" srcId="1" destId="2" srcOrd="0" destOrd="0"/>
+        <dgm:cxn modelId="6" srcId="1" destId="3" srcOrd="1" destOrd="0"/>
+        <dgm:cxn modelId="23" srcId="2" destId="21" srcOrd="0" destOrd="0"/>
+        <dgm:cxn modelId="24" srcId="21" destId="211" srcOrd="0" destOrd="0"/>
+        <dgm:cxn modelId="33" srcId="3" destId="31" srcOrd="0" destOrd="0"/>
+        <dgm:cxn modelId="34" srcId="31" destId="311" srcOrd="0" destOrd="0"/>
+      </dgm:cxnLst>
+      <dgm:bg/>
+      <dgm:whole/>
+    </dgm:dataModel>
+  </dgm:clrData>
+  <dgm:layoutNode name="hierChild1">
+    <dgm:varLst>
+      <dgm:chPref val="1"/>
+      <dgm:dir/>
+      <dgm:animOne val="branch"/>
+      <dgm:animLvl val="lvl"/>
+      <dgm:resizeHandles/>
+    </dgm:varLst>
+    <dgm:choose name="Name0">
+      <dgm:if name="Name1" func="var" arg="dir" op="equ" val="norm">
+        <dgm:alg type="hierChild">
+          <dgm:param type="linDir" val="fromL"/>
+        </dgm:alg>
+      </dgm:if>
+      <dgm:else name="Name2">
+        <dgm:alg type="hierChild">
+          <dgm:param type="linDir" val="fromR"/>
+        </dgm:alg>
+      </dgm:else>
+    </dgm:choose>
+    <dgm:shape xmlns:r="http://schemas.openxmlformats.org/officeDocument/2006/relationships" r:blip="">
+      <dgm:adjLst/>
+    </dgm:shape>
+    <dgm:presOf/>
+    <dgm:constrLst>
+      <dgm:constr type="primFontSz" for="des" ptType="node" op="equ" val="65"/>
+      <dgm:constr type="w" for="des" forName="composite" refType="w"/>
+      <dgm:constr type="h" for="des" forName="composite" refType="w" refFor="des" refForName="composite" fact="0.667"/>
+      <dgm:constr type="w" for="des" forName="composite2" refType="w" refFor="des" refForName="composite"/>
+      <dgm:constr type="h" for="des" forName="composite2" refType="h" refFor="des" refForName="composite"/>
+      <dgm:constr type="w" for="des" forName="composite3" refType="w" refFor="des" refForName="composite"/>
+      <dgm:constr type="h" for="des" forName="composite3" refType="h" refFor="des" refForName="composite"/>
+      <dgm:constr type="w" for="des" forName="composite4" refType="w" refFor="des" refForName="composite"/>
+      <dgm:constr type="h" for="des" forName="composite4" refType="h" refFor="des" refForName="composite"/>
+      <dgm:constr type="w" for="des" forName="composite5" refType="w" refFor="des" refForName="composite"/>
+      <dgm:constr type="h" for="des" forName="composite5" refType="h" refFor="des" refForName="composite"/>
+      <dgm:constr type="sibSp" refType="w" refFor="des" refForName="composite" fact="0.1"/>
+      <dgm:constr type="sibSp" for="des" forName="hierChild2" refType="sibSp"/>
+      <dgm:constr type="sibSp" for="des" forName="hierChild3" refType="sibSp"/>
+      <dgm:constr type="sibSp" for="des" forName="hierChild4" refType="sibSp"/>
+      <dgm:constr type="sibSp" for="des" forName="hierChild5" refType="sibSp"/>
+      <dgm:constr type="sibSp" for="des" forName="hierChild6" refType="sibSp"/>
+      <dgm:constr type="sp" for="des" forName="hierRoot1" refType="h" refFor="des" refForName="composite" fact="0.25"/>
+      <dgm:constr type="sp" for="des" forName="hierRoot2" refType="sp" refFor="des" refForName="hierRoot1"/>
+      <dgm:constr type="sp" for="des" forName="hierRoot3" refType="sp" refFor="des" refForName="hierRoot1"/>
+      <dgm:constr type="sp" for="des" forName="hierRoot4" refType="sp" refFor="des" refForName="hierRoot1"/>
+      <dgm:constr type="sp" for="des" forName="hierRoot5" refType="sp" refFor="des" refForName="hierRoot1"/>
+    </dgm:constrLst>
+    <dgm:ruleLst/>
+    <dgm:forEach name="Name3" axis="ch">
+      <dgm:forEach name="Name4" axis="self" ptType="node">
+        <dgm:layoutNode name="hierRoot1">
+          <dgm:alg type="hierRoot"/>
+          <dgm:shape xmlns:r="http://schemas.openxmlformats.org/officeDocument/2006/relationships" r:blip="">
+            <dgm:adjLst/>
+          </dgm:shape>
+          <dgm:presOf/>
+          <dgm:constrLst>
+            <dgm:constr type="bendDist" for="des" ptType="parTrans" refType="sp" fact="0.5"/>
+          </dgm:constrLst>
+          <dgm:ruleLst/>
+          <dgm:layoutNode name="composite">
+            <dgm:alg type="composite"/>
+            <dgm:shape xmlns:r="http://schemas.openxmlformats.org/officeDocument/2006/relationships" r:blip="">
+              <dgm:adjLst/>
+            </dgm:shape>
+            <dgm:presOf/>
+            <dgm:constrLst>
+              <dgm:constr type="w" for="ch" forName="background" refType="w" fact="0.9"/>
+              <dgm:constr type="h" for="ch" forName="background" refType="w" refFor="ch" refForName="background" fact="0.635"/>
+              <dgm:constr type="t" for="ch" forName="background"/>
+              <dgm:constr type="l" for="ch" forName="background"/>
+              <dgm:constr type="w" for="ch" forName="text" refType="w" fact="0.9"/>
+              <dgm:constr type="h" for="ch" forName="text" refType="w" refFor="ch" refForName="text" fact="0.635"/>
+              <dgm:constr type="t" for="ch" forName="text" refType="w" fact="0.095"/>
+              <dgm:constr type="l" for="ch" forName="text" refType="w" fact="0.1"/>
+            </dgm:constrLst>
+            <dgm:ruleLst/>
+            <dgm:layoutNode name="background" styleLbl="node0" moveWith="text">
+              <dgm:alg type="sp"/>
+              <dgm:shape xmlns:r="http://schemas.openxmlformats.org/officeDocument/2006/relationships" type="roundRect" r:blip="">
+                <dgm:adjLst>
+                  <dgm:adj idx="1" val="0.1"/>
+                </dgm:adjLst>
+              </dgm:shape>
+              <dgm:presOf/>
+              <dgm:constrLst/>
+              <dgm:ruleLst/>
+            </dgm:layoutNode>
+            <dgm:layoutNode name="text" styleLbl="fgAcc0">
+              <dgm:varLst>
+                <dgm:chPref val="3"/>
+              </dgm:varLst>
+              <dgm:alg type="tx"/>
+              <dgm:shape xmlns:r="http://schemas.openxmlformats.org/officeDocument/2006/relationships" type="roundRect" r:blip="">
+                <dgm:adjLst>
+                  <dgm:adj idx="1" val="0.1"/>
+                </dgm:adjLst>
+              </dgm:shape>
+              <dgm:presOf axis="self"/>
+              <dgm:constrLst>
+                <dgm:constr type="tMarg" refType="primFontSz" fact="0.3"/>
+                <dgm:constr type="bMarg" refType="primFontSz" fact="0.3"/>
+                <dgm:constr type="lMarg" refType="primFontSz" fact="0.3"/>
+                <dgm:constr type="rMarg" refType="primFontSz" fact="0.3"/>
+              </dgm:constrLst>
+              <dgm:ruleLst>
+                <dgm:rule type="primFontSz" val="5" fact="NaN" max="NaN"/>
+              </dgm:ruleLst>
+            </dgm:layoutNode>
+          </dgm:layoutNode>
+          <dgm:layoutNode name="hierChild2">
+            <dgm:choose name="Name5">
+              <dgm:if name="Name6" func="var" arg="dir" op="equ" val="norm">
+                <dgm:alg type="hierChild">
+                  <dgm:param type="linDir" val="fromL"/>
+                </dgm:alg>
+              </dgm:if>
+              <dgm:else name="Name7">
+                <dgm:alg type="hierChild">
+                  <dgm:param type="linDir" val="fromR"/>
+                </dgm:alg>
+              </dgm:else>
+            </dgm:choose>
+            <dgm:shape xmlns:r="http://schemas.openxmlformats.org/officeDocument/2006/relationships" r:blip="">
+              <dgm:adjLst/>
+            </dgm:shape>
+            <dgm:presOf/>
+            <dgm:constrLst/>
+            <dgm:ruleLst/>
+            <dgm:forEach name="Name8" axis="ch">
+              <dgm:forEach name="Name9" axis="self" ptType="parTrans" cnt="1">
+                <dgm:layoutNode name="Name10">
+                  <dgm:alg type="conn">
+                    <dgm:param type="dim" val="1D"/>
+                    <dgm:param type="endSty" val="noArr"/>
+                    <dgm:param type="connRout" val="bend"/>
+                    <dgm:param type="bendPt" val="end"/>
+                    <dgm:param type="begPts" val="bCtr"/>
+                    <dgm:param type="endPts" val="tCtr"/>
+                    <dgm:param type="srcNode" val="background"/>
+                    <dgm:param type="dstNode" val="background2"/>
+                  </dgm:alg>
+                  <dgm:shape xmlns:r="http://schemas.openxmlformats.org/officeDocument/2006/relationships" type="conn" r:blip="" zOrderOff="-999">
+                    <dgm:adjLst/>
+                  </dgm:shape>
+                  <dgm:presOf axis="self"/>
+                  <dgm:constrLst>
+                    <dgm:constr type="begPad"/>
+                    <dgm:constr type="endPad"/>
+                  </dgm:constrLst>
+                  <dgm:ruleLst/>
+                </dgm:layoutNode>
+              </dgm:forEach>
+              <dgm:forEach name="Name11" axis="self" ptType="node">
+                <dgm:layoutNode name="hierRoot2">
+                  <dgm:alg type="hierRoot"/>
+                  <dgm:shape xmlns:r="http://schemas.openxmlformats.org/officeDocument/2006/relationships" r:blip="">
+                    <dgm:adjLst/>
+                  </dgm:shape>
+                  <dgm:presOf/>
+                  <dgm:constrLst>
+                    <dgm:constr type="bendDist" for="des" ptType="parTrans" refType="sp" fact="0.5"/>
+                  </dgm:constrLst>
+                  <dgm:ruleLst/>
+                  <dgm:layoutNode name="composite2">
+                    <dgm:alg type="composite"/>
+                    <dgm:shape xmlns:r="http://schemas.openxmlformats.org/officeDocument/2006/relationships" r:blip="">
+                      <dgm:adjLst/>
+                    </dgm:shape>
+                    <dgm:presOf/>
+                    <dgm:constrLst>
+                      <dgm:constr type="w" for="ch" forName="background2" refType="w" fact="0.9"/>
+                      <dgm:constr type="h" for="ch" forName="background2" refType="w" refFor="ch" refForName="background2" fact="0.635"/>
+                      <dgm:constr type="t" for="ch" forName="background2"/>
+                      <dgm:constr type="l" for="ch" forName="background2"/>
+                      <dgm:constr type="w" for="ch" forName="text2" refType="w" fact="0.9"/>
+                      <dgm:constr type="h" for="ch" forName="text2" refType="w" refFor="ch" refForName="text2" fact="0.635"/>
+                      <dgm:constr type="t" for="ch" forName="text2" refType="w" fact="0.095"/>
+                      <dgm:constr type="l" for="ch" forName="text2" refType="w" fact="0.1"/>
+                    </dgm:constrLst>
+                    <dgm:ruleLst/>
+                    <dgm:layoutNode name="background2" moveWith="text2">
+                      <dgm:alg type="sp"/>
+                      <dgm:shape xmlns:r="http://schemas.openxmlformats.org/officeDocument/2006/relationships" type="roundRect" r:blip="">
+                        <dgm:adjLst>
+                          <dgm:adj idx="1" val="0.1"/>
+                        </dgm:adjLst>
+                      </dgm:shape>
+                      <dgm:presOf/>
+                      <dgm:constrLst/>
+                      <dgm:ruleLst/>
+                    </dgm:layoutNode>
+                    <dgm:layoutNode name="text2" styleLbl="fgAcc2">
+                      <dgm:varLst>
+                        <dgm:chPref val="3"/>
+                      </dgm:varLst>
+                      <dgm:alg type="tx"/>
+                      <dgm:shape xmlns:r="http://schemas.openxmlformats.org/officeDocument/2006/relationships" type="roundRect" r:blip="">
+                        <dgm:adjLst>
+                          <dgm:adj idx="1" val="0.1"/>
+                        </dgm:adjLst>
+                      </dgm:shape>
+                      <dgm:presOf axis="self"/>
+                      <dgm:constrLst>
+                        <dgm:constr type="tMarg" refType="primFontSz" fact="0.3"/>
+                        <dgm:constr type="bMarg" refType="primFontSz" fact="0.3"/>
+                        <dgm:constr type="lMarg" refType="primFontSz" fact="0.3"/>
+                        <dgm:constr type="rMarg" refType="primFontSz" fact="0.3"/>
+                      </dgm:constrLst>
+                      <dgm:ruleLst>
+                        <dgm:rule type="primFontSz" val="5" fact="NaN" max="NaN"/>
+                      </dgm:ruleLst>
+                    </dgm:layoutNode>
+                  </dgm:layoutNode>
+                  <dgm:layoutNode name="hierChild3">
+                    <dgm:choose name="Name12">
+                      <dgm:if name="Name13" func="var" arg="dir" op="equ" val="norm">
+                        <dgm:alg type="hierChild">
+                          <dgm:param type="linDir" val="fromL"/>
+                        </dgm:alg>
+                      </dgm:if>
+                      <dgm:else name="Name14">
+                        <dgm:alg type="hierChild">
+                          <dgm:param type="linDir" val="fromR"/>
+                        </dgm:alg>
+                      </dgm:else>
+                    </dgm:choose>
+                    <dgm:shape xmlns:r="http://schemas.openxmlformats.org/officeDocument/2006/relationships" r:blip="">
+                      <dgm:adjLst/>
+                    </dgm:shape>
+                    <dgm:presOf/>
+                    <dgm:constrLst/>
+                    <dgm:ruleLst/>
+                    <dgm:forEach name="Name15" axis="ch">
+                      <dgm:forEach name="Name16" axis="self" ptType="parTrans" cnt="1">
+                        <dgm:layoutNode name="Name17">
+                          <dgm:alg type="conn">
+                            <dgm:param type="dim" val="1D"/>
+                            <dgm:param type="endSty" val="noArr"/>
+                            <dgm:param type="connRout" val="bend"/>
+                            <dgm:param type="bendPt" val="end"/>
+                            <dgm:param type="begPts" val="bCtr"/>
+                            <dgm:param type="endPts" val="tCtr"/>
+                            <dgm:param type="srcNode" val="background2"/>
+                            <dgm:param type="dstNode" val="background3"/>
+                          </dgm:alg>
+                          <dgm:shape xmlns:r="http://schemas.openxmlformats.org/officeDocument/2006/relationships" type="conn" r:blip="" zOrderOff="-999">
+                            <dgm:adjLst/>
+                          </dgm:shape>
+                          <dgm:presOf axis="self"/>
+                          <dgm:constrLst>
+                            <dgm:constr type="begPad"/>
+                            <dgm:constr type="endPad"/>
+                          </dgm:constrLst>
+                          <dgm:ruleLst/>
+                        </dgm:layoutNode>
+                      </dgm:forEach>
+                      <dgm:forEach name="Name18" axis="self" ptType="node">
+                        <dgm:layoutNode name="hierRoot3">
+                          <dgm:alg type="hierRoot"/>
+                          <dgm:shape xmlns:r="http://schemas.openxmlformats.org/officeDocument/2006/relationships" r:blip="">
+                            <dgm:adjLst/>
+                          </dgm:shape>
+                          <dgm:presOf/>
+                          <dgm:constrLst>
+                            <dgm:constr type="bendDist" for="des" ptType="parTrans" refType="sp" fact="0.5"/>
+                          </dgm:constrLst>
+                          <dgm:ruleLst/>
+                          <dgm:layoutNode name="composite3">
+                            <dgm:alg type="composite"/>
+                            <dgm:shape xmlns:r="http://schemas.openxmlformats.org/officeDocument/2006/relationships" r:blip="">
+                              <dgm:adjLst/>
+                            </dgm:shape>
+                            <dgm:presOf/>
+                            <dgm:constrLst>
+                              <dgm:constr type="w" for="ch" forName="background3" refType="w" fact="0.9"/>
+                              <dgm:constr type="h" for="ch" forName="background3" refType="w" refFor="ch" refForName="background3" fact="0.635"/>
+                              <dgm:constr type="t" for="ch" forName="background3"/>
+                              <dgm:constr type="l" for="ch" forName="background3"/>
+                              <dgm:constr type="w" for="ch" forName="text3" refType="w" fact="0.9"/>
+                              <dgm:constr type="h" for="ch" forName="text3" refType="w" refFor="ch" refForName="text3" fact="0.635"/>
+                              <dgm:constr type="t" for="ch" forName="text3" refType="w" fact="0.095"/>
+                              <dgm:constr type="l" for="ch" forName="text3" refType="w" fact="0.1"/>
+                            </dgm:constrLst>
+                            <dgm:ruleLst/>
+                            <dgm:layoutNode name="background3" moveWith="text3">
+                              <dgm:alg type="sp"/>
+                              <dgm:shape xmlns:r="http://schemas.openxmlformats.org/officeDocument/2006/relationships" type="roundRect" r:blip="">
+                                <dgm:adjLst>
+                                  <dgm:adj idx="1" val="0.1"/>
+                                </dgm:adjLst>
+                              </dgm:shape>
+                              <dgm:presOf/>
+                              <dgm:constrLst/>
+                              <dgm:ruleLst/>
+                            </dgm:layoutNode>
+                            <dgm:layoutNode name="text3" styleLbl="fgAcc3">
+                              <dgm:varLst>
+                                <dgm:chPref val="3"/>
+                              </dgm:varLst>
+                              <dgm:alg type="tx"/>
+                              <dgm:shape xmlns:r="http://schemas.openxmlformats.org/officeDocument/2006/relationships" type="roundRect" r:blip="">
+                                <dgm:adjLst>
+                                  <dgm:adj idx="1" val="0.1"/>
+                                </dgm:adjLst>
+                              </dgm:shape>
+                              <dgm:presOf axis="self"/>
+                              <dgm:constrLst>
+                                <dgm:constr type="tMarg" refType="primFontSz" fact="0.3"/>
+                                <dgm:constr type="bMarg" refType="primFontSz" fact="0.3"/>
+                                <dgm:constr type="lMarg" refType="primFontSz" fact="0.3"/>
+                                <dgm:constr type="rMarg" refType="primFontSz" fact="0.3"/>
+                              </dgm:constrLst>
+                              <dgm:ruleLst>
+                                <dgm:rule type="primFontSz" val="5" fact="NaN" max="NaN"/>
+                              </dgm:ruleLst>
+                            </dgm:layoutNode>
+                          </dgm:layoutNode>
+                          <dgm:layoutNode name="hierChild4">
+                            <dgm:choose name="Name19">
+                              <dgm:if name="Name20" func="var" arg="dir" op="equ" val="norm">
+                                <dgm:alg type="hierChild">
+                                  <dgm:param type="linDir" val="fromL"/>
+                                </dgm:alg>
+                              </dgm:if>
+                              <dgm:else name="Name21">
+                                <dgm:alg type="hierChild">
+                                  <dgm:param type="linDir" val="fromR"/>
+                                </dgm:alg>
+                              </dgm:else>
+                            </dgm:choose>
+                            <dgm:shape xmlns:r="http://schemas.openxmlformats.org/officeDocument/2006/relationships" r:blip="">
+                              <dgm:adjLst/>
+                            </dgm:shape>
+                            <dgm:presOf/>
+                            <dgm:constrLst/>
+                            <dgm:ruleLst/>
+                            <dgm:forEach name="repeat" axis="ch">
+                              <dgm:forEach name="Name22" axis="self" ptType="parTrans" cnt="1">
+                                <dgm:layoutNode name="Name23">
+                                  <dgm:choose name="Name24">
+                                    <dgm:if name="Name25" axis="self" func="depth" op="lte" val="4">
+                                      <dgm:alg type="conn">
+                                        <dgm:param type="dim" val="1D"/>
+                                        <dgm:param type="endSty" val="noArr"/>
+                                        <dgm:param type="connRout" val="bend"/>
+                                        <dgm:param type="bendPt" val="end"/>
+                                        <dgm:param type="begPts" val="bCtr"/>
+                                        <dgm:param type="endPts" val="tCtr"/>
+                                        <dgm:param type="srcNode" val="background3"/>
+                                        <dgm:param type="dstNode" val="background4"/>
+                                      </dgm:alg>
+                                    </dgm:if>
+                                    <dgm:else name="Name26">
+                                      <dgm:alg type="conn">
+                                        <dgm:param type="dim" val="1D"/>
+                                        <dgm:param type="endSty" val="noArr"/>
+                                        <dgm:param type="connRout" val="bend"/>
+                                        <dgm:param type="bendPt" val="end"/>
+                                        <dgm:param type="begPts" val="bCtr"/>
+                                        <dgm:param type="endPts" val="tCtr"/>
+                                        <dgm:param type="srcNode" val="background4"/>
+                                        <dgm:param type="dstNode" val="background4"/>
+                                      </dgm:alg>
+                                    </dgm:else>
+                                  </dgm:choose>
+                                  <dgm:shape xmlns:r="http://schemas.openxmlformats.org/officeDocument/2006/relationships" type="conn" r:blip="" zOrderOff="-999">
+                                    <dgm:adjLst/>
+                                  </dgm:shape>
+                                  <dgm:presOf axis="self"/>
+                                  <dgm:constrLst>
+                                    <dgm:constr type="begPad"/>
+                                    <dgm:constr type="endPad"/>
+                                  </dgm:constrLst>
+                                  <dgm:ruleLst/>
+                                </dgm:layoutNode>
+                              </dgm:forEach>
+                              <dgm:forEach name="Name27" axis="self" ptType="node">
+                                <dgm:layoutNode name="hierRoot4">
+                                  <dgm:alg type="hierRoot"/>
+                                  <dgm:shape xmlns:r="http://schemas.openxmlformats.org/officeDocument/2006/relationships" r:blip="">
+                                    <dgm:adjLst/>
+                                  </dgm:shape>
+                                  <dgm:presOf/>
+                                  <dgm:constrLst>
+                                    <dgm:constr type="bendDist" for="des" ptType="parTrans" refType="sp" fact="0.5"/>
+                                  </dgm:constrLst>
+                                  <dgm:ruleLst/>
+                                  <dgm:layoutNode name="composite4">
+                                    <dgm:alg type="composite"/>
+                                    <dgm:shape xmlns:r="http://schemas.openxmlformats.org/officeDocument/2006/relationships" r:blip="">
+                                      <dgm:adjLst/>
+                                    </dgm:shape>
+                                    <dgm:presOf/>
+                                    <dgm:constrLst>
+                                      <dgm:constr type="w" for="ch" forName="background4" refType="w" fact="0.9"/>
+                                      <dgm:constr type="h" for="ch" forName="background4" refType="w" refFor="ch" refForName="background4" fact="0.635"/>
+                                      <dgm:constr type="t" for="ch" forName="background4"/>
+                                      <dgm:constr type="l" for="ch" forName="background4"/>
+                                      <dgm:constr type="w" for="ch" forName="text4" refType="w" fact="0.9"/>
+                                      <dgm:constr type="h" for="ch" forName="text4" refType="w" refFor="ch" refForName="text4" fact="0.635"/>
+                                      <dgm:constr type="t" for="ch" forName="text4" refType="w" fact="0.095"/>
+                                      <dgm:constr type="l" for="ch" forName="text4" refType="w" fact="0.1"/>
+                                    </dgm:constrLst>
+                                    <dgm:ruleLst/>
+                                    <dgm:layoutNode name="background4" moveWith="text4">
+                                      <dgm:alg type="sp"/>
+                                      <dgm:shape xmlns:r="http://schemas.openxmlformats.org/officeDocument/2006/relationships" type="roundRect" r:blip="">
+                                        <dgm:adjLst>
+                                          <dgm:adj idx="1" val="0.1"/>
+                                        </dgm:adjLst>
+                                      </dgm:shape>
+                                      <dgm:presOf/>
+                                      <dgm:constrLst/>
+                                      <dgm:ruleLst/>
+                                    </dgm:layoutNode>
+                                    <dgm:layoutNode name="text4" styleLbl="fgAcc4">
+                                      <dgm:varLst>
+                                        <dgm:chPref val="3"/>
+                                      </dgm:varLst>
+                                      <dgm:alg type="tx"/>
+                                      <dgm:shape xmlns:r="http://schemas.openxmlformats.org/officeDocument/2006/relationships" type="roundRect" r:blip="">
+                                        <dgm:adjLst>
+                                          <dgm:adj idx="1" val="0.1"/>
+                                        </dgm:adjLst>
+                                      </dgm:shape>
+                                      <dgm:presOf axis="self"/>
+                                      <dgm:constrLst>
+                                        <dgm:constr type="tMarg" refType="primFontSz" fact="0.3"/>
+                                        <dgm:constr type="bMarg" refType="primFontSz" fact="0.3"/>
+                                        <dgm:constr type="lMarg" refType="primFontSz" fact="0.3"/>
+                                        <dgm:constr type="rMarg" refType="primFontSz" fact="0.3"/>
+                                      </dgm:constrLst>
+                                      <dgm:ruleLst>
+                                        <dgm:rule type="primFontSz" val="5" fact="NaN" max="NaN"/>
+                                      </dgm:ruleLst>
+                                    </dgm:layoutNode>
+                                  </dgm:layoutNode>
+                                  <dgm:layoutNode name="hierChild5">
+                                    <dgm:choose name="Name28">
+                                      <dgm:if name="Name29" func="var" arg="dir" op="equ" val="norm">
+                                        <dgm:alg type="hierChild">
+                                          <dgm:param type="linDir" val="fromL"/>
+                                        </dgm:alg>
+                                      </dgm:if>
+                                      <dgm:else name="Name30">
+                                        <dgm:alg type="hierChild">
+                                          <dgm:param type="linDir" val="fromR"/>
+                                        </dgm:alg>
+                                      </dgm:else>
+                                    </dgm:choose>
+                                    <dgm:shape xmlns:r="http://schemas.openxmlformats.org/officeDocument/2006/relationships" r:blip="">
+                                      <dgm:adjLst/>
+                                    </dgm:shape>
+                                    <dgm:presOf/>
+                                    <dgm:constrLst/>
+                                    <dgm:ruleLst/>
+                                    <dgm:forEach name="Name31" ref="repeat"/>
+                                  </dgm:layoutNode>
+                                </dgm:layoutNode>
+                              </dgm:forEach>
+                            </dgm:forEach>
+                          </dgm:layoutNode>
+                        </dgm:layoutNode>
+                      </dgm:forEach>
+                    </dgm:forEach>
+                  </dgm:layoutNode>
+                </dgm:layoutNode>
+              </dgm:forEach>
+            </dgm:forEach>
+          </dgm:layoutNode>
+        </dgm:layoutNode>
+      </dgm:forEach>
+    </dgm:forEach>
+  </dgm:layoutNode>
+</dgm:layoutDef>
+</file>
+
+<file path=ppt/diagrams/quickStyle1.xml><?xml version="1.0" encoding="utf-8"?>
+<dgm:styleDef xmlns:dgm="http://schemas.openxmlformats.org/drawingml/2006/diagram" xmlns:a="http://schemas.openxmlformats.org/drawingml/2006/main" uniqueId="urn:microsoft.com/office/officeart/2005/8/quickstyle/simple1">
+  <dgm:title val=""/>
+  <dgm:desc val=""/>
+  <dgm:catLst>
+    <dgm:cat type="simple" pri="10100"/>
+  </dgm:catLst>
+  <dgm:scene3d>
+    <a:camera prst="orthographicFront"/>
+    <a:lightRig rig="threePt" dir="t"/>
+  </dgm:scene3d>
+  <dgm:styleLbl name="node0">
+    <dgm:scene3d>
+      <a:camera prst="orthographicFront"/>
+      <a:lightRig rig="threePt" dir="t"/>
+    </dgm:scene3d>
+    <dgm:sp3d/>
+    <dgm:txPr/>
+    <dgm:style>
+      <a:lnRef idx="2">
+        <a:scrgbClr r="0" g="0" b="0"/>
+      </a:lnRef>
+      <a:fillRef idx="1">
+        <a:scrgbClr r="0" g="0" b="0"/>
+      </a:fillRef>
+      <a:effectRef idx="0">
+        <a:scrgbClr r="0" g="0" b="0"/>
+      </a:effectRef>
+      <a:fontRef idx="minor">
+        <a:schemeClr val="lt1"/>
+      </a:fontRef>
+    </dgm:style>
+  </dgm:styleLbl>
+  <dgm:styleLbl name="lnNode1">
+    <dgm:scene3d>
+      <a:camera prst="orthographicFront"/>
+      <a:lightRig rig="threePt" dir="t"/>
+    </dgm:scene3d>
+    <dgm:sp3d/>
+    <dgm:txPr/>
+    <dgm:style>
+      <a:lnRef idx="2">
+        <a:scrgbClr r="0" g="0" b="0"/>
+      </a:lnRef>
+      <a:fillRef idx="1">
+        <a:scrgbClr r="0" g="0" b="0"/>
+      </a:fillRef>
+      <a:effectRef idx="0">
+        <a:scrgbClr r="0" g="0" b="0"/>
+      </a:effectRef>
+      <a:fontRef idx="minor">
+        <a:schemeClr val="lt1"/>
+      </a:fontRef>
+    </dgm:style>
+  </dgm:styleLbl>
+  <dgm:styleLbl name="vennNode1">
+    <dgm:scene3d>
+      <a:camera prst="orthographicFront"/>
+      <a:lightRig rig="threePt" dir="t"/>
+    </dgm:scene3d>
+    <dgm:sp3d/>
+    <dgm:txPr/>
+    <dgm:style>
+      <a:lnRef idx="2">
+        <a:scrgbClr r="0" g="0" b="0"/>
+      </a:lnRef>
+      <a:fillRef idx="1">
+        <a:scrgbClr r="0" g="0" b="0"/>
+      </a:fillRef>
+      <a:effectRef idx="0">
+        <a:scrgbClr r="0" g="0" b="0"/>
+      </a:effectRef>
+      <a:fontRef idx="minor">
+        <a:schemeClr val="tx1"/>
+      </a:fontRef>
+    </dgm:style>
+  </dgm:styleLbl>
+  <dgm:styleLbl name="alignNode1">
+    <dgm:scene3d>
+      <a:camera prst="orthographicFront"/>
+      <a:lightRig rig="threePt" dir="t"/>
+    </dgm:scene3d>
+    <dgm:sp3d/>
+    <dgm:txPr/>
+    <dgm:style>
+      <a:lnRef idx="2">
+        <a:scrgbClr r="0" g="0" b="0"/>
+      </a:lnRef>
+      <a:fillRef idx="1">
+        <a:scrgbClr r="0" g="0" b="0"/>
+      </a:fillRef>
+      <a:effectRef idx="0">
+        <a:scrgbClr r="0" g="0" b="0"/>
+      </a:effectRef>
+      <a:fontRef idx="minor">
+        <a:schemeClr val="lt1"/>
+      </a:fontRef>
+    </dgm:style>
+  </dgm:styleLbl>
+  <dgm:styleLbl name="node1">
+    <dgm:scene3d>
+      <a:camera prst="orthographicFront"/>
+      <a:lightRig rig="threePt" dir="t"/>
+    </dgm:scene3d>
+    <dgm:sp3d/>
+    <dgm:txPr/>
+    <dgm:style>
+      <a:lnRef idx="2">
+        <a:scrgbClr r="0" g="0" b="0"/>
+      </a:lnRef>
+      <a:fillRef idx="1">
+        <a:scrgbClr r="0" g="0" b="0"/>
+      </a:fillRef>
+      <a:effectRef idx="0">
+        <a:scrgbClr r="0" g="0" b="0"/>
+      </a:effectRef>
+      <a:fontRef idx="minor">
+        <a:schemeClr val="lt1"/>
+      </a:fontRef>
+    </dgm:style>
+  </dgm:styleLbl>
+  <dgm:styleLbl name="node2">
+    <dgm:scene3d>
+      <a:camera prst="orthographicFront"/>
+      <a:lightRig rig="threePt" dir="t"/>
+    </dgm:scene3d>
+    <dgm:sp3d/>
+    <dgm:txPr/>
+    <dgm:style>
+      <a:lnRef idx="2">
+        <a:scrgbClr r="0" g="0" b="0"/>
+      </a:lnRef>
+      <a:fillRef idx="1">
+        <a:scrgbClr r="0" g="0" b="0"/>
+      </a:fillRef>
+      <a:effectRef idx="0">
+        <a:scrgbClr r="0" g="0" b="0"/>
+      </a:effectRef>
+      <a:fontRef idx="minor">
+        <a:schemeClr val="lt1"/>
+      </a:fontRef>
+    </dgm:style>
+  </dgm:styleLbl>
+  <dgm:styleLbl name="node3">
+    <dgm:scene3d>
+      <a:camera prst="orthographicFront"/>
+      <a:lightRig rig="threePt" dir="t"/>
+    </dgm:scene3d>
+    <dgm:sp3d/>
+    <dgm:txPr/>
+    <dgm:style>
+      <a:lnRef idx="2">
+        <a:scrgbClr r="0" g="0" b="0"/>
+      </a:lnRef>
+      <a:fillRef idx="1">
+        <a:scrgbClr r="0" g="0" b="0"/>
+      </a:fillRef>
+      <a:effectRef idx="0">
+        <a:scrgbClr r="0" g="0" b="0"/>
+      </a:effectRef>
+      <a:fontRef idx="minor">
+        <a:schemeClr val="lt1"/>
+      </a:fontRef>
+    </dgm:style>
+  </dgm:styleLbl>
+  <dgm:styleLbl name="node4">
+    <dgm:scene3d>
+      <a:camera prst="orthographicFront"/>
+      <a:lightRig rig="threePt" dir="t"/>
+    </dgm:scene3d>
+    <dgm:sp3d/>
+    <dgm:txPr/>
+    <dgm:style>
+      <a:lnRef idx="2">
+        <a:scrgbClr r="0" g="0" b="0"/>
+      </a:lnRef>
+      <a:fillRef idx="1">
+        <a:scrgbClr r="0" g="0" b="0"/>
+      </a:fillRef>
+      <a:effectRef idx="0">
+        <a:scrgbClr r="0" g="0" b="0"/>
+      </a:effectRef>
+      <a:fontRef idx="minor">
+        <a:schemeClr val="lt1"/>
+      </a:fontRef>
+    </dgm:style>
+  </dgm:styleLbl>
+  <dgm:styleLbl name="fgImgPlace1">
+    <dgm:scene3d>
+      <a:camera prst="orthographicFront"/>
+      <a:lightRig rig="threePt" dir="t"/>
+    </dgm:scene3d>
+    <dgm:sp3d/>
+    <dgm:txPr/>
+    <dgm:style>
+      <a:lnRef idx="2">
+        <a:scrgbClr r="0" g="0" b="0"/>
+      </a:lnRef>
+      <a:fillRef idx="1">
+        <a:scrgbClr r="0" g="0" b="0"/>
+      </a:fillRef>
+      <a:effectRef idx="0">
+        <a:scrgbClr r="0" g="0" b="0"/>
+      </a:effectRef>
+      <a:fontRef idx="minor"/>
+    </dgm:style>
+  </dgm:styleLbl>
+  <dgm:styleLbl name="alignImgPlace1">
+    <dgm:scene3d>
+      <a:camera prst="orthographicFront"/>
+      <a:lightRig rig="threePt" dir="t"/>
+    </dgm:scene3d>
+    <dgm:sp3d/>
+    <dgm:txPr/>
+    <dgm:style>
+      <a:lnRef idx="2">
+        <a:scrgbClr r="0" g="0" b="0"/>
+      </a:lnRef>
+      <a:fillRef idx="1">
+        <a:scrgbClr r="0" g="0" b="0"/>
+      </a:fillRef>
+      <a:effectRef idx="0">
+        <a:scrgbClr r="0" g="0" b="0"/>
+      </a:effectRef>
+      <a:fontRef idx="minor"/>
+    </dgm:style>
+  </dgm:styleLbl>
+  <dgm:styleLbl name="bgImgPlace1">
+    <dgm:scene3d>
+      <a:camera prst="orthographicFront"/>
+      <a:lightRig rig="threePt" dir="t"/>
+    </dgm:scene3d>
+    <dgm:sp3d/>
+    <dgm:txPr/>
+    <dgm:style>
+      <a:lnRef idx="2">
+        <a:scrgbClr r="0" g="0" b="0"/>
+      </a:lnRef>
+      <a:fillRef idx="1">
+        <a:scrgbClr r="0" g="0" b="0"/>
+      </a:fillRef>
+      <a:effectRef idx="0">
+        <a:scrgbClr r="0" g="0" b="0"/>
+      </a:effectRef>
+      <a:fontRef idx="minor"/>
+    </dgm:style>
+  </dgm:styleLbl>
+  <dgm:styleLbl name="sibTrans2D1">
+    <dgm:scene3d>
+      <a:camera prst="orthographicFront"/>
+      <a:lightRig rig="threePt" dir="t"/>
+    </dgm:scene3d>
+    <dgm:sp3d/>
+    <dgm:txPr/>
+    <dgm:style>
+      <a:lnRef idx="0">
+        <a:scrgbClr r="0" g="0" b="0"/>
+      </a:lnRef>
+      <a:fillRef idx="1">
+        <a:scrgbClr r="0" g="0" b="0"/>
+      </a:fillRef>
+      <a:effectRef idx="0">
+        <a:scrgbClr r="0" g="0" b="0"/>
+      </a:effectRef>
+      <a:fontRef idx="minor">
+        <a:schemeClr val="lt1"/>
+      </a:fontRef>
+    </dgm:style>
+  </dgm:styleLbl>
+  <dgm:styleLbl name="fgSibTrans2D1">
+    <dgm:scene3d>
+      <a:camera prst="orthographicFront"/>
+      <a:lightRig rig="threePt" dir="t"/>
+    </dgm:scene3d>
+    <dgm:sp3d/>
+    <dgm:txPr/>
+    <dgm:style>
+      <a:lnRef idx="0">
+        <a:scrgbClr r="0" g="0" b="0"/>
+      </a:lnRef>
+      <a:fillRef idx="1">
+        <a:scrgbClr r="0" g="0" b="0"/>
+      </a:fillRef>
+      <a:effectRef idx="0">
+        <a:scrgbClr r="0" g="0" b="0"/>
+      </a:effectRef>
+      <a:fontRef idx="minor">
+        <a:schemeClr val="lt1"/>
+      </a:fontRef>
+    </dgm:style>
+  </dgm:styleLbl>
+  <dgm:styleLbl name="bgSibTrans2D1">
+    <dgm:scene3d>
+      <a:camera prst="orthographicFront"/>
+      <a:lightRig rig="threePt" dir="t"/>
+    </dgm:scene3d>
+    <dgm:sp3d/>
+    <dgm:txPr/>
+    <dgm:style>
+      <a:lnRef idx="0">
+        <a:scrgbClr r="0" g="0" b="0"/>
+      </a:lnRef>
+      <a:fillRef idx="1">
+        <a:scrgbClr r="0" g="0" b="0"/>
+      </a:fillRef>
+      <a:effectRef idx="0">
+        <a:scrgbClr r="0" g="0" b="0"/>
+      </a:effectRef>
+      <a:fontRef idx="minor">
+        <a:schemeClr val="lt1"/>
+      </a:fontRef>
+    </dgm:style>
+  </dgm:styleLbl>
+  <dgm:styleLbl name="sibTrans1D1">
+    <dgm:scene3d>
+      <a:camera prst="orthographicFront"/>
+      <a:lightRig rig="threePt" dir="t"/>
+    </dgm:scene3d>
+    <dgm:sp3d/>
+    <dgm:txPr/>
+    <dgm:style>
+      <a:lnRef idx="1">
+        <a:scrgbClr r="0" g="0" b="0"/>
+      </a:lnRef>
+      <a:fillRef idx="0">
+        <a:scrgbClr r="0" g="0" b="0"/>
+      </a:fillRef>
+      <a:effectRef idx="0">
+        <a:scrgbClr r="0" g="0" b="0"/>
+      </a:effectRef>
+      <a:fontRef idx="minor"/>
+    </dgm:style>
+  </dgm:styleLbl>
+  <dgm:styleLbl name="callout">
+    <dgm:scene3d>
+      <a:camera prst="orthographicFront"/>
+      <a:lightRig rig="threePt" dir="t"/>
+    </dgm:scene3d>
+    <dgm:sp3d/>
+    <dgm:txPr/>
+    <dgm:style>
+      <a:lnRef idx="2">
+        <a:scrgbClr r="0" g="0" b="0"/>
+      </a:lnRef>
+      <a:fillRef idx="1">
+        <a:scrgbClr r="0" g="0" b="0"/>
+      </a:fillRef>
+      <a:effectRef idx="0">
+        <a:scrgbClr r="0" g="0" b="0"/>
+      </a:effectRef>
+      <a:fontRef idx="minor"/>
+    </dgm:style>
+  </dgm:styleLbl>
+  <dgm:styleLbl name="asst0">
+    <dgm:scene3d>
+      <a:camera prst="orthographicFront"/>
+      <a:lightRig rig="threePt" dir="t"/>
+    </dgm:scene3d>
+    <dgm:sp3d/>
+    <dgm:txPr/>
+    <dgm:style>
+      <a:lnRef idx="2">
+        <a:scrgbClr r="0" g="0" b="0"/>
+      </a:lnRef>
+      <a:fillRef idx="1">
+        <a:scrgbClr r="0" g="0" b="0"/>
+      </a:fillRef>
+      <a:effectRef idx="0">
+        <a:scrgbClr r="0" g="0" b="0"/>
+      </a:effectRef>
+      <a:fontRef idx="minor">
+        <a:schemeClr val="lt1"/>
+      </a:fontRef>
+    </dgm:style>
+  </dgm:styleLbl>
+  <dgm:styleLbl name="asst1">
+    <dgm:scene3d>
+      <a:camera prst="orthographicFront"/>
+      <a:lightRig rig="threePt" dir="t"/>
+    </dgm:scene3d>
+    <dgm:sp3d/>
+    <dgm:txPr/>
+    <dgm:style>
+      <a:lnRef idx="2">
+        <a:scrgbClr r="0" g="0" b="0"/>
+      </a:lnRef>
+      <a:fillRef idx="1">
+        <a:scrgbClr r="0" g="0" b="0"/>
+      </a:fillRef>
+      <a:effectRef idx="0">
+        <a:scrgbClr r="0" g="0" b="0"/>
+      </a:effectRef>
+      <a:fontRef idx="minor">
+        <a:schemeClr val="lt1"/>
+      </a:fontRef>
+    </dgm:style>
+  </dgm:styleLbl>
+  <dgm:styleLbl name="asst2">
+    <dgm:scene3d>
+      <a:camera prst="orthographicFront"/>
+      <a:lightRig rig="threePt" dir="t"/>
+    </dgm:scene3d>
+    <dgm:sp3d/>
+    <dgm:txPr/>
+    <dgm:style>
+      <a:lnRef idx="2">
+        <a:scrgbClr r="0" g="0" b="0"/>
+      </a:lnRef>
+      <a:fillRef idx="1">
+        <a:scrgbClr r="0" g="0" b="0"/>
+      </a:fillRef>
+      <a:effectRef idx="0">
+        <a:scrgbClr r="0" g="0" b="0"/>
+      </a:effectRef>
+      <a:fontRef idx="minor">
+        <a:schemeClr val="lt1"/>
+      </a:fontRef>
+    </dgm:style>
+  </dgm:styleLbl>
+  <dgm:styleLbl name="asst3">
+    <dgm:scene3d>
+      <a:camera prst="orthographicFront"/>
+      <a:lightRig rig="threePt" dir="t"/>
+    </dgm:scene3d>
+    <dgm:sp3d/>
+    <dgm:txPr/>
+    <dgm:style>
+      <a:lnRef idx="2">
+        <a:scrgbClr r="0" g="0" b="0"/>
+      </a:lnRef>
+      <a:fillRef idx="1">
+        <a:scrgbClr r="0" g="0" b="0"/>
+      </a:fillRef>
+      <a:effectRef idx="0">
+        <a:scrgbClr r="0" g="0" b="0"/>
+      </a:effectRef>
+      <a:fontRef idx="minor">
+        <a:schemeClr val="lt1"/>
+      </a:fontRef>
+    </dgm:style>
+  </dgm:styleLbl>
+  <dgm:styleLbl name="asst4">
+    <dgm:scene3d>
+      <a:camera prst="orthographicFront"/>
+      <a:lightRig rig="threePt" dir="t"/>
+    </dgm:scene3d>
+    <dgm:sp3d/>
+    <dgm:txPr/>
+    <dgm:style>
+      <a:lnRef idx="2">
+        <a:scrgbClr r="0" g="0" b="0"/>
+      </a:lnRef>
+      <a:fillRef idx="1">
+        <a:scrgbClr r="0" g="0" b="0"/>
+      </a:fillRef>
+      <a:effectRef idx="0">
+        <a:scrgbClr r="0" g="0" b="0"/>
+      </a:effectRef>
+      <a:fontRef idx="minor">
+        <a:schemeClr val="lt1"/>
+      </a:fontRef>
+    </dgm:style>
+  </dgm:styleLbl>
+  <dgm:styleLbl name="parChTrans2D1">
+    <dgm:scene3d>
+      <a:camera prst="orthographicFront"/>
+      <a:lightRig rig="threePt" dir="t"/>
+    </dgm:scene3d>
+    <dgm:sp3d/>
+    <dgm:txPr/>
+    <dgm:style>
+      <a:lnRef idx="2">
+        <a:scrgbClr r="0" g="0" b="0"/>
+      </a:lnRef>
+      <a:fillRef idx="1">
+        <a:scrgbClr r="0" g="0" b="0"/>
+      </a:fillRef>
+      <a:effectRef idx="0">
+        <a:scrgbClr r="0" g="0" b="0"/>
+      </a:effectRef>
+      <a:fontRef idx="minor">
+        <a:schemeClr val="lt1"/>
+      </a:fontRef>
+    </dgm:style>
+  </dgm:styleLbl>
+  <dgm:styleLbl name="parChTrans2D2">
+    <dgm:scene3d>
+      <a:camera prst="orthographicFront"/>
+      <a:lightRig rig="threePt" dir="t"/>
+    </dgm:scene3d>
+    <dgm:sp3d/>
+    <dgm:txPr/>
+    <dgm:style>
+      <a:lnRef idx="2">
+        <a:scrgbClr r="0" g="0" b="0"/>
+      </a:lnRef>
+      <a:fillRef idx="1">
+        <a:scrgbClr r="0" g="0" b="0"/>
+      </a:fillRef>
+      <a:effectRef idx="0">
+        <a:scrgbClr r="0" g="0" b="0"/>
+      </a:effectRef>
+      <a:fontRef idx="minor">
+        <a:schemeClr val="lt1"/>
+      </a:fontRef>
+    </dgm:style>
+  </dgm:styleLbl>
+  <dgm:styleLbl name="parChTrans2D3">
+    <dgm:scene3d>
+      <a:camera prst="orthographicFront"/>
+      <a:lightRig rig="threePt" dir="t"/>
+    </dgm:scene3d>
+    <dgm:sp3d/>
+    <dgm:txPr/>
+    <dgm:style>
+      <a:lnRef idx="2">
+        <a:scrgbClr r="0" g="0" b="0"/>
+      </a:lnRef>
+      <a:fillRef idx="1">
+        <a:scrgbClr r="0" g="0" b="0"/>
+      </a:fillRef>
+      <a:effectRef idx="0">
+        <a:scrgbClr r="0" g="0" b="0"/>
+      </a:effectRef>
+      <a:fontRef idx="minor">
+        <a:schemeClr val="lt1"/>
+      </a:fontRef>
+    </dgm:style>
+  </dgm:styleLbl>
+  <dgm:styleLbl name="parChTrans2D4">
+    <dgm:scene3d>
+      <a:camera prst="orthographicFront"/>
+      <a:lightRig rig="threePt" dir="t"/>
+    </dgm:scene3d>
+    <dgm:sp3d/>
+    <dgm:txPr/>
+    <dgm:style>
+      <a:lnRef idx="2">
+        <a:scrgbClr r="0" g="0" b="0"/>
+      </a:lnRef>
+      <a:fillRef idx="1">
+        <a:scrgbClr r="0" g="0" b="0"/>
+      </a:fillRef>
+      <a:effectRef idx="0">
+        <a:scrgbClr r="0" g="0" b="0"/>
+      </a:effectRef>
+      <a:fontRef idx="minor">
+        <a:schemeClr val="lt1"/>
+      </a:fontRef>
+    </dgm:style>
+  </dgm:styleLbl>
+  <dgm:styleLbl name="parChTrans1D1">
+    <dgm:scene3d>
+      <a:camera prst="orthographicFront"/>
+      <a:lightRig rig="threePt" dir="t"/>
+    </dgm:scene3d>
+    <dgm:sp3d/>
+    <dgm:txPr/>
+    <dgm:style>
+      <a:lnRef idx="2">
+        <a:scrgbClr r="0" g="0" b="0"/>
+      </a:lnRef>
+      <a:fillRef idx="0">
+        <a:scrgbClr r="0" g="0" b="0"/>
+      </a:fillRef>
+      <a:effectRef idx="0">
+        <a:scrgbClr r="0" g="0" b="0"/>
+      </a:effectRef>
+      <a:fontRef idx="minor"/>
+    </dgm:style>
+  </dgm:styleLbl>
+  <dgm:styleLbl name="parChTrans1D2">
+    <dgm:scene3d>
+      <a:camera prst="orthographicFront"/>
+      <a:lightRig rig="threePt" dir="t"/>
+    </dgm:scene3d>
+    <dgm:sp3d/>
+    <dgm:txPr/>
+    <dgm:style>
+      <a:lnRef idx="2">
+        <a:scrgbClr r="0" g="0" b="0"/>
+      </a:lnRef>
+      <a:fillRef idx="0">
+        <a:scrgbClr r="0" g="0" b="0"/>
+      </a:fillRef>
+      <a:effectRef idx="0">
+        <a:scrgbClr r="0" g="0" b="0"/>
+      </a:effectRef>
+      <a:fontRef idx="minor"/>
+    </dgm:style>
+  </dgm:styleLbl>
+  <dgm:styleLbl name="parChTrans1D3">
+    <dgm:scene3d>
+      <a:camera prst="orthographicFront"/>
+      <a:lightRig rig="threePt" dir="t"/>
+    </dgm:scene3d>
+    <dgm:sp3d/>
+    <dgm:txPr/>
+    <dgm:style>
+      <a:lnRef idx="2">
+        <a:scrgbClr r="0" g="0" b="0"/>
+      </a:lnRef>
+      <a:fillRef idx="0">
+        <a:scrgbClr r="0" g="0" b="0"/>
+      </a:fillRef>
+      <a:effectRef idx="0">
+        <a:scrgbClr r="0" g="0" b="0"/>
+      </a:effectRef>
+      <a:fontRef idx="minor"/>
+    </dgm:style>
+  </dgm:styleLbl>
+  <dgm:styleLbl name="parChTrans1D4">
+    <dgm:scene3d>
+      <a:camera prst="orthographicFront"/>
+      <a:lightRig rig="threePt" dir="t"/>
+    </dgm:scene3d>
+    <dgm:sp3d/>
+    <dgm:txPr/>
+    <dgm:style>
+      <a:lnRef idx="2">
+        <a:scrgbClr r="0" g="0" b="0"/>
+      </a:lnRef>
+      <a:fillRef idx="0">
+        <a:scrgbClr r="0" g="0" b="0"/>
+      </a:fillRef>
+      <a:effectRef idx="0">
+        <a:scrgbClr r="0" g="0" b="0"/>
+      </a:effectRef>
+      <a:fontRef idx="minor"/>
+    </dgm:style>
+  </dgm:styleLbl>
+  <dgm:styleLbl name="fgAcc1">
+    <dgm:scene3d>
+      <a:camera prst="orthographicFront"/>
+      <a:lightRig rig="threePt" dir="t"/>
+    </dgm:scene3d>
+    <dgm:sp3d/>
+    <dgm:txPr/>
+    <dgm:style>
+      <a:lnRef idx="2">
+        <a:scrgbClr r="0" g="0" b="0"/>
+      </a:lnRef>
+      <a:fillRef idx="1">
+        <a:scrgbClr r="0" g="0" b="0"/>
+      </a:fillRef>
+      <a:effectRef idx="0">
+        <a:scrgbClr r="0" g="0" b="0"/>
+      </a:effectRef>
+      <a:fontRef idx="minor"/>
+    </dgm:style>
+  </dgm:styleLbl>
+  <dgm:styleLbl name="conFgAcc1">
+    <dgm:scene3d>
+      <a:camera prst="orthographicFront"/>
+      <a:lightRig rig="threePt" dir="t"/>
+    </dgm:scene3d>
+    <dgm:sp3d/>
+    <dgm:txPr/>
+    <dgm:style>
+      <a:lnRef idx="2">
+        <a:scrgbClr r="0" g="0" b="0"/>
+      </a:lnRef>
+      <a:fillRef idx="1">
+        <a:scrgbClr r="0" g="0" b="0"/>
+      </a:fillRef>
+      <a:effectRef idx="0">
+        <a:scrgbClr r="0" g="0" b="0"/>
+      </a:effectRef>
+      <a:fontRef idx="minor"/>
+    </dgm:style>
+  </dgm:styleLbl>
+  <dgm:styleLbl name="alignAcc1">
+    <dgm:scene3d>
+      <a:camera prst="orthographicFront"/>
+      <a:lightRig rig="threePt" dir="t"/>
+    </dgm:scene3d>
+    <dgm:sp3d/>
+    <dgm:txPr/>
+    <dgm:style>
+      <a:lnRef idx="2">
+        <a:scrgbClr r="0" g="0" b="0"/>
+      </a:lnRef>
+      <a:fillRef idx="1">
+        <a:scrgbClr r="0" g="0" b="0"/>
+      </a:fillRef>
+      <a:effectRef idx="0">
+        <a:scrgbClr r="0" g="0" b="0"/>
+      </a:effectRef>
+      <a:fontRef idx="minor"/>
+    </dgm:style>
+  </dgm:styleLbl>
+  <dgm:styleLbl name="trAlignAcc1">
+    <dgm:scene3d>
+      <a:camera prst="orthographicFront"/>
+      <a:lightRig rig="threePt" dir="t"/>
+    </dgm:scene3d>
+    <dgm:sp3d/>
+    <dgm:txPr/>
+    <dgm:style>
+      <a:lnRef idx="1">
+        <a:scrgbClr r="0" g="0" b="0"/>
+      </a:lnRef>
+      <a:fillRef idx="1">
+        <a:scrgbClr r="0" g="0" b="0"/>
+      </a:fillRef>
+      <a:effectRef idx="0">
+        <a:scrgbClr r="0" g="0" b="0"/>
+      </a:effectRef>
+      <a:fontRef idx="minor"/>
+    </dgm:style>
+  </dgm:styleLbl>
+  <dgm:styleLbl name="bgAcc1">
+    <dgm:scene3d>
+      <a:camera prst="orthographicFront"/>
+      <a:lightRig rig="threePt" dir="t"/>
+    </dgm:scene3d>
+    <dgm:sp3d/>
+    <dgm:txPr/>
+    <dgm:style>
+      <a:lnRef idx="2">
+        <a:scrgbClr r="0" g="0" b="0"/>
+      </a:lnRef>
+      <a:fillRef idx="1">
+        <a:scrgbClr r="0" g="0" b="0"/>
+      </a:fillRef>
+      <a:effectRef idx="0">
+        <a:scrgbClr r="0" g="0" b="0"/>
+      </a:effectRef>
+      <a:fontRef idx="minor"/>
+    </dgm:style>
+  </dgm:styleLbl>
+  <dgm:styleLbl name="solidFgAcc1">
+    <dgm:scene3d>
+      <a:camera prst="orthographicFront"/>
+      <a:lightRig rig="threePt" dir="t"/>
+    </dgm:scene3d>
+    <dgm:sp3d/>
+    <dgm:txPr/>
+    <dgm:style>
+      <a:lnRef idx="2">
+        <a:scrgbClr r="0" g="0" b="0"/>
+      </a:lnRef>
+      <a:fillRef idx="1">
+        <a:scrgbClr r="0" g="0" b="0"/>
+      </a:fillRef>
+      <a:effectRef idx="0">
+        <a:scrgbClr r="0" g="0" b="0"/>
+      </a:effectRef>
+      <a:fontRef idx="minor"/>
+    </dgm:style>
+  </dgm:styleLbl>
+  <dgm:styleLbl name="solidAlignAcc1">
+    <dgm:scene3d>
+      <a:camera prst="orthographicFront"/>
+      <a:lightRig rig="threePt" dir="t"/>
+    </dgm:scene3d>
+    <dgm:sp3d/>
+    <dgm:txPr/>
+    <dgm:style>
+      <a:lnRef idx="2">
+        <a:scrgbClr r="0" g="0" b="0"/>
+      </a:lnRef>
+      <a:fillRef idx="1">
+        <a:scrgbClr r="0" g="0" b="0"/>
+      </a:fillRef>
+      <a:effectRef idx="0">
+        <a:scrgbClr r="0" g="0" b="0"/>
+      </a:effectRef>
+      <a:fontRef idx="minor"/>
+    </dgm:style>
+  </dgm:styleLbl>
+  <dgm:styleLbl name="solidBgAcc1">
+    <dgm:scene3d>
+      <a:camera prst="orthographicFront"/>
+      <a:lightRig rig="threePt" dir="t"/>
+    </dgm:scene3d>
+    <dgm:sp3d/>
+    <dgm:txPr/>
+    <dgm:style>
+      <a:lnRef idx="2">
+        <a:scrgbClr r="0" g="0" b="0"/>
+      </a:lnRef>
+      <a:fillRef idx="1">
+        <a:scrgbClr r="0" g="0" b="0"/>
+      </a:fillRef>
+      <a:effectRef idx="0">
+        <a:scrgbClr r="0" g="0" b="0"/>
+      </a:effectRef>
+      <a:fontRef idx="minor"/>
+    </dgm:style>
+  </dgm:styleLbl>
+  <dgm:styleLbl name="fgAccFollowNode1">
+    <dgm:scene3d>
+      <a:camera prst="orthographicFront"/>
+      <a:lightRig rig="threePt" dir="t"/>
+    </dgm:scene3d>
+    <dgm:sp3d/>
+    <dgm:txPr/>
+    <dgm:style>
+      <a:lnRef idx="2">
+        <a:scrgbClr r="0" g="0" b="0"/>
+      </a:lnRef>
+      <a:fillRef idx="1">
+        <a:scrgbClr r="0" g="0" b="0"/>
+      </a:fillRef>
+      <a:effectRef idx="0">
+        <a:scrgbClr r="0" g="0" b="0"/>
+      </a:effectRef>
+      <a:fontRef idx="minor"/>
+    </dgm:style>
+  </dgm:styleLbl>
+  <dgm:styleLbl name="alignAccFollowNode1">
+    <dgm:scene3d>
+      <a:camera prst="orthographicFront"/>
+      <a:lightRig rig="threePt" dir="t"/>
+    </dgm:scene3d>
+    <dgm:sp3d/>
+    <dgm:txPr/>
+    <dgm:style>
+      <a:lnRef idx="2">
+        <a:scrgbClr r="0" g="0" b="0"/>
+      </a:lnRef>
+      <a:fillRef idx="1">
+        <a:scrgbClr r="0" g="0" b="0"/>
+      </a:fillRef>
+      <a:effectRef idx="0">
+        <a:scrgbClr r="0" g="0" b="0"/>
+      </a:effectRef>
+      <a:fontRef idx="minor"/>
+    </dgm:style>
+  </dgm:styleLbl>
+  <dgm:styleLbl name="bgAccFollowNode1">
+    <dgm:scene3d>
+      <a:camera prst="orthographicFront"/>
+      <a:lightRig rig="threePt" dir="t"/>
+    </dgm:scene3d>
+    <dgm:sp3d/>
+    <dgm:txPr/>
+    <dgm:style>
+      <a:lnRef idx="2">
+        <a:scrgbClr r="0" g="0" b="0"/>
+      </a:lnRef>
+      <a:fillRef idx="1">
+        <a:scrgbClr r="0" g="0" b="0"/>
+      </a:fillRef>
+      <a:effectRef idx="0">
+        <a:scrgbClr r="0" g="0" b="0"/>
+      </a:effectRef>
+      <a:fontRef idx="minor"/>
+    </dgm:style>
+  </dgm:styleLbl>
+  <dgm:styleLbl name="fgAcc0">
+    <dgm:scene3d>
+      <a:camera prst="orthographicFront"/>
+      <a:lightRig rig="threePt" dir="t"/>
+    </dgm:scene3d>
+    <dgm:sp3d/>
+    <dgm:txPr/>
+    <dgm:style>
+      <a:lnRef idx="2">
+        <a:scrgbClr r="0" g="0" b="0"/>
+      </a:lnRef>
+      <a:fillRef idx="1">
+        <a:scrgbClr r="0" g="0" b="0"/>
+      </a:fillRef>
+      <a:effectRef idx="0">
+        <a:scrgbClr r="0" g="0" b="0"/>
+      </a:effectRef>
+      <a:fontRef idx="minor"/>
+    </dgm:style>
+  </dgm:styleLbl>
+  <dgm:styleLbl name="fgAcc2">
+    <dgm:scene3d>
+      <a:camera prst="orthographicFront"/>
+      <a:lightRig rig="threePt" dir="t"/>
+    </dgm:scene3d>
+    <dgm:sp3d/>
+    <dgm:txPr/>
+    <dgm:style>
+      <a:lnRef idx="2">
+        <a:scrgbClr r="0" g="0" b="0"/>
+      </a:lnRef>
+      <a:fillRef idx="1">
+        <a:scrgbClr r="0" g="0" b="0"/>
+      </a:fillRef>
+      <a:effectRef idx="0">
+        <a:scrgbClr r="0" g="0" b="0"/>
+      </a:effectRef>
+      <a:fontRef idx="minor"/>
+    </dgm:style>
+  </dgm:styleLbl>
+  <dgm:styleLbl name="fgAcc3">
+    <dgm:scene3d>
+      <a:camera prst="orthographicFront"/>
+      <a:lightRig rig="threePt" dir="t"/>
+    </dgm:scene3d>
+    <dgm:sp3d/>
+    <dgm:txPr/>
+    <dgm:style>
+      <a:lnRef idx="2">
+        <a:scrgbClr r="0" g="0" b="0"/>
+      </a:lnRef>
+      <a:fillRef idx="1">
+        <a:scrgbClr r="0" g="0" b="0"/>
+      </a:fillRef>
+      <a:effectRef idx="0">
+        <a:scrgbClr r="0" g="0" b="0"/>
+      </a:effectRef>
+      <a:fontRef idx="minor"/>
+    </dgm:style>
+  </dgm:styleLbl>
+  <dgm:styleLbl name="fgAcc4">
+    <dgm:scene3d>
+      <a:camera prst="orthographicFront"/>
+      <a:lightRig rig="threePt" dir="t"/>
+    </dgm:scene3d>
+    <dgm:sp3d/>
+    <dgm:txPr/>
+    <dgm:style>
+      <a:lnRef idx="2">
+        <a:scrgbClr r="0" g="0" b="0"/>
+      </a:lnRef>
+      <a:fillRef idx="1">
+        <a:scrgbClr r="0" g="0" b="0"/>
+      </a:fillRef>
+      <a:effectRef idx="0">
+        <a:scrgbClr r="0" g="0" b="0"/>
+      </a:effectRef>
+      <a:fontRef idx="minor"/>
+    </dgm:style>
+  </dgm:styleLbl>
+  <dgm:styleLbl name="bgShp">
+    <dgm:scene3d>
+      <a:camera prst="orthographicFront"/>
+      <a:lightRig rig="threePt" dir="t"/>
+    </dgm:scene3d>
+    <dgm:sp3d/>
+    <dgm:txPr/>
+    <dgm:style>
+      <a:lnRef idx="0">
+        <a:scrgbClr r="0" g="0" b="0"/>
+      </a:lnRef>
+      <a:fillRef idx="1">
+        <a:scrgbClr r="0" g="0" b="0"/>
+      </a:fillRef>
+      <a:effectRef idx="0">
+        <a:scrgbClr r="0" g="0" b="0"/>
+      </a:effectRef>
+      <a:fontRef idx="minor"/>
+    </dgm:style>
+  </dgm:styleLbl>
+  <dgm:styleLbl name="dkBgShp">
+    <dgm:scene3d>
+      <a:camera prst="orthographicFront"/>
+      <a:lightRig rig="threePt" dir="t"/>
+    </dgm:scene3d>
+    <dgm:sp3d/>
+    <dgm:txPr/>
+    <dgm:style>
+      <a:lnRef idx="0">
+        <a:scrgbClr r="0" g="0" b="0"/>
+      </a:lnRef>
+      <a:fillRef idx="1">
+        <a:scrgbClr r="0" g="0" b="0"/>
+      </a:fillRef>
+      <a:effectRef idx="0">
+        <a:scrgbClr r="0" g="0" b="0"/>
+      </a:effectRef>
+      <a:fontRef idx="minor"/>
+    </dgm:style>
+  </dgm:styleLbl>
+  <dgm:styleLbl name="trBgShp">
+    <dgm:scene3d>
+      <a:camera prst="orthographicFront"/>
+      <a:lightRig rig="threePt" dir="t"/>
+    </dgm:scene3d>
+    <dgm:sp3d/>
+    <dgm:txPr/>
+    <dgm:style>
+      <a:lnRef idx="0">
+        <a:scrgbClr r="0" g="0" b="0"/>
+      </a:lnRef>
+      <a:fillRef idx="1">
+        <a:scrgbClr r="0" g="0" b="0"/>
+      </a:fillRef>
+      <a:effectRef idx="0">
+        <a:scrgbClr r="0" g="0" b="0"/>
+      </a:effectRef>
+      <a:fontRef idx="minor"/>
+    </dgm:style>
+  </dgm:styleLbl>
+  <dgm:styleLbl name="fgShp">
+    <dgm:scene3d>
+      <a:camera prst="orthographicFront"/>
+      <a:lightRig rig="threePt" dir="t"/>
+    </dgm:scene3d>
+    <dgm:sp3d/>
+    <dgm:txPr/>
+    <dgm:style>
+      <a:lnRef idx="2">
+        <a:scrgbClr r="0" g="0" b="0"/>
+      </a:lnRef>
+      <a:fillRef idx="1">
+        <a:scrgbClr r="0" g="0" b="0"/>
+      </a:fillRef>
+      <a:effectRef idx="0">
+        <a:scrgbClr r="0" g="0" b="0"/>
+      </a:effectRef>
+      <a:fontRef idx="minor"/>
+    </dgm:style>
+  </dgm:styleLbl>
+  <dgm:styleLbl name="revTx">
+    <dgm:scene3d>
+      <a:camera prst="orthographicFront"/>
+      <a:lightRig rig="threePt" dir="t"/>
+    </dgm:scene3d>
+    <dgm:sp3d/>
+    <dgm:txPr/>
+    <dgm:style>
+      <a:lnRef idx="0">
+        <a:scrgbClr r="0" g="0" b="0"/>
+      </a:lnRef>
+      <a:fillRef idx="0">
+        <a:scrgbClr r="0" g="0" b="0"/>
+      </a:fillRef>
+      <a:effectRef idx="0">
+        <a:scrgbClr r="0" g="0" b="0"/>
+      </a:effectRef>
+      <a:fontRef idx="minor"/>
+    </dgm:style>
+  </dgm:styleLbl>
+</dgm:styleDef>
+</file>
+
 <file path=ppt/slideLayouts/slideLayout1.xml><?xml version="1.0" encoding="utf-8"?>
 <p:sldLayout xmlns:a="http://schemas.openxmlformats.org/drawingml/2006/main" xmlns:r="http://schemas.openxmlformats.org/officeDocument/2006/relationships" xmlns:p="http://schemas.openxmlformats.org/presentationml/2006/main" type="titleOnly" preserve="1">
   <p:cSld name="Title Only">
@@ -186,7 +3362,7 @@
           <a:p>
             <a:fld id="{D2B4EEC7-7D37-4B4B-92CC-8BDB4E492BA8}" type="datetimeFigureOut">
               <a:rPr lang="de-DE" smtClean="0"/>
-              <a:t>19.02.2025</a:t>
+              <a:t>20.02.2025</a:t>
             </a:fld>
             <a:endParaRPr lang="de-DE"/>
           </a:p>
@@ -429,7 +3605,7 @@
           <a:p>
             <a:fld id="{D2B4EEC7-7D37-4B4B-92CC-8BDB4E492BA8}" type="datetimeFigureOut">
               <a:rPr lang="de-DE" smtClean="0"/>
-              <a:t>19.02.2025</a:t>
+              <a:t>20.02.2025</a:t>
             </a:fld>
             <a:endParaRPr lang="de-DE"/>
           </a:p>
@@ -923,6 +4099,1768 @@
 <file path=ppt/slides/slide10.xml><?xml version="1.0" encoding="utf-8"?>
 <p:sld xmlns:a="http://schemas.openxmlformats.org/drawingml/2006/main" xmlns:r="http://schemas.openxmlformats.org/officeDocument/2006/relationships" xmlns:p="http://schemas.openxmlformats.org/presentationml/2006/main">
   <p:cSld>
+    <p:spTree>
+      <p:nvGrpSpPr>
+        <p:cNvPr id="1" name=""/>
+        <p:cNvGrpSpPr/>
+        <p:nvPr/>
+      </p:nvGrpSpPr>
+      <p:grpSpPr>
+        <a:xfrm>
+          <a:off x="0" y="0"/>
+          <a:ext cx="0" cy="0"/>
+          <a:chOff x="0" y="0"/>
+          <a:chExt cx="0" cy="0"/>
+        </a:xfrm>
+      </p:grpSpPr>
+      <p:sp>
+        <p:nvSpPr>
+          <p:cNvPr id="2" name="Title 1">
+            <a:extLst>
+              <a:ext uri="{FF2B5EF4-FFF2-40B4-BE49-F238E27FC236}">
+                <a16:creationId xmlns:a16="http://schemas.microsoft.com/office/drawing/2014/main" id="{8EC55C42-DECF-1AF9-6AE9-AEB78533FEBF}"/>
+              </a:ext>
+            </a:extLst>
+          </p:cNvPr>
+          <p:cNvSpPr>
+            <a:spLocks noGrp="1"/>
+          </p:cNvSpPr>
+          <p:nvPr>
+            <p:ph type="title"/>
+          </p:nvPr>
+        </p:nvSpPr>
+        <p:spPr>
+          <a:xfrm>
+            <a:off x="838200" y="365125"/>
+            <a:ext cx="4368800" cy="1325563"/>
+          </a:xfrm>
+        </p:spPr>
+        <p:txBody>
+          <a:bodyPr/>
+          <a:lstStyle/>
+          <a:p>
+            <a:r>
+              <a:rPr lang="en-DE" b="1" dirty="0"/>
+              <a:t>What is ZeroMQ</a:t>
+            </a:r>
+            <a:endParaRPr lang="de-DE" b="1" dirty="0"/>
+          </a:p>
+        </p:txBody>
+      </p:sp>
+    </p:spTree>
+    <p:extLst>
+      <p:ext uri="{BB962C8B-B14F-4D97-AF65-F5344CB8AC3E}">
+        <p14:creationId xmlns:p14="http://schemas.microsoft.com/office/powerpoint/2010/main" val="3932157673"/>
+      </p:ext>
+    </p:extLst>
+  </p:cSld>
+  <p:clrMapOvr>
+    <a:masterClrMapping/>
+  </p:clrMapOvr>
+</p:sld>
+</file>
+
+<file path=ppt/slides/slide11.xml><?xml version="1.0" encoding="utf-8"?>
+<p:sld xmlns:a="http://schemas.openxmlformats.org/drawingml/2006/main" xmlns:r="http://schemas.openxmlformats.org/officeDocument/2006/relationships" xmlns:p="http://schemas.openxmlformats.org/presentationml/2006/main">
+  <p:cSld>
+    <p:spTree>
+      <p:nvGrpSpPr>
+        <p:cNvPr id="1" name=""/>
+        <p:cNvGrpSpPr/>
+        <p:nvPr/>
+      </p:nvGrpSpPr>
+      <p:grpSpPr>
+        <a:xfrm>
+          <a:off x="0" y="0"/>
+          <a:ext cx="0" cy="0"/>
+          <a:chOff x="0" y="0"/>
+          <a:chExt cx="0" cy="0"/>
+        </a:xfrm>
+      </p:grpSpPr>
+      <p:sp>
+        <p:nvSpPr>
+          <p:cNvPr id="2" name="Title 1">
+            <a:extLst>
+              <a:ext uri="{FF2B5EF4-FFF2-40B4-BE49-F238E27FC236}">
+                <a16:creationId xmlns:a16="http://schemas.microsoft.com/office/drawing/2014/main" id="{FBFA65BD-D0B4-BFA9-C52E-6582C39EDA1C}"/>
+              </a:ext>
+            </a:extLst>
+          </p:cNvPr>
+          <p:cNvSpPr>
+            <a:spLocks noGrp="1"/>
+          </p:cNvSpPr>
+          <p:nvPr>
+            <p:ph type="title"/>
+          </p:nvPr>
+        </p:nvSpPr>
+        <p:spPr/>
+        <p:txBody>
+          <a:bodyPr/>
+          <a:lstStyle/>
+          <a:p>
+            <a:r>
+              <a:rPr lang="en-DE" b="1" dirty="0"/>
+              <a:t>What is NNG</a:t>
+            </a:r>
+            <a:endParaRPr lang="de-DE" b="1" dirty="0"/>
+          </a:p>
+        </p:txBody>
+      </p:sp>
+    </p:spTree>
+    <p:extLst>
+      <p:ext uri="{BB962C8B-B14F-4D97-AF65-F5344CB8AC3E}">
+        <p14:creationId xmlns:p14="http://schemas.microsoft.com/office/powerpoint/2010/main" val="4037539066"/>
+      </p:ext>
+    </p:extLst>
+  </p:cSld>
+  <p:clrMapOvr>
+    <a:masterClrMapping/>
+  </p:clrMapOvr>
+</p:sld>
+</file>
+
+<file path=ppt/slides/slide12.xml><?xml version="1.0" encoding="utf-8"?>
+<p:sld xmlns:a="http://schemas.openxmlformats.org/drawingml/2006/main" xmlns:r="http://schemas.openxmlformats.org/officeDocument/2006/relationships" xmlns:p="http://schemas.openxmlformats.org/presentationml/2006/main">
+  <p:cSld>
+    <p:bg>
+      <p:bgPr>
+        <a:noFill/>
+        <a:effectLst/>
+      </p:bgPr>
+    </p:bg>
+    <p:spTree>
+      <p:nvGrpSpPr>
+        <p:cNvPr id="1" name=""/>
+        <p:cNvGrpSpPr/>
+        <p:nvPr/>
+      </p:nvGrpSpPr>
+      <p:grpSpPr>
+        <a:xfrm>
+          <a:off x="0" y="0"/>
+          <a:ext cx="0" cy="0"/>
+          <a:chOff x="0" y="0"/>
+          <a:chExt cx="0" cy="0"/>
+        </a:xfrm>
+      </p:grpSpPr>
+      <p:sp>
+        <p:nvSpPr>
+          <p:cNvPr id="2" name="Title 1" hidden="1">
+            <a:extLst>
+              <a:ext uri="{FF2B5EF4-FFF2-40B4-BE49-F238E27FC236}">
+                <a16:creationId xmlns:a16="http://schemas.microsoft.com/office/drawing/2014/main" id="{7A038CD1-05A4-6236-E0EE-239AB9C57253}"/>
+              </a:ext>
+            </a:extLst>
+          </p:cNvPr>
+          <p:cNvSpPr>
+            <a:spLocks noGrp="1"/>
+          </p:cNvSpPr>
+          <p:nvPr>
+            <p:ph type="title"/>
+          </p:nvPr>
+        </p:nvSpPr>
+        <p:spPr/>
+        <p:txBody>
+          <a:bodyPr/>
+          <a:lstStyle/>
+          <a:p>
+            <a:r>
+              <a:rPr lang="de-DE"/>
+              <a:t>W</a:t>
+            </a:r>
+            <a:r>
+              <a:rPr lang="en-DE"/>
+              <a:t>hat is </a:t>
+            </a:r>
+            <a:r>
+              <a:rPr lang="en-GB"/>
+              <a:t>gRPC</a:t>
+            </a:r>
+            <a:endParaRPr lang="de-DE" dirty="0"/>
+          </a:p>
+        </p:txBody>
+      </p:sp>
+      <p:pic>
+        <p:nvPicPr>
+          <p:cNvPr id="3" name="Picture 2">
+            <a:extLst>
+              <a:ext uri="{FF2B5EF4-FFF2-40B4-BE49-F238E27FC236}">
+                <a16:creationId xmlns:a16="http://schemas.microsoft.com/office/drawing/2014/main" id="{28B80667-1D12-E6C8-0349-967046E937C4}"/>
+              </a:ext>
+            </a:extLst>
+          </p:cNvPr>
+          <p:cNvPicPr/>
+          <p:nvPr/>
+        </p:nvPicPr>
+        <p:blipFill>
+          <a:blip r:embed="rId2"/>
+          <a:stretch>
+            <a:fillRect/>
+          </a:stretch>
+        </p:blipFill>
+        <p:spPr>
+          <a:xfrm>
+            <a:off x="0" y="0"/>
+            <a:ext cx="12192000" cy="6858000"/>
+          </a:xfrm>
+          <a:prstGeom prst="rect">
+            <a:avLst/>
+          </a:prstGeom>
+        </p:spPr>
+      </p:pic>
+    </p:spTree>
+    <p:extLst>
+      <p:ext uri="{BB962C8B-B14F-4D97-AF65-F5344CB8AC3E}">
+        <p14:creationId xmlns:p14="http://schemas.microsoft.com/office/powerpoint/2010/main" val="1583723509"/>
+      </p:ext>
+    </p:extLst>
+  </p:cSld>
+  <p:clrMapOvr>
+    <a:masterClrMapping/>
+  </p:clrMapOvr>
+</p:sld>
+</file>
+
+<file path=ppt/slides/slide13.xml><?xml version="1.0" encoding="utf-8"?>
+<p:sld xmlns:a="http://schemas.openxmlformats.org/drawingml/2006/main" xmlns:r="http://schemas.openxmlformats.org/officeDocument/2006/relationships" xmlns:p="http://schemas.openxmlformats.org/presentationml/2006/main">
+  <p:cSld>
+    <p:bg>
+      <p:bgPr>
+        <a:noFill/>
+        <a:effectLst/>
+      </p:bgPr>
+    </p:bg>
+    <p:spTree>
+      <p:nvGrpSpPr>
+        <p:cNvPr id="1" name=""/>
+        <p:cNvGrpSpPr/>
+        <p:nvPr/>
+      </p:nvGrpSpPr>
+      <p:grpSpPr>
+        <a:xfrm>
+          <a:off x="0" y="0"/>
+          <a:ext cx="0" cy="0"/>
+          <a:chOff x="0" y="0"/>
+          <a:chExt cx="0" cy="0"/>
+        </a:xfrm>
+      </p:grpSpPr>
+      <p:sp>
+        <p:nvSpPr>
+          <p:cNvPr id="2" name="Title 1" hidden="1">
+            <a:extLst>
+              <a:ext uri="{FF2B5EF4-FFF2-40B4-BE49-F238E27FC236}">
+                <a16:creationId xmlns:a16="http://schemas.microsoft.com/office/drawing/2014/main" id="{834B8E4C-47EF-CDD7-198A-069B65169AA0}"/>
+              </a:ext>
+            </a:extLst>
+          </p:cNvPr>
+          <p:cNvSpPr>
+            <a:spLocks noGrp="1"/>
+          </p:cNvSpPr>
+          <p:nvPr>
+            <p:ph type="title"/>
+          </p:nvPr>
+        </p:nvSpPr>
+        <p:spPr/>
+        <p:txBody>
+          <a:bodyPr/>
+          <a:lstStyle/>
+          <a:p>
+            <a:r>
+              <a:rPr lang="en-DE" b="1"/>
+              <a:t>When to Include </a:t>
+            </a:r>
+            <a:r>
+              <a:rPr lang="de-DE" b="1"/>
+              <a:t>gRPC?</a:t>
+            </a:r>
+            <a:endParaRPr lang="de-DE" dirty="0"/>
+          </a:p>
+        </p:txBody>
+      </p:sp>
+      <p:pic>
+        <p:nvPicPr>
+          <p:cNvPr id="3" name="Picture 2">
+            <a:extLst>
+              <a:ext uri="{FF2B5EF4-FFF2-40B4-BE49-F238E27FC236}">
+                <a16:creationId xmlns:a16="http://schemas.microsoft.com/office/drawing/2014/main" id="{9C2815E3-06D4-842F-EAE5-721B0AFA1BB2}"/>
+              </a:ext>
+            </a:extLst>
+          </p:cNvPr>
+          <p:cNvPicPr/>
+          <p:nvPr/>
+        </p:nvPicPr>
+        <p:blipFill>
+          <a:blip r:embed="rId2"/>
+          <a:stretch>
+            <a:fillRect/>
+          </a:stretch>
+        </p:blipFill>
+        <p:spPr>
+          <a:xfrm>
+            <a:off x="0" y="0"/>
+            <a:ext cx="12192000" cy="6858000"/>
+          </a:xfrm>
+          <a:prstGeom prst="rect">
+            <a:avLst/>
+          </a:prstGeom>
+        </p:spPr>
+      </p:pic>
+    </p:spTree>
+    <p:extLst>
+      <p:ext uri="{BB962C8B-B14F-4D97-AF65-F5344CB8AC3E}">
+        <p14:creationId xmlns:p14="http://schemas.microsoft.com/office/powerpoint/2010/main" val="2385722567"/>
+      </p:ext>
+    </p:extLst>
+  </p:cSld>
+  <p:clrMapOvr>
+    <a:masterClrMapping/>
+  </p:clrMapOvr>
+</p:sld>
+</file>
+
+<file path=ppt/slides/slide14.xml><?xml version="1.0" encoding="utf-8"?>
+<p:sld xmlns:a="http://schemas.openxmlformats.org/drawingml/2006/main" xmlns:r="http://schemas.openxmlformats.org/officeDocument/2006/relationships" xmlns:p="http://schemas.openxmlformats.org/presentationml/2006/main">
+  <p:cSld>
+    <p:bg>
+      <p:bgPr>
+        <a:solidFill>
+          <a:schemeClr val="bg1">
+            <a:tint val="95000"/>
+            <a:satMod val="170000"/>
+          </a:schemeClr>
+        </a:solidFill>
+        <a:effectLst/>
+      </p:bgPr>
+    </p:bg>
+    <p:spTree>
+      <p:nvGrpSpPr>
+        <p:cNvPr id="1" name=""/>
+        <p:cNvGrpSpPr/>
+        <p:nvPr/>
+      </p:nvGrpSpPr>
+      <p:grpSpPr>
+        <a:xfrm>
+          <a:off x="0" y="0"/>
+          <a:ext cx="0" cy="0"/>
+          <a:chOff x="0" y="0"/>
+          <a:chExt cx="0" cy="0"/>
+        </a:xfrm>
+      </p:grpSpPr>
+      <p:sp>
+        <p:nvSpPr>
+          <p:cNvPr id="7" name="Freeform: Shape 6">
+            <a:extLst>
+              <a:ext uri="{FF2B5EF4-FFF2-40B4-BE49-F238E27FC236}">
+                <a16:creationId xmlns:a16="http://schemas.microsoft.com/office/drawing/2014/main" id="{66B332A4-D438-4773-A77F-5ED49A448D9D}"/>
+              </a:ext>
+              <a:ext uri="{C183D7F6-B498-43B3-948B-1728B52AA6E4}">
+                <adec:decorative xmlns:adec="http://schemas.microsoft.com/office/drawing/2017/decorative" val="1"/>
+              </a:ext>
+            </a:extLst>
+          </p:cNvPr>
+          <p:cNvSpPr>
+            <a:spLocks noGrp="1" noRot="1" noChangeAspect="1" noMove="1" noResize="1" noEditPoints="1" noAdjustHandles="1" noChangeArrowheads="1" noChangeShapeType="1" noTextEdit="1"/>
+          </p:cNvSpPr>
+          <p:nvPr>
+            <p:extLst>
+              <p:ext uri="{386F3935-93C4-4BCD-93E2-E3B085C9AB24}">
+                <p16:designElem xmlns:p16="http://schemas.microsoft.com/office/powerpoint/2015/main" val="1"/>
+              </p:ext>
+            </p:extLst>
+          </p:nvPr>
+        </p:nvSpPr>
+        <p:spPr>
+          <a:xfrm>
+            <a:off x="1953768" y="0"/>
+            <a:ext cx="8284464" cy="6858000"/>
+          </a:xfrm>
+          <a:custGeom>
+            <a:avLst/>
+            <a:gdLst>
+              <a:gd name="connsiteX0" fmla="*/ 1818109 w 8284464"/>
+              <a:gd name="connsiteY0" fmla="*/ 0 h 6858000"/>
+              <a:gd name="connsiteX1" fmla="*/ 6466355 w 8284464"/>
+              <a:gd name="connsiteY1" fmla="*/ 0 h 6858000"/>
+              <a:gd name="connsiteX2" fmla="*/ 6620596 w 8284464"/>
+              <a:gd name="connsiteY2" fmla="*/ 109683 h 6858000"/>
+              <a:gd name="connsiteX3" fmla="*/ 8284464 w 8284464"/>
+              <a:gd name="connsiteY3" fmla="*/ 3429000 h 6858000"/>
+              <a:gd name="connsiteX4" fmla="*/ 6620596 w 8284464"/>
+              <a:gd name="connsiteY4" fmla="*/ 6748318 h 6858000"/>
+              <a:gd name="connsiteX5" fmla="*/ 6466355 w 8284464"/>
+              <a:gd name="connsiteY5" fmla="*/ 6858000 h 6858000"/>
+              <a:gd name="connsiteX6" fmla="*/ 1818109 w 8284464"/>
+              <a:gd name="connsiteY6" fmla="*/ 6858000 h 6858000"/>
+              <a:gd name="connsiteX7" fmla="*/ 1663869 w 8284464"/>
+              <a:gd name="connsiteY7" fmla="*/ 6748318 h 6858000"/>
+              <a:gd name="connsiteX8" fmla="*/ 0 w 8284464"/>
+              <a:gd name="connsiteY8" fmla="*/ 3429000 h 6858000"/>
+              <a:gd name="connsiteX9" fmla="*/ 1663869 w 8284464"/>
+              <a:gd name="connsiteY9" fmla="*/ 109683 h 6858000"/>
+            </a:gdLst>
+            <a:ahLst/>
+            <a:cxnLst>
+              <a:cxn ang="0">
+                <a:pos x="connsiteX0" y="connsiteY0"/>
+              </a:cxn>
+              <a:cxn ang="0">
+                <a:pos x="connsiteX1" y="connsiteY1"/>
+              </a:cxn>
+              <a:cxn ang="0">
+                <a:pos x="connsiteX2" y="connsiteY2"/>
+              </a:cxn>
+              <a:cxn ang="0">
+                <a:pos x="connsiteX3" y="connsiteY3"/>
+              </a:cxn>
+              <a:cxn ang="0">
+                <a:pos x="connsiteX4" y="connsiteY4"/>
+              </a:cxn>
+              <a:cxn ang="0">
+                <a:pos x="connsiteX5" y="connsiteY5"/>
+              </a:cxn>
+              <a:cxn ang="0">
+                <a:pos x="connsiteX6" y="connsiteY6"/>
+              </a:cxn>
+              <a:cxn ang="0">
+                <a:pos x="connsiteX7" y="connsiteY7"/>
+              </a:cxn>
+              <a:cxn ang="0">
+                <a:pos x="connsiteX8" y="connsiteY8"/>
+              </a:cxn>
+              <a:cxn ang="0">
+                <a:pos x="connsiteX9" y="connsiteY9"/>
+              </a:cxn>
+            </a:cxnLst>
+            <a:rect l="l" t="t" r="r" b="b"/>
+            <a:pathLst>
+              <a:path w="8284464" h="6858000">
+                <a:moveTo>
+                  <a:pt x="1818109" y="0"/>
+                </a:moveTo>
+                <a:lnTo>
+                  <a:pt x="6466355" y="0"/>
+                </a:lnTo>
+                <a:lnTo>
+                  <a:pt x="6620596" y="109683"/>
+                </a:lnTo>
+                <a:cubicBezTo>
+                  <a:pt x="7630666" y="865069"/>
+                  <a:pt x="8284464" y="2070683"/>
+                  <a:pt x="8284464" y="3429000"/>
+                </a:cubicBezTo>
+                <a:cubicBezTo>
+                  <a:pt x="8284464" y="4787317"/>
+                  <a:pt x="7630666" y="5992931"/>
+                  <a:pt x="6620596" y="6748318"/>
+                </a:cubicBezTo>
+                <a:lnTo>
+                  <a:pt x="6466355" y="6858000"/>
+                </a:lnTo>
+                <a:lnTo>
+                  <a:pt x="1818109" y="6858000"/>
+                </a:lnTo>
+                <a:lnTo>
+                  <a:pt x="1663869" y="6748318"/>
+                </a:lnTo>
+                <a:cubicBezTo>
+                  <a:pt x="653798" y="5992931"/>
+                  <a:pt x="0" y="4787317"/>
+                  <a:pt x="0" y="3429000"/>
+                </a:cubicBezTo>
+                <a:cubicBezTo>
+                  <a:pt x="0" y="2070683"/>
+                  <a:pt x="653798" y="865069"/>
+                  <a:pt x="1663869" y="109683"/>
+                </a:cubicBezTo>
+                <a:close/>
+              </a:path>
+            </a:pathLst>
+          </a:custGeom>
+          <a:solidFill>
+            <a:srgbClr val="FFFFFF">
+              <a:alpha val="80000"/>
+            </a:srgbClr>
+          </a:solidFill>
+          <a:ln>
+            <a:noFill/>
+          </a:ln>
+        </p:spPr>
+        <p:style>
+          <a:lnRef idx="2">
+            <a:schemeClr val="accent1">
+              <a:shade val="50000"/>
+            </a:schemeClr>
+          </a:lnRef>
+          <a:fillRef idx="1">
+            <a:schemeClr val="accent1"/>
+          </a:fillRef>
+          <a:effectRef idx="0">
+            <a:schemeClr val="accent1"/>
+          </a:effectRef>
+          <a:fontRef idx="minor">
+            <a:schemeClr val="lt1"/>
+          </a:fontRef>
+        </p:style>
+        <p:txBody>
+          <a:bodyPr wrap="square" rtlCol="0" anchor="ctr">
+            <a:noAutofit/>
+          </a:bodyPr>
+          <a:lstStyle/>
+          <a:p>
+            <a:pPr algn="ctr"/>
+            <a:endParaRPr lang="en-US"/>
+          </a:p>
+        </p:txBody>
+      </p:sp>
+      <p:sp>
+        <p:nvSpPr>
+          <p:cNvPr id="9" name="Freeform: Shape 8">
+            <a:extLst>
+              <a:ext uri="{FF2B5EF4-FFF2-40B4-BE49-F238E27FC236}">
+                <a16:creationId xmlns:a16="http://schemas.microsoft.com/office/drawing/2014/main" id="{DF9AD32D-FF05-44F4-BD4D-9CEE89B71EB9}"/>
+              </a:ext>
+              <a:ext uri="{C183D7F6-B498-43B3-948B-1728B52AA6E4}">
+                <adec:decorative xmlns:adec="http://schemas.microsoft.com/office/drawing/2017/decorative" val="1"/>
+              </a:ext>
+            </a:extLst>
+          </p:cNvPr>
+          <p:cNvSpPr>
+            <a:spLocks noGrp="1" noRot="1" noChangeAspect="1" noMove="1" noResize="1" noEditPoints="1" noAdjustHandles="1" noChangeArrowheads="1" noChangeShapeType="1" noTextEdit="1"/>
+          </p:cNvSpPr>
+          <p:nvPr>
+            <p:extLst>
+              <p:ext uri="{386F3935-93C4-4BCD-93E2-E3B085C9AB24}">
+                <p16:designElem xmlns:p16="http://schemas.microsoft.com/office/powerpoint/2015/main" val="1"/>
+              </p:ext>
+            </p:extLst>
+          </p:nvPr>
+        </p:nvSpPr>
+        <p:spPr>
+          <a:xfrm>
+            <a:off x="2118360" y="0"/>
+            <a:ext cx="7955280" cy="6858000"/>
+          </a:xfrm>
+          <a:custGeom>
+            <a:avLst/>
+            <a:gdLst>
+              <a:gd name="connsiteX0" fmla="*/ 1962423 w 7955280"/>
+              <a:gd name="connsiteY0" fmla="*/ 0 h 6858000"/>
+              <a:gd name="connsiteX1" fmla="*/ 5992858 w 7955280"/>
+              <a:gd name="connsiteY1" fmla="*/ 0 h 6858000"/>
+              <a:gd name="connsiteX2" fmla="*/ 6040191 w 7955280"/>
+              <a:gd name="connsiteY2" fmla="*/ 27216 h 6858000"/>
+              <a:gd name="connsiteX3" fmla="*/ 7955280 w 7955280"/>
+              <a:gd name="connsiteY3" fmla="*/ 3429000 h 6858000"/>
+              <a:gd name="connsiteX4" fmla="*/ 6040191 w 7955280"/>
+              <a:gd name="connsiteY4" fmla="*/ 6830784 h 6858000"/>
+              <a:gd name="connsiteX5" fmla="*/ 5992858 w 7955280"/>
+              <a:gd name="connsiteY5" fmla="*/ 6858000 h 6858000"/>
+              <a:gd name="connsiteX6" fmla="*/ 1962423 w 7955280"/>
+              <a:gd name="connsiteY6" fmla="*/ 6858000 h 6858000"/>
+              <a:gd name="connsiteX7" fmla="*/ 1915089 w 7955280"/>
+              <a:gd name="connsiteY7" fmla="*/ 6830784 h 6858000"/>
+              <a:gd name="connsiteX8" fmla="*/ 0 w 7955280"/>
+              <a:gd name="connsiteY8" fmla="*/ 3429000 h 6858000"/>
+              <a:gd name="connsiteX9" fmla="*/ 1915089 w 7955280"/>
+              <a:gd name="connsiteY9" fmla="*/ 27216 h 6858000"/>
+            </a:gdLst>
+            <a:ahLst/>
+            <a:cxnLst>
+              <a:cxn ang="0">
+                <a:pos x="connsiteX0" y="connsiteY0"/>
+              </a:cxn>
+              <a:cxn ang="0">
+                <a:pos x="connsiteX1" y="connsiteY1"/>
+              </a:cxn>
+              <a:cxn ang="0">
+                <a:pos x="connsiteX2" y="connsiteY2"/>
+              </a:cxn>
+              <a:cxn ang="0">
+                <a:pos x="connsiteX3" y="connsiteY3"/>
+              </a:cxn>
+              <a:cxn ang="0">
+                <a:pos x="connsiteX4" y="connsiteY4"/>
+              </a:cxn>
+              <a:cxn ang="0">
+                <a:pos x="connsiteX5" y="connsiteY5"/>
+              </a:cxn>
+              <a:cxn ang="0">
+                <a:pos x="connsiteX6" y="connsiteY6"/>
+              </a:cxn>
+              <a:cxn ang="0">
+                <a:pos x="connsiteX7" y="connsiteY7"/>
+              </a:cxn>
+              <a:cxn ang="0">
+                <a:pos x="connsiteX8" y="connsiteY8"/>
+              </a:cxn>
+              <a:cxn ang="0">
+                <a:pos x="connsiteX9" y="connsiteY9"/>
+              </a:cxn>
+            </a:cxnLst>
+            <a:rect l="l" t="t" r="r" b="b"/>
+            <a:pathLst>
+              <a:path w="7955280" h="6858000">
+                <a:moveTo>
+                  <a:pt x="1962423" y="0"/>
+                </a:moveTo>
+                <a:lnTo>
+                  <a:pt x="5992858" y="0"/>
+                </a:lnTo>
+                <a:lnTo>
+                  <a:pt x="6040191" y="27216"/>
+                </a:lnTo>
+                <a:cubicBezTo>
+                  <a:pt x="7188332" y="724844"/>
+                  <a:pt x="7955280" y="1987357"/>
+                  <a:pt x="7955280" y="3429000"/>
+                </a:cubicBezTo>
+                <a:cubicBezTo>
+                  <a:pt x="7955280" y="4870644"/>
+                  <a:pt x="7188332" y="6133157"/>
+                  <a:pt x="6040191" y="6830784"/>
+                </a:cubicBezTo>
+                <a:lnTo>
+                  <a:pt x="5992858" y="6858000"/>
+                </a:lnTo>
+                <a:lnTo>
+                  <a:pt x="1962423" y="6858000"/>
+                </a:lnTo>
+                <a:lnTo>
+                  <a:pt x="1915089" y="6830784"/>
+                </a:lnTo>
+                <a:cubicBezTo>
+                  <a:pt x="766948" y="6133157"/>
+                  <a:pt x="0" y="4870644"/>
+                  <a:pt x="0" y="3429000"/>
+                </a:cubicBezTo>
+                <a:cubicBezTo>
+                  <a:pt x="0" y="1987357"/>
+                  <a:pt x="766948" y="724844"/>
+                  <a:pt x="1915089" y="27216"/>
+                </a:cubicBezTo>
+                <a:close/>
+              </a:path>
+            </a:pathLst>
+          </a:custGeom>
+          <a:solidFill>
+            <a:schemeClr val="tx1"/>
+          </a:solidFill>
+          <a:ln>
+            <a:noFill/>
+          </a:ln>
+        </p:spPr>
+        <p:style>
+          <a:lnRef idx="2">
+            <a:schemeClr val="accent1">
+              <a:shade val="50000"/>
+            </a:schemeClr>
+          </a:lnRef>
+          <a:fillRef idx="1">
+            <a:schemeClr val="accent1"/>
+          </a:fillRef>
+          <a:effectRef idx="0">
+            <a:schemeClr val="accent1"/>
+          </a:effectRef>
+          <a:fontRef idx="minor">
+            <a:schemeClr val="lt1"/>
+          </a:fontRef>
+        </p:style>
+        <p:txBody>
+          <a:bodyPr wrap="square" rtlCol="0" anchor="ctr">
+            <a:noAutofit/>
+          </a:bodyPr>
+          <a:lstStyle/>
+          <a:p>
+            <a:pPr algn="ctr"/>
+            <a:endParaRPr lang="en-US"/>
+          </a:p>
+        </p:txBody>
+      </p:sp>
+      <p:sp>
+        <p:nvSpPr>
+          <p:cNvPr id="2" name="Title 1">
+            <a:extLst>
+              <a:ext uri="{FF2B5EF4-FFF2-40B4-BE49-F238E27FC236}">
+                <a16:creationId xmlns:a16="http://schemas.microsoft.com/office/drawing/2014/main" id="{1D185497-1710-A7E2-0BCD-C20009C2C3B4}"/>
+              </a:ext>
+            </a:extLst>
+          </p:cNvPr>
+          <p:cNvSpPr>
+            <a:spLocks noGrp="1"/>
+          </p:cNvSpPr>
+          <p:nvPr>
+            <p:ph type="title"/>
+          </p:nvPr>
+        </p:nvSpPr>
+        <p:spPr>
+          <a:xfrm>
+            <a:off x="2555631" y="1441938"/>
+            <a:ext cx="7080738" cy="3974124"/>
+          </a:xfrm>
+        </p:spPr>
+        <p:txBody>
+          <a:bodyPr>
+            <a:normAutofit/>
+          </a:bodyPr>
+          <a:lstStyle/>
+          <a:p>
+            <a:pPr algn="ctr"/>
+            <a:r>
+              <a:rPr lang="en-DE" sz="5400" b="1" dirty="0">
+                <a:solidFill>
+                  <a:schemeClr val="bg1">
+                    <a:lumMod val="95000"/>
+                    <a:lumOff val="5000"/>
+                  </a:schemeClr>
+                </a:solidFill>
+              </a:rPr>
+              <a:t> Proposed Models</a:t>
+            </a:r>
+            <a:endParaRPr lang="de-DE" sz="5400" b="1" dirty="0">
+              <a:solidFill>
+                <a:schemeClr val="bg1">
+                  <a:lumMod val="95000"/>
+                  <a:lumOff val="5000"/>
+                </a:schemeClr>
+              </a:solidFill>
+            </a:endParaRPr>
+          </a:p>
+        </p:txBody>
+      </p:sp>
+    </p:spTree>
+    <p:extLst>
+      <p:ext uri="{BB962C8B-B14F-4D97-AF65-F5344CB8AC3E}">
+        <p14:creationId xmlns:p14="http://schemas.microsoft.com/office/powerpoint/2010/main" val="3295970921"/>
+      </p:ext>
+    </p:extLst>
+  </p:cSld>
+  <p:clrMapOvr>
+    <a:overrideClrMapping bg1="dk1" tx1="lt1" bg2="dk2" tx2="lt2" accent1="accent1" accent2="accent2" accent3="accent3" accent4="accent4" accent5="accent5" accent6="accent6" hlink="hlink" folHlink="folHlink"/>
+  </p:clrMapOvr>
+</p:sld>
+</file>
+
+<file path=ppt/slides/slide15.xml><?xml version="1.0" encoding="utf-8"?>
+<p:sld xmlns:a="http://schemas.openxmlformats.org/drawingml/2006/main" xmlns:r="http://schemas.openxmlformats.org/officeDocument/2006/relationships" xmlns:p="http://schemas.openxmlformats.org/presentationml/2006/main">
+  <p:cSld>
+    <p:spTree>
+      <p:nvGrpSpPr>
+        <p:cNvPr id="1" name=""/>
+        <p:cNvGrpSpPr/>
+        <p:nvPr/>
+      </p:nvGrpSpPr>
+      <p:grpSpPr>
+        <a:xfrm>
+          <a:off x="0" y="0"/>
+          <a:ext cx="0" cy="0"/>
+          <a:chOff x="0" y="0"/>
+          <a:chExt cx="0" cy="0"/>
+        </a:xfrm>
+      </p:grpSpPr>
+      <p:sp>
+        <p:nvSpPr>
+          <p:cNvPr id="2" name="Title 1">
+            <a:extLst>
+              <a:ext uri="{FF2B5EF4-FFF2-40B4-BE49-F238E27FC236}">
+                <a16:creationId xmlns:a16="http://schemas.microsoft.com/office/drawing/2014/main" id="{43187EF6-EB01-284A-7B5F-15E967A9ACBC}"/>
+              </a:ext>
+            </a:extLst>
+          </p:cNvPr>
+          <p:cNvSpPr>
+            <a:spLocks noGrp="1"/>
+          </p:cNvSpPr>
+          <p:nvPr>
+            <p:ph type="title"/>
+          </p:nvPr>
+        </p:nvSpPr>
+        <p:spPr>
+          <a:xfrm>
+            <a:off x="329765" y="237067"/>
+            <a:ext cx="4547035" cy="851430"/>
+          </a:xfrm>
+        </p:spPr>
+        <p:txBody>
+          <a:bodyPr>
+            <a:normAutofit/>
+          </a:bodyPr>
+          <a:lstStyle/>
+          <a:p>
+            <a:r>
+              <a:rPr lang="en-DE" sz="2400" b="1" u="sng" dirty="0"/>
+              <a:t>MODEL – 3 {Huge Improvements}</a:t>
+            </a:r>
+            <a:endParaRPr lang="de-DE" sz="2400" b="1" u="sng" dirty="0"/>
+          </a:p>
+        </p:txBody>
+      </p:sp>
+      <p:sp>
+        <p:nvSpPr>
+          <p:cNvPr id="7" name="TextBox 6">
+            <a:extLst>
+              <a:ext uri="{FF2B5EF4-FFF2-40B4-BE49-F238E27FC236}">
+                <a16:creationId xmlns:a16="http://schemas.microsoft.com/office/drawing/2014/main" id="{A3772AA8-F5EA-C430-D62A-4AE8D2CAEB49}"/>
+              </a:ext>
+            </a:extLst>
+          </p:cNvPr>
+          <p:cNvSpPr txBox="1"/>
+          <p:nvPr/>
+        </p:nvSpPr>
+        <p:spPr>
+          <a:xfrm>
+            <a:off x="329765" y="1325563"/>
+            <a:ext cx="5217557" cy="5355312"/>
+          </a:xfrm>
+          <a:prstGeom prst="rect">
+            <a:avLst/>
+          </a:prstGeom>
+          <a:noFill/>
+        </p:spPr>
+        <p:txBody>
+          <a:bodyPr wrap="square" rtlCol="0">
+            <a:spAutoFit/>
+          </a:bodyPr>
+          <a:lstStyle/>
+          <a:p>
+            <a:pPr marL="285750" indent="-285750">
+              <a:buFont typeface="Arial" panose="020B0604020202020204" pitchFamily="34" charset="0"/>
+              <a:buChar char="•"/>
+            </a:pPr>
+            <a:r>
+              <a:rPr lang="en-DE" b="1" dirty="0"/>
+              <a:t>NNG</a:t>
+            </a:r>
+          </a:p>
+          <a:p>
+            <a:pPr marL="742950" lvl="1" indent="-285750">
+              <a:buFont typeface="Arial" panose="020B0604020202020204" pitchFamily="34" charset="0"/>
+              <a:buChar char="•"/>
+            </a:pPr>
+            <a:r>
+              <a:rPr lang="de-DE" dirty="0"/>
+              <a:t>No Web Overhead</a:t>
+            </a:r>
+            <a:endParaRPr lang="en-DE" dirty="0"/>
+          </a:p>
+          <a:p>
+            <a:pPr marL="742950" lvl="1" indent="-285750">
+              <a:buFont typeface="Arial" panose="020B0604020202020204" pitchFamily="34" charset="0"/>
+              <a:buChar char="•"/>
+            </a:pPr>
+            <a:r>
+              <a:rPr lang="de-DE" dirty="0"/>
+              <a:t>NNG</a:t>
+            </a:r>
+            <a:r>
+              <a:rPr lang="en-DE" dirty="0"/>
+              <a:t> Supports</a:t>
+            </a:r>
+          </a:p>
+          <a:p>
+            <a:pPr marL="1200150" lvl="2" indent="-285750">
+              <a:buFont typeface="Arial" panose="020B0604020202020204" pitchFamily="34" charset="0"/>
+              <a:buChar char="•"/>
+            </a:pPr>
+            <a:r>
+              <a:rPr lang="de-DE" dirty="0"/>
+              <a:t>Linux</a:t>
+            </a:r>
+            <a:endParaRPr lang="en-DE" dirty="0"/>
+          </a:p>
+          <a:p>
+            <a:pPr marL="1200150" lvl="2" indent="-285750">
+              <a:buFont typeface="Arial" panose="020B0604020202020204" pitchFamily="34" charset="0"/>
+              <a:buChar char="•"/>
+            </a:pPr>
+            <a:r>
+              <a:rPr lang="de-DE" dirty="0"/>
+              <a:t>MacOS</a:t>
+            </a:r>
+            <a:endParaRPr lang="en-DE" dirty="0"/>
+          </a:p>
+          <a:p>
+            <a:pPr marL="1200150" lvl="2" indent="-285750">
+              <a:buFont typeface="Arial" panose="020B0604020202020204" pitchFamily="34" charset="0"/>
+              <a:buChar char="•"/>
+            </a:pPr>
+            <a:r>
+              <a:rPr lang="de-DE" dirty="0"/>
+              <a:t>Windows</a:t>
+            </a:r>
+            <a:endParaRPr lang="en-DE" dirty="0"/>
+          </a:p>
+          <a:p>
+            <a:pPr marL="1200150" lvl="2" indent="-285750">
+              <a:buFont typeface="Arial" panose="020B0604020202020204" pitchFamily="34" charset="0"/>
+              <a:buChar char="•"/>
+            </a:pPr>
+            <a:r>
+              <a:rPr lang="de-DE" dirty="0"/>
+              <a:t>Android</a:t>
+            </a:r>
+            <a:endParaRPr lang="en-DE" dirty="0"/>
+          </a:p>
+          <a:p>
+            <a:pPr marL="1200150" lvl="2" indent="-285750">
+              <a:buFont typeface="Arial" panose="020B0604020202020204" pitchFamily="34" charset="0"/>
+              <a:buChar char="•"/>
+            </a:pPr>
+            <a:r>
+              <a:rPr lang="de-DE" dirty="0"/>
+              <a:t>iOS</a:t>
+            </a:r>
+            <a:endParaRPr lang="en-DE" dirty="0"/>
+          </a:p>
+          <a:p>
+            <a:pPr marL="742950" lvl="1" indent="-285750">
+              <a:buFont typeface="Arial" panose="020B0604020202020204" pitchFamily="34" charset="0"/>
+              <a:buChar char="•"/>
+            </a:pPr>
+            <a:r>
+              <a:rPr lang="de-DE" dirty="0" err="1"/>
+              <a:t>Mature</a:t>
+            </a:r>
+            <a:r>
+              <a:rPr lang="de-DE" dirty="0"/>
+              <a:t> and Supported</a:t>
+            </a:r>
+            <a:endParaRPr lang="en-DE" dirty="0"/>
+          </a:p>
+          <a:p>
+            <a:pPr marL="742950" lvl="1" indent="-285750">
+              <a:buFont typeface="Arial" panose="020B0604020202020204" pitchFamily="34" charset="0"/>
+              <a:buChar char="•"/>
+            </a:pPr>
+            <a:r>
+              <a:rPr lang="en-DE" dirty="0"/>
+              <a:t>S</a:t>
+            </a:r>
+            <a:r>
+              <a:rPr lang="de-DE" dirty="0" err="1"/>
+              <a:t>uccessor</a:t>
+            </a:r>
+            <a:r>
+              <a:rPr lang="de-DE" dirty="0"/>
+              <a:t> of </a:t>
+            </a:r>
+            <a:r>
+              <a:rPr lang="de-DE" dirty="0" err="1"/>
+              <a:t>ZeroMQ</a:t>
+            </a:r>
+            <a:endParaRPr lang="en-DE" dirty="0"/>
+          </a:p>
+          <a:p>
+            <a:pPr marL="742950" lvl="1" indent="-285750">
+              <a:buFont typeface="Arial" panose="020B0604020202020204" pitchFamily="34" charset="0"/>
+              <a:buChar char="•"/>
+            </a:pPr>
+            <a:endParaRPr lang="en-DE" dirty="0"/>
+          </a:p>
+          <a:p>
+            <a:pPr marL="285750" indent="-285750">
+              <a:buFont typeface="Arial" panose="020B0604020202020204" pitchFamily="34" charset="0"/>
+              <a:buChar char="•"/>
+            </a:pPr>
+            <a:r>
+              <a:rPr lang="en-DE" b="1" dirty="0" err="1"/>
+              <a:t>Boost.Asio</a:t>
+            </a:r>
+            <a:r>
+              <a:rPr lang="en-DE" b="1" dirty="0"/>
+              <a:t> (C++)</a:t>
+            </a:r>
+          </a:p>
+          <a:p>
+            <a:pPr marL="742950" lvl="1" indent="-285750">
+              <a:buFont typeface="Arial" panose="020B0604020202020204" pitchFamily="34" charset="0"/>
+              <a:buChar char="•"/>
+            </a:pPr>
+            <a:r>
+              <a:rPr lang="de-DE" dirty="0"/>
+              <a:t>High-performance, real-time, </a:t>
+            </a:r>
+            <a:r>
+              <a:rPr lang="de-DE" dirty="0" err="1"/>
+              <a:t>asynchronous</a:t>
+            </a:r>
+            <a:r>
+              <a:rPr lang="de-DE" dirty="0"/>
+              <a:t> </a:t>
+            </a:r>
+            <a:r>
+              <a:rPr lang="de-DE" dirty="0" err="1"/>
+              <a:t>message</a:t>
+            </a:r>
+            <a:r>
+              <a:rPr lang="de-DE" dirty="0"/>
+              <a:t> </a:t>
+            </a:r>
+            <a:r>
+              <a:rPr lang="de-DE" dirty="0" err="1"/>
+              <a:t>handling</a:t>
+            </a:r>
+            <a:endParaRPr lang="en-DE" dirty="0"/>
+          </a:p>
+          <a:p>
+            <a:pPr marL="742950" lvl="1" indent="-285750">
+              <a:buFont typeface="Arial" panose="020B0604020202020204" pitchFamily="34" charset="0"/>
+              <a:buChar char="•"/>
+            </a:pPr>
+            <a:r>
+              <a:rPr lang="de-DE" dirty="0"/>
+              <a:t>Works </a:t>
+            </a:r>
+            <a:r>
+              <a:rPr lang="de-DE" dirty="0" err="1"/>
+              <a:t>natively</a:t>
+            </a:r>
+            <a:r>
+              <a:rPr lang="de-DE" dirty="0"/>
+              <a:t> on Windows, Linux, </a:t>
+            </a:r>
+            <a:r>
+              <a:rPr lang="de-DE" dirty="0" err="1"/>
+              <a:t>macOS</a:t>
+            </a:r>
+            <a:r>
+              <a:rPr lang="de-DE" dirty="0"/>
+              <a:t>, Android, iOS</a:t>
+            </a:r>
+            <a:endParaRPr lang="en-DE" dirty="0"/>
+          </a:p>
+          <a:p>
+            <a:pPr marL="742950" lvl="1" indent="-285750">
+              <a:buFont typeface="Arial" panose="020B0604020202020204" pitchFamily="34" charset="0"/>
+              <a:buChar char="•"/>
+            </a:pPr>
+            <a:r>
+              <a:rPr lang="de-DE" dirty="0"/>
+              <a:t>Lightweight and No Web </a:t>
+            </a:r>
+            <a:r>
+              <a:rPr lang="de-DE" dirty="0" err="1"/>
+              <a:t>Dependencies</a:t>
+            </a:r>
+            <a:endParaRPr lang="en-DE" dirty="0"/>
+          </a:p>
+          <a:p>
+            <a:pPr marL="742950" lvl="1" indent="-285750">
+              <a:buFont typeface="Arial" panose="020B0604020202020204" pitchFamily="34" charset="0"/>
+              <a:buChar char="•"/>
+            </a:pPr>
+            <a:r>
+              <a:rPr lang="de-DE" dirty="0" err="1"/>
+              <a:t>Scalable</a:t>
+            </a:r>
+            <a:r>
+              <a:rPr lang="de-DE" dirty="0"/>
+              <a:t> and Modern</a:t>
+            </a:r>
+            <a:endParaRPr lang="en-DE" dirty="0"/>
+          </a:p>
+          <a:p>
+            <a:pPr marL="742950" lvl="1" indent="-285750">
+              <a:buFont typeface="Arial" panose="020B0604020202020204" pitchFamily="34" charset="0"/>
+              <a:buChar char="•"/>
+            </a:pPr>
+            <a:r>
+              <a:rPr lang="de-DE" dirty="0"/>
+              <a:t>Best for real-time </a:t>
+            </a:r>
+            <a:r>
+              <a:rPr lang="de-DE" dirty="0" err="1"/>
+              <a:t>sensor</a:t>
+            </a:r>
+            <a:r>
+              <a:rPr lang="de-DE" dirty="0"/>
+              <a:t> </a:t>
+            </a:r>
+            <a:r>
+              <a:rPr lang="de-DE" dirty="0" err="1"/>
+              <a:t>data</a:t>
+            </a:r>
+            <a:r>
+              <a:rPr lang="de-DE" dirty="0"/>
+              <a:t> </a:t>
+            </a:r>
+            <a:r>
+              <a:rPr lang="de-DE" dirty="0" err="1"/>
+              <a:t>processing</a:t>
+            </a:r>
+            <a:endParaRPr lang="en-DE" dirty="0"/>
+          </a:p>
+        </p:txBody>
+      </p:sp>
+      <p:pic>
+        <p:nvPicPr>
+          <p:cNvPr id="10" name="Picture 9">
+            <a:extLst>
+              <a:ext uri="{FF2B5EF4-FFF2-40B4-BE49-F238E27FC236}">
+                <a16:creationId xmlns:a16="http://schemas.microsoft.com/office/drawing/2014/main" id="{7C51A497-192A-35D4-2CA9-61094674C085}"/>
+              </a:ext>
+            </a:extLst>
+          </p:cNvPr>
+          <p:cNvPicPr>
+            <a:picLocks noChangeAspect="1"/>
+          </p:cNvPicPr>
+          <p:nvPr/>
+        </p:nvPicPr>
+        <p:blipFill>
+          <a:blip r:embed="rId2"/>
+          <a:stretch>
+            <a:fillRect/>
+          </a:stretch>
+        </p:blipFill>
+        <p:spPr>
+          <a:xfrm>
+            <a:off x="5437257" y="0"/>
+            <a:ext cx="6754743" cy="6858000"/>
+          </a:xfrm>
+          <a:prstGeom prst="rect">
+            <a:avLst/>
+          </a:prstGeom>
+        </p:spPr>
+      </p:pic>
+    </p:spTree>
+    <p:extLst>
+      <p:ext uri="{BB962C8B-B14F-4D97-AF65-F5344CB8AC3E}">
+        <p14:creationId xmlns:p14="http://schemas.microsoft.com/office/powerpoint/2010/main" val="4117047495"/>
+      </p:ext>
+    </p:extLst>
+  </p:cSld>
+  <p:clrMapOvr>
+    <a:masterClrMapping/>
+  </p:clrMapOvr>
+</p:sld>
+</file>
+
+<file path=ppt/slides/slide16.xml><?xml version="1.0" encoding="utf-8"?>
+<p:sld xmlns:a="http://schemas.openxmlformats.org/drawingml/2006/main" xmlns:r="http://schemas.openxmlformats.org/officeDocument/2006/relationships" xmlns:p="http://schemas.openxmlformats.org/presentationml/2006/main">
+  <p:cSld>
+    <p:spTree>
+      <p:nvGrpSpPr>
+        <p:cNvPr id="1" name=""/>
+        <p:cNvGrpSpPr/>
+        <p:nvPr/>
+      </p:nvGrpSpPr>
+      <p:grpSpPr>
+        <a:xfrm>
+          <a:off x="0" y="0"/>
+          <a:ext cx="0" cy="0"/>
+          <a:chOff x="0" y="0"/>
+          <a:chExt cx="0" cy="0"/>
+        </a:xfrm>
+      </p:grpSpPr>
+      <p:sp>
+        <p:nvSpPr>
+          <p:cNvPr id="2" name="Title 1">
+            <a:extLst>
+              <a:ext uri="{FF2B5EF4-FFF2-40B4-BE49-F238E27FC236}">
+                <a16:creationId xmlns:a16="http://schemas.microsoft.com/office/drawing/2014/main" id="{ACC13B6E-05B3-B513-48F0-525511370C9C}"/>
+              </a:ext>
+            </a:extLst>
+          </p:cNvPr>
+          <p:cNvSpPr>
+            <a:spLocks noGrp="1"/>
+          </p:cNvSpPr>
+          <p:nvPr>
+            <p:ph type="title"/>
+          </p:nvPr>
+        </p:nvSpPr>
+        <p:spPr/>
+        <p:txBody>
+          <a:bodyPr/>
+          <a:lstStyle/>
+          <a:p>
+            <a:r>
+              <a:rPr lang="en-DE" dirty="0"/>
+              <a:t>Model 3 - Basic Data Flow</a:t>
+            </a:r>
+            <a:endParaRPr lang="de-DE" dirty="0"/>
+          </a:p>
+        </p:txBody>
+      </p:sp>
+      <p:sp>
+        <p:nvSpPr>
+          <p:cNvPr id="3" name="TextBox 2">
+            <a:extLst>
+              <a:ext uri="{FF2B5EF4-FFF2-40B4-BE49-F238E27FC236}">
+                <a16:creationId xmlns:a16="http://schemas.microsoft.com/office/drawing/2014/main" id="{54227FD0-6EFD-A9AF-8E02-545D0A59BA46}"/>
+              </a:ext>
+            </a:extLst>
+          </p:cNvPr>
+          <p:cNvSpPr txBox="1"/>
+          <p:nvPr/>
+        </p:nvSpPr>
+        <p:spPr>
+          <a:xfrm>
+            <a:off x="838200" y="1674674"/>
+            <a:ext cx="9719733" cy="4801314"/>
+          </a:xfrm>
+          <a:prstGeom prst="rect">
+            <a:avLst/>
+          </a:prstGeom>
+          <a:noFill/>
+        </p:spPr>
+        <p:txBody>
+          <a:bodyPr wrap="square" rtlCol="0">
+            <a:spAutoFit/>
+          </a:bodyPr>
+          <a:lstStyle/>
+          <a:p>
+            <a:r>
+              <a:rPr lang="de-DE" dirty="0"/>
+              <a:t>1️⃣ Sensor Device → Sends Protobuf-</a:t>
+            </a:r>
+            <a:r>
+              <a:rPr lang="de-DE" dirty="0" err="1"/>
+              <a:t>serialized</a:t>
+            </a:r>
+            <a:r>
+              <a:rPr lang="de-DE" dirty="0"/>
+              <a:t> </a:t>
+            </a:r>
+            <a:r>
+              <a:rPr lang="de-DE" dirty="0" err="1"/>
+              <a:t>sensor</a:t>
+            </a:r>
+            <a:r>
+              <a:rPr lang="de-DE" dirty="0"/>
+              <a:t> </a:t>
+            </a:r>
+            <a:r>
+              <a:rPr lang="de-DE" dirty="0" err="1"/>
+              <a:t>data</a:t>
+            </a:r>
+            <a:br>
+              <a:rPr lang="de-DE" dirty="0"/>
+            </a:br>
+            <a:r>
+              <a:rPr lang="de-DE" dirty="0"/>
+              <a:t>2️⃣ MQTT-</a:t>
+            </a:r>
+            <a:r>
+              <a:rPr lang="en-DE" dirty="0"/>
+              <a:t> </a:t>
+            </a:r>
+            <a:r>
+              <a:rPr lang="de-DE" dirty="0"/>
+              <a:t>Broker → </a:t>
+            </a:r>
+            <a:r>
+              <a:rPr lang="de-DE" dirty="0" err="1"/>
+              <a:t>Receives</a:t>
+            </a:r>
+            <a:r>
+              <a:rPr lang="de-DE" dirty="0"/>
+              <a:t> &amp; </a:t>
+            </a:r>
+            <a:r>
+              <a:rPr lang="de-DE" dirty="0" err="1"/>
+              <a:t>forwards</a:t>
+            </a:r>
+            <a:r>
+              <a:rPr lang="de-DE" dirty="0"/>
+              <a:t> the </a:t>
+            </a:r>
+            <a:r>
+              <a:rPr lang="de-DE" dirty="0" err="1"/>
+              <a:t>serialized</a:t>
+            </a:r>
+            <a:r>
+              <a:rPr lang="de-DE" dirty="0"/>
+              <a:t> Protobuf </a:t>
+            </a:r>
+            <a:r>
+              <a:rPr lang="de-DE" dirty="0" err="1"/>
+              <a:t>data</a:t>
+            </a:r>
+            <a:br>
+              <a:rPr lang="de-DE" dirty="0"/>
+            </a:br>
+            <a:r>
+              <a:rPr lang="de-DE" dirty="0"/>
+              <a:t>3️⃣ C++ Backend (</a:t>
+            </a:r>
+            <a:r>
+              <a:rPr lang="de-DE" dirty="0" err="1"/>
+              <a:t>Boost.Asio</a:t>
+            </a:r>
+            <a:r>
+              <a:rPr lang="de-DE" dirty="0"/>
+              <a:t> + NNG) </a:t>
+            </a:r>
+            <a:br>
+              <a:rPr lang="en-DE" dirty="0"/>
+            </a:br>
+            <a:r>
+              <a:rPr lang="en-DE" dirty="0"/>
+              <a:t>	</a:t>
+            </a:r>
+            <a:r>
+              <a:rPr lang="de-DE" dirty="0"/>
+              <a:t>→ </a:t>
+            </a:r>
+            <a:r>
+              <a:rPr lang="de-DE" dirty="0" err="1"/>
+              <a:t>Receives</a:t>
+            </a:r>
+            <a:r>
+              <a:rPr lang="de-DE" dirty="0"/>
+              <a:t> MQTT </a:t>
+            </a:r>
+            <a:r>
+              <a:rPr lang="de-DE" dirty="0" err="1"/>
+              <a:t>messages</a:t>
+            </a:r>
+            <a:r>
+              <a:rPr lang="de-DE" dirty="0"/>
+              <a:t>, but </a:t>
+            </a:r>
+            <a:r>
+              <a:rPr lang="de-DE" dirty="0" err="1"/>
+              <a:t>instead</a:t>
+            </a:r>
+            <a:r>
+              <a:rPr lang="de-DE" dirty="0"/>
+              <a:t> of </a:t>
+            </a:r>
+            <a:r>
+              <a:rPr lang="de-DE" dirty="0" err="1"/>
+              <a:t>sending</a:t>
+            </a:r>
+            <a:r>
+              <a:rPr lang="de-DE" dirty="0"/>
+              <a:t> </a:t>
+            </a:r>
+            <a:r>
+              <a:rPr lang="de-DE" dirty="0" err="1"/>
+              <a:t>each</a:t>
+            </a:r>
+            <a:r>
+              <a:rPr lang="de-DE" dirty="0"/>
+              <a:t> </a:t>
+            </a:r>
+            <a:r>
+              <a:rPr lang="de-DE" dirty="0" err="1"/>
+              <a:t>message</a:t>
+            </a:r>
+            <a:r>
+              <a:rPr lang="de-DE" dirty="0"/>
+              <a:t> </a:t>
+            </a:r>
+            <a:r>
+              <a:rPr lang="de-DE" dirty="0" err="1"/>
+              <a:t>immediately</a:t>
+            </a:r>
+            <a:r>
+              <a:rPr lang="de-DE" dirty="0"/>
+              <a:t>, </a:t>
+            </a:r>
+            <a:r>
+              <a:rPr lang="de-DE" dirty="0" err="1"/>
+              <a:t>it</a:t>
+            </a:r>
+            <a:r>
+              <a:rPr lang="de-DE" dirty="0"/>
+              <a:t>:</a:t>
+            </a:r>
+          </a:p>
+          <a:p>
+            <a:pPr lvl="3">
+              <a:buFont typeface="Arial" panose="020B0604020202020204" pitchFamily="34" charset="0"/>
+              <a:buChar char="•"/>
+            </a:pPr>
+            <a:r>
+              <a:rPr lang="de-DE" dirty="0"/>
+              <a:t>Buffers multiple </a:t>
+            </a:r>
+            <a:r>
+              <a:rPr lang="de-DE" dirty="0" err="1"/>
+              <a:t>messages</a:t>
+            </a:r>
+            <a:r>
+              <a:rPr lang="de-DE" dirty="0"/>
+              <a:t> </a:t>
+            </a:r>
+            <a:r>
+              <a:rPr lang="de-DE" dirty="0" err="1"/>
+              <a:t>together</a:t>
+            </a:r>
+            <a:r>
+              <a:rPr lang="de-DE" dirty="0"/>
+              <a:t> </a:t>
+            </a:r>
+            <a:r>
+              <a:rPr lang="de-DE" dirty="0" err="1"/>
+              <a:t>into</a:t>
+            </a:r>
+            <a:r>
+              <a:rPr lang="de-DE" dirty="0"/>
+              <a:t> a </a:t>
+            </a:r>
+            <a:r>
+              <a:rPr lang="de-DE" dirty="0" err="1"/>
+              <a:t>batch</a:t>
+            </a:r>
+            <a:r>
+              <a:rPr lang="de-DE" dirty="0"/>
+              <a:t>.</a:t>
+            </a:r>
+          </a:p>
+          <a:p>
+            <a:pPr lvl="3">
+              <a:buFont typeface="Arial" panose="020B0604020202020204" pitchFamily="34" charset="0"/>
+              <a:buChar char="•"/>
+            </a:pPr>
+            <a:r>
+              <a:rPr lang="de-DE" dirty="0"/>
+              <a:t>Sends the </a:t>
+            </a:r>
+            <a:r>
+              <a:rPr lang="de-DE" dirty="0" err="1"/>
+              <a:t>batch</a:t>
+            </a:r>
+            <a:r>
+              <a:rPr lang="de-DE" dirty="0"/>
+              <a:t> via NNG at </a:t>
+            </a:r>
+            <a:r>
+              <a:rPr lang="de-DE" dirty="0" err="1"/>
+              <a:t>fixed</a:t>
+            </a:r>
+            <a:r>
+              <a:rPr lang="de-DE" dirty="0"/>
+              <a:t> </a:t>
+            </a:r>
+            <a:r>
+              <a:rPr lang="de-DE" dirty="0" err="1"/>
+              <a:t>intervals</a:t>
+            </a:r>
+            <a:r>
+              <a:rPr lang="de-DE" dirty="0"/>
+              <a:t> (e.g., </a:t>
+            </a:r>
+            <a:r>
+              <a:rPr lang="de-DE" dirty="0" err="1"/>
+              <a:t>every</a:t>
+            </a:r>
+            <a:r>
+              <a:rPr lang="de-DE" dirty="0"/>
+              <a:t> 50ms).</a:t>
+            </a:r>
+            <a:endParaRPr lang="en-DE" dirty="0"/>
+          </a:p>
+          <a:p>
+            <a:br>
+              <a:rPr lang="en-DE" dirty="0"/>
+            </a:br>
+            <a:r>
+              <a:rPr lang="de-DE" dirty="0"/>
+              <a:t>4️⃣ Flutter UI (FFI + NNG) </a:t>
+            </a:r>
+            <a:br>
+              <a:rPr lang="en-DE" dirty="0"/>
+            </a:br>
+            <a:r>
+              <a:rPr lang="en-DE" dirty="0"/>
+              <a:t>	</a:t>
+            </a:r>
+            <a:r>
+              <a:rPr lang="de-DE" dirty="0"/>
+              <a:t>→ </a:t>
+            </a:r>
+            <a:r>
+              <a:rPr lang="de-DE" dirty="0" err="1"/>
+              <a:t>Receives</a:t>
+            </a:r>
+            <a:r>
+              <a:rPr lang="de-DE" dirty="0"/>
+              <a:t> </a:t>
+            </a:r>
+            <a:r>
+              <a:rPr lang="de-DE" dirty="0" err="1"/>
+              <a:t>batched</a:t>
+            </a:r>
+            <a:r>
+              <a:rPr lang="de-DE" dirty="0"/>
+              <a:t> Protobuf </a:t>
+            </a:r>
+            <a:r>
+              <a:rPr lang="de-DE" dirty="0" err="1"/>
+              <a:t>data</a:t>
+            </a:r>
+            <a:r>
+              <a:rPr lang="de-DE" dirty="0"/>
+              <a:t>, </a:t>
+            </a:r>
+            <a:r>
+              <a:rPr lang="de-DE" dirty="0" err="1"/>
+              <a:t>deserializes</a:t>
+            </a:r>
+            <a:r>
+              <a:rPr lang="de-DE" dirty="0"/>
+              <a:t>, and </a:t>
+            </a:r>
+            <a:r>
+              <a:rPr lang="de-DE" dirty="0" err="1"/>
+              <a:t>updates</a:t>
+            </a:r>
+            <a:r>
+              <a:rPr lang="de-DE" dirty="0"/>
+              <a:t> the UI.</a:t>
+            </a:r>
+          </a:p>
+          <a:p>
+            <a:pPr lvl="3">
+              <a:buFont typeface="Arial" panose="020B0604020202020204" pitchFamily="34" charset="0"/>
+              <a:buChar char="•"/>
+            </a:pPr>
+            <a:r>
+              <a:rPr lang="de-DE" dirty="0" err="1"/>
+              <a:t>Instead</a:t>
+            </a:r>
+            <a:r>
+              <a:rPr lang="de-DE" dirty="0"/>
+              <a:t> of </a:t>
+            </a:r>
+            <a:r>
+              <a:rPr lang="de-DE" dirty="0" err="1"/>
+              <a:t>rendering</a:t>
+            </a:r>
+            <a:r>
+              <a:rPr lang="de-DE" dirty="0"/>
+              <a:t> </a:t>
+            </a:r>
+            <a:r>
+              <a:rPr lang="de-DE" dirty="0" err="1"/>
+              <a:t>every</a:t>
+            </a:r>
+            <a:r>
+              <a:rPr lang="de-DE" dirty="0"/>
+              <a:t> </a:t>
+            </a:r>
+            <a:r>
+              <a:rPr lang="de-DE" dirty="0" err="1"/>
+              <a:t>new</a:t>
+            </a:r>
+            <a:r>
+              <a:rPr lang="de-DE" dirty="0"/>
+              <a:t> </a:t>
+            </a:r>
+            <a:r>
+              <a:rPr lang="de-DE" dirty="0" err="1"/>
+              <a:t>message</a:t>
+            </a:r>
+            <a:r>
+              <a:rPr lang="de-DE" dirty="0"/>
+              <a:t> </a:t>
+            </a:r>
+            <a:r>
+              <a:rPr lang="de-DE" dirty="0" err="1"/>
+              <a:t>immediately</a:t>
+            </a:r>
+            <a:r>
+              <a:rPr lang="de-DE" dirty="0"/>
+              <a:t>,</a:t>
+            </a:r>
+            <a:r>
+              <a:rPr lang="en-DE" dirty="0"/>
+              <a:t> </a:t>
+            </a:r>
+            <a:r>
+              <a:rPr lang="de-DE" dirty="0"/>
+              <a:t>Flutter:</a:t>
+            </a:r>
+          </a:p>
+          <a:p>
+            <a:pPr marL="2114550" lvl="4" indent="-285750">
+              <a:buFont typeface="Arial" panose="020B0604020202020204" pitchFamily="34" charset="0"/>
+              <a:buChar char="•"/>
+            </a:pPr>
+            <a:r>
+              <a:rPr lang="de-DE" dirty="0" err="1"/>
+              <a:t>Processes</a:t>
+            </a:r>
+            <a:r>
+              <a:rPr lang="de-DE" dirty="0"/>
+              <a:t> </a:t>
+            </a:r>
+            <a:r>
+              <a:rPr lang="de-DE" dirty="0" err="1"/>
+              <a:t>messages</a:t>
+            </a:r>
+            <a:r>
+              <a:rPr lang="de-DE" dirty="0"/>
+              <a:t> in a </a:t>
+            </a:r>
+            <a:r>
+              <a:rPr lang="de-DE" dirty="0" err="1"/>
+              <a:t>background</a:t>
+            </a:r>
+            <a:r>
+              <a:rPr lang="de-DE" dirty="0"/>
+              <a:t> </a:t>
+            </a:r>
+            <a:r>
+              <a:rPr lang="de-DE" dirty="0" err="1"/>
+              <a:t>isolate</a:t>
+            </a:r>
+            <a:r>
+              <a:rPr lang="de-DE" dirty="0"/>
+              <a:t>.</a:t>
+            </a:r>
+          </a:p>
+          <a:p>
+            <a:pPr marL="2114550" lvl="4" indent="-285750">
+              <a:buFont typeface="Arial" panose="020B0604020202020204" pitchFamily="34" charset="0"/>
+              <a:buChar char="•"/>
+            </a:pPr>
+            <a:r>
+              <a:rPr lang="de-DE" dirty="0" err="1"/>
+              <a:t>Uses</a:t>
+            </a:r>
+            <a:r>
+              <a:rPr lang="de-DE" dirty="0"/>
+              <a:t> a stream </a:t>
+            </a:r>
+            <a:r>
+              <a:rPr lang="de-DE" dirty="0" err="1"/>
+              <a:t>buffer</a:t>
+            </a:r>
+            <a:r>
+              <a:rPr lang="de-DE" dirty="0"/>
+              <a:t> to update the UI at a </a:t>
+            </a:r>
+            <a:r>
+              <a:rPr lang="de-DE" dirty="0" err="1"/>
+              <a:t>controlled</a:t>
+            </a:r>
+            <a:r>
+              <a:rPr lang="de-DE" dirty="0"/>
+              <a:t> rate.</a:t>
+            </a:r>
+            <a:endParaRPr lang="en-DE" dirty="0"/>
+          </a:p>
+          <a:p>
+            <a:pPr marL="1200150" lvl="2" indent="-285750">
+              <a:buFont typeface="Arial" panose="020B0604020202020204" pitchFamily="34" charset="0"/>
+              <a:buChar char="•"/>
+            </a:pPr>
+            <a:r>
+              <a:rPr lang="en-DE" dirty="0"/>
+              <a:t>F</a:t>
+            </a:r>
+            <a:r>
+              <a:rPr lang="de-DE" dirty="0" err="1"/>
+              <a:t>oreign</a:t>
+            </a:r>
+            <a:r>
+              <a:rPr lang="de-DE" dirty="0"/>
+              <a:t> </a:t>
+            </a:r>
+            <a:r>
+              <a:rPr lang="en-DE" dirty="0"/>
+              <a:t>F</a:t>
+            </a:r>
+            <a:r>
+              <a:rPr lang="de-DE" dirty="0" err="1"/>
+              <a:t>unction</a:t>
+            </a:r>
+            <a:r>
+              <a:rPr lang="de-DE" dirty="0"/>
+              <a:t> </a:t>
+            </a:r>
+            <a:r>
+              <a:rPr lang="en-DE" dirty="0"/>
+              <a:t>I</a:t>
+            </a:r>
+            <a:r>
+              <a:rPr lang="de-DE" dirty="0" err="1"/>
+              <a:t>nterface</a:t>
+            </a:r>
+            <a:endParaRPr lang="en-DE" dirty="0"/>
+          </a:p>
+          <a:p>
+            <a:pPr marL="1657350" lvl="3" indent="-285750">
+              <a:buFont typeface="Arial" panose="020B0604020202020204" pitchFamily="34" charset="0"/>
+              <a:buChar char="•"/>
+            </a:pPr>
+            <a:r>
+              <a:rPr lang="en-DE" dirty="0"/>
+              <a:t>Wraps Incoming data for </a:t>
+            </a:r>
+            <a:r>
+              <a:rPr lang="en-GB" dirty="0"/>
+              <a:t>Android, iOS, Windows, Linux</a:t>
+            </a:r>
+            <a:endParaRPr lang="en-DE" dirty="0"/>
+          </a:p>
+          <a:p>
+            <a:pPr marL="1657350" lvl="3" indent="-285750">
+              <a:buFont typeface="Arial" panose="020B0604020202020204" pitchFamily="34" charset="0"/>
+              <a:buChar char="•"/>
+            </a:pPr>
+            <a:r>
+              <a:rPr lang="en-GB" dirty="0"/>
+              <a:t>Direct native communication with C++</a:t>
+            </a:r>
+            <a:endParaRPr lang="en-DE" dirty="0"/>
+          </a:p>
+          <a:p>
+            <a:pPr marL="1657350" lvl="3" indent="-285750">
+              <a:buFont typeface="Arial" panose="020B0604020202020204" pitchFamily="34" charset="0"/>
+              <a:buChar char="•"/>
+            </a:pPr>
+            <a:r>
+              <a:rPr lang="en-DE" dirty="0"/>
+              <a:t>High </a:t>
+            </a:r>
+            <a:r>
+              <a:rPr lang="en-GB" dirty="0"/>
+              <a:t>performance </a:t>
+            </a:r>
+            <a:endParaRPr lang="en-DE" dirty="0"/>
+          </a:p>
+          <a:p>
+            <a:pPr marL="1657350" lvl="3" indent="-285750">
+              <a:buFont typeface="Arial" panose="020B0604020202020204" pitchFamily="34" charset="0"/>
+              <a:buChar char="•"/>
+            </a:pPr>
+            <a:r>
+              <a:rPr lang="en-DE" dirty="0"/>
+              <a:t>Drawback </a:t>
+            </a:r>
+            <a:r>
+              <a:rPr lang="en-DE" dirty="0">
+                <a:sym typeface="Wingdings" panose="05000000000000000000" pitchFamily="2" charset="2"/>
+              </a:rPr>
+              <a:t> </a:t>
+            </a:r>
+            <a:r>
+              <a:rPr lang="en-GB" dirty="0">
+                <a:sym typeface="Wingdings" panose="05000000000000000000" pitchFamily="2" charset="2"/>
+              </a:rPr>
+              <a:t>Requires writing some FFI bindings</a:t>
+            </a:r>
+            <a:endParaRPr lang="en-DE" dirty="0"/>
+          </a:p>
+        </p:txBody>
+      </p:sp>
+    </p:spTree>
+    <p:extLst>
+      <p:ext uri="{BB962C8B-B14F-4D97-AF65-F5344CB8AC3E}">
+        <p14:creationId xmlns:p14="http://schemas.microsoft.com/office/powerpoint/2010/main" val="2300428960"/>
+      </p:ext>
+    </p:extLst>
+  </p:cSld>
+  <p:clrMapOvr>
+    <a:masterClrMapping/>
+  </p:clrMapOvr>
+</p:sld>
+</file>
+
+<file path=ppt/slides/slide17.xml><?xml version="1.0" encoding="utf-8"?>
+<p:sld xmlns:a="http://schemas.openxmlformats.org/drawingml/2006/main" xmlns:r="http://schemas.openxmlformats.org/officeDocument/2006/relationships" xmlns:p="http://schemas.openxmlformats.org/presentationml/2006/main">
+  <p:cSld>
     <p:bg>
       <p:bgPr>
         <a:noFill/>
@@ -1023,7 +5961,7 @@
 </p:sld>
 </file>
 
-<file path=ppt/slides/slide11.xml><?xml version="1.0" encoding="utf-8"?>
+<file path=ppt/slides/slide18.xml><?xml version="1.0" encoding="utf-8"?>
 <p:sld xmlns:a="http://schemas.openxmlformats.org/drawingml/2006/main" xmlns:r="http://schemas.openxmlformats.org/officeDocument/2006/relationships" xmlns:p="http://schemas.openxmlformats.org/presentationml/2006/main">
   <p:cSld>
     <p:bg>
@@ -1117,12 +6055,136 @@
 </p:sld>
 </file>
 
+<file path=ppt/slides/slide19.xml><?xml version="1.0" encoding="utf-8"?>
+<p:sld xmlns:a="http://schemas.openxmlformats.org/drawingml/2006/main" xmlns:r="http://schemas.openxmlformats.org/officeDocument/2006/relationships" xmlns:p="http://schemas.openxmlformats.org/presentationml/2006/main">
+  <p:cSld>
+    <p:spTree>
+      <p:nvGrpSpPr>
+        <p:cNvPr id="1" name=""/>
+        <p:cNvGrpSpPr/>
+        <p:nvPr/>
+      </p:nvGrpSpPr>
+      <p:grpSpPr>
+        <a:xfrm>
+          <a:off x="0" y="0"/>
+          <a:ext cx="0" cy="0"/>
+          <a:chOff x="0" y="0"/>
+          <a:chExt cx="0" cy="0"/>
+        </a:xfrm>
+      </p:grpSpPr>
+      <p:sp>
+        <p:nvSpPr>
+          <p:cNvPr id="2" name="Title 1">
+            <a:extLst>
+              <a:ext uri="{FF2B5EF4-FFF2-40B4-BE49-F238E27FC236}">
+                <a16:creationId xmlns:a16="http://schemas.microsoft.com/office/drawing/2014/main" id="{C6AFC4F9-F170-F83D-AE8A-07EC5A205AED}"/>
+              </a:ext>
+            </a:extLst>
+          </p:cNvPr>
+          <p:cNvSpPr>
+            <a:spLocks noGrp="1"/>
+          </p:cNvSpPr>
+          <p:nvPr>
+            <p:ph type="title"/>
+          </p:nvPr>
+        </p:nvSpPr>
+        <p:spPr/>
+        <p:txBody>
+          <a:bodyPr/>
+          <a:lstStyle/>
+          <a:p>
+            <a:r>
+              <a:rPr lang="en-DE" dirty="0"/>
+              <a:t>Open Questions</a:t>
+            </a:r>
+            <a:endParaRPr lang="de-DE" dirty="0"/>
+          </a:p>
+        </p:txBody>
+      </p:sp>
+      <p:sp>
+        <p:nvSpPr>
+          <p:cNvPr id="3" name="TextBox 2">
+            <a:extLst>
+              <a:ext uri="{FF2B5EF4-FFF2-40B4-BE49-F238E27FC236}">
+                <a16:creationId xmlns:a16="http://schemas.microsoft.com/office/drawing/2014/main" id="{3BB28987-BA8D-DC57-21AE-A7DC4B0ACD3A}"/>
+              </a:ext>
+            </a:extLst>
+          </p:cNvPr>
+          <p:cNvSpPr txBox="1"/>
+          <p:nvPr/>
+        </p:nvSpPr>
+        <p:spPr>
+          <a:xfrm>
+            <a:off x="838200" y="1974612"/>
+            <a:ext cx="6544734" cy="369332"/>
+          </a:xfrm>
+          <a:prstGeom prst="rect">
+            <a:avLst/>
+          </a:prstGeom>
+          <a:noFill/>
+        </p:spPr>
+        <p:txBody>
+          <a:bodyPr wrap="square" rtlCol="0">
+            <a:spAutoFit/>
+          </a:bodyPr>
+          <a:lstStyle/>
+          <a:p>
+            <a:r>
+              <a:rPr lang="en-DE" dirty="0"/>
+              <a:t>W</a:t>
+            </a:r>
+            <a:r>
+              <a:rPr lang="de-DE" dirty="0"/>
+              <a:t>i</a:t>
+            </a:r>
+            <a:r>
+              <a:rPr lang="en-DE" dirty="0" err="1"/>
+              <a:t>ll</a:t>
+            </a:r>
+            <a:r>
+              <a:rPr lang="en-DE" dirty="0"/>
+              <a:t> you be </a:t>
+            </a:r>
+            <a:r>
+              <a:rPr lang="en-DE" dirty="0" err="1"/>
+              <a:t>connecti</a:t>
+            </a:r>
+            <a:r>
+              <a:rPr lang="de-DE" dirty="0" err="1"/>
+              <a:t>ng</a:t>
+            </a:r>
+            <a:r>
+              <a:rPr lang="en-DE" dirty="0"/>
+              <a:t> the sensors with the mobile al</a:t>
+            </a:r>
+            <a:r>
+              <a:rPr lang="de-DE" dirty="0"/>
+              <a:t>so</a:t>
+            </a:r>
+          </a:p>
+        </p:txBody>
+      </p:sp>
+    </p:spTree>
+    <p:extLst>
+      <p:ext uri="{BB962C8B-B14F-4D97-AF65-F5344CB8AC3E}">
+        <p14:creationId xmlns:p14="http://schemas.microsoft.com/office/powerpoint/2010/main" val="3074790909"/>
+      </p:ext>
+    </p:extLst>
+  </p:cSld>
+  <p:clrMapOvr>
+    <a:masterClrMapping/>
+  </p:clrMapOvr>
+</p:sld>
+</file>
+
 <file path=ppt/slides/slide2.xml><?xml version="1.0" encoding="utf-8"?>
 <p:sld xmlns:a="http://schemas.openxmlformats.org/drawingml/2006/main" xmlns:r="http://schemas.openxmlformats.org/officeDocument/2006/relationships" xmlns:p="http://schemas.openxmlformats.org/presentationml/2006/main">
   <p:cSld>
     <p:bg>
       <p:bgPr>
-        <a:noFill/>
+        <a:solidFill>
+          <a:schemeClr val="bg1"/>
+        </a:solidFill>
         <a:effectLst/>
       </p:bgPr>
     </p:bg>
@@ -1140,12 +6202,354 @@
           <a:chExt cx="0" cy="0"/>
         </a:xfrm>
       </p:grpSpPr>
+      <p:sp useBgFill="1">
+        <p:nvSpPr>
+          <p:cNvPr id="10" name="Rectangle 9">
+            <a:extLst>
+              <a:ext uri="{FF2B5EF4-FFF2-40B4-BE49-F238E27FC236}">
+                <a16:creationId xmlns:a16="http://schemas.microsoft.com/office/drawing/2014/main" id="{56E9B3E6-E277-4D68-BA48-9CB43FFBD6E2}"/>
+              </a:ext>
+              <a:ext uri="{C183D7F6-B498-43B3-948B-1728B52AA6E4}">
+                <adec:decorative xmlns:adec="http://schemas.microsoft.com/office/drawing/2017/decorative" val="1"/>
+              </a:ext>
+            </a:extLst>
+          </p:cNvPr>
+          <p:cNvSpPr>
+            <a:spLocks noGrp="1" noRot="1" noChangeAspect="1" noMove="1" noResize="1" noEditPoints="1" noAdjustHandles="1" noChangeArrowheads="1" noChangeShapeType="1" noTextEdit="1"/>
+          </p:cNvSpPr>
+          <p:nvPr>
+            <p:extLst>
+              <p:ext uri="{386F3935-93C4-4BCD-93E2-E3B085C9AB24}">
+                <p16:designElem xmlns:p16="http://schemas.microsoft.com/office/powerpoint/2015/main" val="1"/>
+              </p:ext>
+            </p:extLst>
+          </p:nvPr>
+        </p:nvSpPr>
+        <p:spPr>
+          <a:xfrm>
+            <a:off x="0" y="0"/>
+            <a:ext cx="12191999" cy="6857365"/>
+          </a:xfrm>
+          <a:prstGeom prst="rect">
+            <a:avLst/>
+          </a:prstGeom>
+          <a:ln>
+            <a:noFill/>
+          </a:ln>
+        </p:spPr>
+        <p:style>
+          <a:lnRef idx="2">
+            <a:schemeClr val="accent1">
+              <a:shade val="50000"/>
+            </a:schemeClr>
+          </a:lnRef>
+          <a:fillRef idx="1">
+            <a:schemeClr val="accent1"/>
+          </a:fillRef>
+          <a:effectRef idx="0">
+            <a:schemeClr val="accent1"/>
+          </a:effectRef>
+          <a:fontRef idx="minor">
+            <a:schemeClr val="lt1"/>
+          </a:fontRef>
+        </p:style>
+        <p:txBody>
+          <a:bodyPr rtlCol="0" anchor="ctr"/>
+          <a:lstStyle/>
+          <a:p>
+            <a:pPr algn="ctr"/>
+            <a:endParaRPr lang="en-US"/>
+          </a:p>
+        </p:txBody>
+      </p:sp>
+      <p:grpSp>
+        <p:nvGrpSpPr>
+          <p:cNvPr id="12" name="Group 11">
+            <a:extLst>
+              <a:ext uri="{FF2B5EF4-FFF2-40B4-BE49-F238E27FC236}">
+                <a16:creationId xmlns:a16="http://schemas.microsoft.com/office/drawing/2014/main" id="{AE1C45F0-260A-458C-96ED-C1F6D2151219}"/>
+              </a:ext>
+              <a:ext uri="{C183D7F6-B498-43B3-948B-1728B52AA6E4}">
+                <adec:decorative xmlns:adec="http://schemas.microsoft.com/office/drawing/2017/decorative" val="1"/>
+              </a:ext>
+            </a:extLst>
+          </p:cNvPr>
+          <p:cNvGrpSpPr>
+            <a:grpSpLocks noGrp="1" noUngrp="1" noRot="1" noChangeAspect="1" noMove="1" noResize="1"/>
+          </p:cNvGrpSpPr>
+          <p:nvPr>
+            <p:extLst>
+              <p:ext uri="{386F3935-93C4-4BCD-93E2-E3B085C9AB24}">
+                <p16:designElem xmlns:p16="http://schemas.microsoft.com/office/powerpoint/2015/main" val="1"/>
+              </p:ext>
+            </p:extLst>
+          </p:nvPr>
+        </p:nvGrpSpPr>
+        <p:grpSpPr>
+          <a:xfrm>
+            <a:off x="4" y="1216597"/>
+            <a:ext cx="731521" cy="673460"/>
+            <a:chOff x="3940602" y="308034"/>
+            <a:chExt cx="2116791" cy="3428999"/>
+          </a:xfrm>
+          <a:solidFill>
+            <a:schemeClr val="accent4"/>
+          </a:solidFill>
+        </p:grpSpPr>
+        <p:sp>
+          <p:nvSpPr>
+            <p:cNvPr id="13" name="Rectangle 12">
+              <a:extLst>
+                <a:ext uri="{FF2B5EF4-FFF2-40B4-BE49-F238E27FC236}">
+                  <a16:creationId xmlns:a16="http://schemas.microsoft.com/office/drawing/2014/main" id="{A6604B49-AD5C-4590-B051-06C8222ECD99}"/>
+                </a:ext>
+                <a:ext uri="{C183D7F6-B498-43B3-948B-1728B52AA6E4}">
+                  <adec:decorative xmlns:adec="http://schemas.microsoft.com/office/drawing/2017/decorative" val="1"/>
+                </a:ext>
+              </a:extLst>
+            </p:cNvPr>
+            <p:cNvSpPr/>
+            <p:nvPr>
+              <p:extLst>
+                <p:ext uri="{386F3935-93C4-4BCD-93E2-E3B085C9AB24}">
+                  <p16:designElem xmlns:p16="http://schemas.microsoft.com/office/powerpoint/2015/main" val="1"/>
+                </p:ext>
+              </p:extLst>
+            </p:nvPr>
+          </p:nvSpPr>
+          <p:spPr>
+            <a:xfrm>
+              <a:off x="3940602" y="308034"/>
+              <a:ext cx="566743" cy="3428999"/>
+            </a:xfrm>
+            <a:prstGeom prst="rect">
+              <a:avLst/>
+            </a:prstGeom>
+            <a:grpFill/>
+            <a:ln>
+              <a:noFill/>
+            </a:ln>
+          </p:spPr>
+          <p:style>
+            <a:lnRef idx="2">
+              <a:schemeClr val="accent1">
+                <a:shade val="50000"/>
+              </a:schemeClr>
+            </a:lnRef>
+            <a:fillRef idx="1">
+              <a:schemeClr val="accent1"/>
+            </a:fillRef>
+            <a:effectRef idx="0">
+              <a:schemeClr val="accent1"/>
+            </a:effectRef>
+            <a:fontRef idx="minor">
+              <a:schemeClr val="lt1"/>
+            </a:fontRef>
+          </p:style>
+          <p:txBody>
+            <a:bodyPr rtlCol="0" anchor="ctr"/>
+            <a:lstStyle/>
+            <a:p>
+              <a:pPr algn="ctr"/>
+              <a:endParaRPr lang="en-US"/>
+            </a:p>
+          </p:txBody>
+        </p:sp>
+        <p:sp>
+          <p:nvSpPr>
+            <p:cNvPr id="14" name="Rectangle 13">
+              <a:extLst>
+                <a:ext uri="{FF2B5EF4-FFF2-40B4-BE49-F238E27FC236}">
+                  <a16:creationId xmlns:a16="http://schemas.microsoft.com/office/drawing/2014/main" id="{743ECCAF-29C5-4537-947C-7EA1292463DB}"/>
+                </a:ext>
+                <a:ext uri="{C183D7F6-B498-43B3-948B-1728B52AA6E4}">
+                  <adec:decorative xmlns:adec="http://schemas.microsoft.com/office/drawing/2017/decorative" val="1"/>
+                </a:ext>
+              </a:extLst>
+            </p:cNvPr>
+            <p:cNvSpPr/>
+            <p:nvPr>
+              <p:extLst>
+                <p:ext uri="{386F3935-93C4-4BCD-93E2-E3B085C9AB24}">
+                  <p16:designElem xmlns:p16="http://schemas.microsoft.com/office/powerpoint/2015/main" val="1"/>
+                </p:ext>
+              </p:extLst>
+            </p:nvPr>
+          </p:nvSpPr>
+          <p:spPr>
+            <a:xfrm>
+              <a:off x="4715626" y="308034"/>
+              <a:ext cx="566743" cy="3428999"/>
+            </a:xfrm>
+            <a:prstGeom prst="rect">
+              <a:avLst/>
+            </a:prstGeom>
+            <a:grpFill/>
+            <a:ln>
+              <a:noFill/>
+            </a:ln>
+          </p:spPr>
+          <p:style>
+            <a:lnRef idx="2">
+              <a:schemeClr val="accent1">
+                <a:shade val="50000"/>
+              </a:schemeClr>
+            </a:lnRef>
+            <a:fillRef idx="1">
+              <a:schemeClr val="accent1"/>
+            </a:fillRef>
+            <a:effectRef idx="0">
+              <a:schemeClr val="accent1"/>
+            </a:effectRef>
+            <a:fontRef idx="minor">
+              <a:schemeClr val="lt1"/>
+            </a:fontRef>
+          </p:style>
+          <p:txBody>
+            <a:bodyPr rtlCol="0" anchor="ctr"/>
+            <a:lstStyle/>
+            <a:p>
+              <a:pPr algn="ctr"/>
+              <a:endParaRPr lang="en-US"/>
+            </a:p>
+          </p:txBody>
+        </p:sp>
+        <p:sp>
+          <p:nvSpPr>
+            <p:cNvPr id="15" name="Rectangle 14">
+              <a:extLst>
+                <a:ext uri="{FF2B5EF4-FFF2-40B4-BE49-F238E27FC236}">
+                  <a16:creationId xmlns:a16="http://schemas.microsoft.com/office/drawing/2014/main" id="{ED49787B-8DE6-4467-AD0A-8DECC6E0C2D6}"/>
+                </a:ext>
+                <a:ext uri="{C183D7F6-B498-43B3-948B-1728B52AA6E4}">
+                  <adec:decorative xmlns:adec="http://schemas.microsoft.com/office/drawing/2017/decorative" val="1"/>
+                </a:ext>
+              </a:extLst>
+            </p:cNvPr>
+            <p:cNvSpPr/>
+            <p:nvPr>
+              <p:extLst>
+                <p:ext uri="{386F3935-93C4-4BCD-93E2-E3B085C9AB24}">
+                  <p16:designElem xmlns:p16="http://schemas.microsoft.com/office/powerpoint/2015/main" val="1"/>
+                </p:ext>
+              </p:extLst>
+            </p:nvPr>
+          </p:nvSpPr>
+          <p:spPr>
+            <a:xfrm>
+              <a:off x="5490650" y="308034"/>
+              <a:ext cx="566743" cy="3428999"/>
+            </a:xfrm>
+            <a:prstGeom prst="rect">
+              <a:avLst/>
+            </a:prstGeom>
+            <a:grpFill/>
+            <a:ln>
+              <a:noFill/>
+            </a:ln>
+          </p:spPr>
+          <p:style>
+            <a:lnRef idx="2">
+              <a:schemeClr val="accent1">
+                <a:shade val="50000"/>
+              </a:schemeClr>
+            </a:lnRef>
+            <a:fillRef idx="1">
+              <a:schemeClr val="accent1"/>
+            </a:fillRef>
+            <a:effectRef idx="0">
+              <a:schemeClr val="accent1"/>
+            </a:effectRef>
+            <a:fontRef idx="minor">
+              <a:schemeClr val="lt1"/>
+            </a:fontRef>
+          </p:style>
+          <p:txBody>
+            <a:bodyPr rtlCol="0" anchor="ctr"/>
+            <a:lstStyle/>
+            <a:p>
+              <a:pPr algn="ctr"/>
+              <a:endParaRPr lang="en-US"/>
+            </a:p>
+          </p:txBody>
+        </p:sp>
+      </p:grpSp>
       <p:sp>
         <p:nvSpPr>
-          <p:cNvPr id="2" name="Title 1" hidden="1">
+          <p:cNvPr id="17" name="Rectangle 16">
             <a:extLst>
               <a:ext uri="{FF2B5EF4-FFF2-40B4-BE49-F238E27FC236}">
-                <a16:creationId xmlns:a16="http://schemas.microsoft.com/office/drawing/2014/main" id="{BA225635-CA78-B82C-4722-F1F00C5DD9F0}"/>
+                <a16:creationId xmlns:a16="http://schemas.microsoft.com/office/drawing/2014/main" id="{D5B0017B-2ECA-49AF-B397-DC140825DF8D}"/>
+              </a:ext>
+              <a:ext uri="{C183D7F6-B498-43B3-948B-1728B52AA6E4}">
+                <adec:decorative xmlns:adec="http://schemas.microsoft.com/office/drawing/2017/decorative" val="1"/>
+              </a:ext>
+            </a:extLst>
+          </p:cNvPr>
+          <p:cNvSpPr>
+            <a:spLocks noGrp="1" noRot="1" noChangeAspect="1" noMove="1" noResize="1" noEditPoints="1" noAdjustHandles="1" noChangeArrowheads="1" noChangeShapeType="1" noTextEdit="1"/>
+          </p:cNvSpPr>
+          <p:nvPr>
+            <p:extLst>
+              <p:ext uri="{386F3935-93C4-4BCD-93E2-E3B085C9AB24}">
+                <p16:designElem xmlns:p16="http://schemas.microsoft.com/office/powerpoint/2015/main" val="1"/>
+              </p:ext>
+            </p:extLst>
+          </p:nvPr>
+        </p:nvSpPr>
+        <p:spPr>
+          <a:xfrm>
+            <a:off x="640079" y="613954"/>
+            <a:ext cx="10907487" cy="1894116"/>
+          </a:xfrm>
+          <a:prstGeom prst="rect">
+            <a:avLst/>
+          </a:prstGeom>
+          <a:solidFill>
+            <a:schemeClr val="bg1"/>
+          </a:solidFill>
+          <a:ln>
+            <a:noFill/>
+          </a:ln>
+          <a:effectLst>
+            <a:outerShdw blurRad="139700" dist="127000" dir="5400000" algn="t" rotWithShape="0">
+              <a:prstClr val="black">
+                <a:alpha val="15000"/>
+              </a:prstClr>
+            </a:outerShdw>
+          </a:effectLst>
+        </p:spPr>
+        <p:style>
+          <a:lnRef idx="2">
+            <a:schemeClr val="accent1">
+              <a:shade val="50000"/>
+            </a:schemeClr>
+          </a:lnRef>
+          <a:fillRef idx="1">
+            <a:schemeClr val="accent1"/>
+          </a:fillRef>
+          <a:effectRef idx="0">
+            <a:schemeClr val="accent1"/>
+          </a:effectRef>
+          <a:fontRef idx="minor">
+            <a:schemeClr val="lt1"/>
+          </a:fontRef>
+        </p:style>
+        <p:txBody>
+          <a:bodyPr rtlCol="0" anchor="ctr"/>
+          <a:lstStyle/>
+          <a:p>
+            <a:pPr algn="ctr"/>
+            <a:endParaRPr lang="en-US"/>
+          </a:p>
+        </p:txBody>
+      </p:sp>
+      <p:sp>
+        <p:nvSpPr>
+          <p:cNvPr id="2" name="Title 1">
+            <a:extLst>
+              <a:ext uri="{FF2B5EF4-FFF2-40B4-BE49-F238E27FC236}">
+                <a16:creationId xmlns:a16="http://schemas.microsoft.com/office/drawing/2014/main" id="{92FE7071-6BFA-89CE-3C29-FCBB2A585763}"/>
               </a:ext>
             </a:extLst>
           </p:cNvPr>
@@ -1156,60 +6560,116 @@
             <p:ph type="title"/>
           </p:nvPr>
         </p:nvSpPr>
-        <p:spPr/>
+        <p:spPr>
+          <a:xfrm>
+            <a:off x="1043631" y="809898"/>
+            <a:ext cx="10173010" cy="1554480"/>
+          </a:xfrm>
+        </p:spPr>
         <p:txBody>
-          <a:bodyPr/>
+          <a:bodyPr vert="horz" lIns="91440" tIns="45720" rIns="91440" bIns="45720" rtlCol="0" anchor="ctr">
+            <a:normAutofit/>
+          </a:bodyPr>
           <a:lstStyle/>
           <a:p>
-            <a:pPr algn="ctr"/>
-            <a:r>
-              <a:rPr lang="en-DE" sz="3000">
+            <a:r>
+              <a:rPr lang="en-US" sz="4800" kern="1200">
                 <a:solidFill>
-                  <a:srgbClr val="FFFFFF"/>
+                  <a:schemeClr val="tx1"/>
                 </a:solidFill>
+                <a:latin typeface="+mj-lt"/>
+                <a:ea typeface="+mj-ea"/>
+                <a:cs typeface="+mj-cs"/>
               </a:rPr>
               <a:t>Agenda</a:t>
             </a:r>
-            <a:endParaRPr lang="de-DE" sz="3000">
-              <a:solidFill>
-                <a:srgbClr val="FFFFFF"/>
-              </a:solidFill>
-            </a:endParaRPr>
           </a:p>
         </p:txBody>
       </p:sp>
-      <p:pic>
-        <p:nvPicPr>
-          <p:cNvPr id="3" name="Picture 2">
+      <p:cxnSp>
+        <p:nvCxnSpPr>
+          <p:cNvPr id="19" name="Straight Connector 18">
             <a:extLst>
               <a:ext uri="{FF2B5EF4-FFF2-40B4-BE49-F238E27FC236}">
-                <a16:creationId xmlns:a16="http://schemas.microsoft.com/office/drawing/2014/main" id="{36AD505C-A7C1-1C78-AB6A-9271C84DA435}"/>
+                <a16:creationId xmlns:a16="http://schemas.microsoft.com/office/drawing/2014/main" id="{6CF1BAF6-AD41-4082-B212-8A1F9A2E8779}"/>
+              </a:ext>
+              <a:ext uri="{C183D7F6-B498-43B3-948B-1728B52AA6E4}">
+                <adec:decorative xmlns:adec="http://schemas.microsoft.com/office/drawing/2017/decorative" val="1"/>
               </a:ext>
             </a:extLst>
           </p:cNvPr>
-          <p:cNvPicPr/>
-          <p:nvPr/>
-        </p:nvPicPr>
-        <p:blipFill>
-          <a:blip r:embed="rId2"/>
-          <a:stretch>
-            <a:fillRect/>
-          </a:stretch>
-        </p:blipFill>
+          <p:cNvCxnSpPr>
+            <a:cxnSpLocks noGrp="1" noRot="1" noChangeAspect="1" noMove="1" noResize="1" noEditPoints="1" noAdjustHandles="1" noChangeArrowheads="1" noChangeShapeType="1"/>
+          </p:cNvCxnSpPr>
+          <p:nvPr>
+            <p:extLst>
+              <p:ext uri="{386F3935-93C4-4BCD-93E2-E3B085C9AB24}">
+                <p16:designElem xmlns:p16="http://schemas.microsoft.com/office/powerpoint/2015/main" val="1"/>
+              </p:ext>
+            </p:extLst>
+          </p:nvPr>
+        </p:nvCxnSpPr>
         <p:spPr>
-          <a:xfrm>
-            <a:off x="0" y="0"/>
-            <a:ext cx="12192000" cy="6858000"/>
+          <a:xfrm flipH="1">
+            <a:off x="838200" y="6485313"/>
+            <a:ext cx="10515600" cy="0"/>
           </a:xfrm>
-          <a:prstGeom prst="rect">
+          <a:prstGeom prst="line">
             <a:avLst/>
           </a:prstGeom>
+          <a:ln w="57150">
+            <a:solidFill>
+              <a:schemeClr val="accent4"/>
+            </a:solidFill>
+          </a:ln>
         </p:spPr>
-      </p:pic>
+        <p:style>
+          <a:lnRef idx="1">
+            <a:schemeClr val="accent1"/>
+          </a:lnRef>
+          <a:fillRef idx="0">
+            <a:schemeClr val="accent1"/>
+          </a:fillRef>
+          <a:effectRef idx="0">
+            <a:schemeClr val="accent1"/>
+          </a:effectRef>
+          <a:fontRef idx="minor">
+            <a:schemeClr val="tx1"/>
+          </a:fontRef>
+        </p:style>
+      </p:cxnSp>
+      <p:graphicFrame>
+        <p:nvGraphicFramePr>
+          <p:cNvPr id="6" name="TextBox 3">
+            <a:extLst>
+              <a:ext uri="{FF2B5EF4-FFF2-40B4-BE49-F238E27FC236}">
+                <a16:creationId xmlns:a16="http://schemas.microsoft.com/office/drawing/2014/main" id="{62CC113E-519E-C1FF-11EA-0182E9840DB0}"/>
+              </a:ext>
+            </a:extLst>
+          </p:cNvPr>
+          <p:cNvGraphicFramePr/>
+          <p:nvPr>
+            <p:extLst>
+              <p:ext uri="{D42A27DB-BD31-4B8C-83A1-F6EECF244321}">
+                <p14:modId xmlns:p14="http://schemas.microsoft.com/office/powerpoint/2010/main" val="4136205336"/>
+              </p:ext>
+            </p:extLst>
+          </p:nvPr>
+        </p:nvGraphicFramePr>
+        <p:xfrm>
+          <a:off x="904602" y="3017519"/>
+          <a:ext cx="10378440" cy="3209902"/>
+        </p:xfrm>
+        <a:graphic>
+          <a:graphicData uri="http://schemas.openxmlformats.org/drawingml/2006/diagram">
+            <dgm:relIds xmlns:dgm="http://schemas.openxmlformats.org/drawingml/2006/diagram" xmlns:r="http://schemas.openxmlformats.org/officeDocument/2006/relationships" r:dm="rId2" r:lo="rId3" r:qs="rId4" r:cs="rId5"/>
+          </a:graphicData>
+        </a:graphic>
+      </p:graphicFrame>
     </p:spTree>
     <p:extLst>
       <p:ext uri="{BB962C8B-B14F-4D97-AF65-F5344CB8AC3E}">
-        <p14:creationId xmlns:p14="http://schemas.microsoft.com/office/powerpoint/2010/main" val="3482492650"/>
+        <p14:creationId xmlns:p14="http://schemas.microsoft.com/office/powerpoint/2010/main" val="2199065951"/>
       </p:ext>
     </p:extLst>
   </p:cSld>
@@ -1224,7 +6684,9 @@
   <p:cSld>
     <p:bg>
       <p:bgPr>
-        <a:noFill/>
+        <a:solidFill>
+          <a:schemeClr val="bg1"/>
+        </a:solidFill>
         <a:effectLst/>
       </p:bgPr>
     </p:bg>
@@ -1242,12 +6704,463 @@
           <a:chExt cx="0" cy="0"/>
         </a:xfrm>
       </p:grpSpPr>
+      <p:sp useBgFill="1">
+        <p:nvSpPr>
+          <p:cNvPr id="18" name="Rectangle 17">
+            <a:extLst>
+              <a:ext uri="{FF2B5EF4-FFF2-40B4-BE49-F238E27FC236}">
+                <a16:creationId xmlns:a16="http://schemas.microsoft.com/office/drawing/2014/main" id="{FFD48BC7-DC40-47DE-87EE-9F4B6ECB9ABB}"/>
+              </a:ext>
+              <a:ext uri="{C183D7F6-B498-43B3-948B-1728B52AA6E4}">
+                <adec:decorative xmlns:adec="http://schemas.microsoft.com/office/drawing/2017/decorative" val="1"/>
+              </a:ext>
+            </a:extLst>
+          </p:cNvPr>
+          <p:cNvSpPr>
+            <a:spLocks noGrp="1" noRot="1" noChangeAspect="1" noMove="1" noResize="1" noEditPoints="1" noAdjustHandles="1" noChangeArrowheads="1" noChangeShapeType="1" noTextEdit="1"/>
+          </p:cNvSpPr>
+          <p:nvPr>
+            <p:extLst>
+              <p:ext uri="{386F3935-93C4-4BCD-93E2-E3B085C9AB24}">
+                <p16:designElem xmlns:p16="http://schemas.microsoft.com/office/powerpoint/2015/main" val="1"/>
+              </p:ext>
+            </p:extLst>
+          </p:nvPr>
+        </p:nvSpPr>
+        <p:spPr>
+          <a:xfrm>
+            <a:off x="0" y="0"/>
+            <a:ext cx="12192000" cy="6858000"/>
+          </a:xfrm>
+          <a:prstGeom prst="rect">
+            <a:avLst/>
+          </a:prstGeom>
+          <a:ln>
+            <a:noFill/>
+          </a:ln>
+        </p:spPr>
+        <p:style>
+          <a:lnRef idx="2">
+            <a:schemeClr val="accent1">
+              <a:shade val="50000"/>
+            </a:schemeClr>
+          </a:lnRef>
+          <a:fillRef idx="1">
+            <a:schemeClr val="accent1"/>
+          </a:fillRef>
+          <a:effectRef idx="0">
+            <a:schemeClr val="accent1"/>
+          </a:effectRef>
+          <a:fontRef idx="minor">
+            <a:schemeClr val="lt1"/>
+          </a:fontRef>
+        </p:style>
+        <p:txBody>
+          <a:bodyPr rtlCol="0" anchor="ctr"/>
+          <a:lstStyle/>
+          <a:p>
+            <a:pPr algn="ctr"/>
+            <a:endParaRPr lang="en-US"/>
+          </a:p>
+        </p:txBody>
+      </p:sp>
+      <p:sp useBgFill="1">
+        <p:nvSpPr>
+          <p:cNvPr id="20" name="Freeform: Shape 19">
+            <a:extLst>
+              <a:ext uri="{FF2B5EF4-FFF2-40B4-BE49-F238E27FC236}">
+                <a16:creationId xmlns:a16="http://schemas.microsoft.com/office/drawing/2014/main" id="{E502BBC7-2C76-46F3-BC24-5985BC13DB88}"/>
+              </a:ext>
+              <a:ext uri="{C183D7F6-B498-43B3-948B-1728B52AA6E4}">
+                <adec:decorative xmlns:adec="http://schemas.microsoft.com/office/drawing/2017/decorative" val="1"/>
+              </a:ext>
+            </a:extLst>
+          </p:cNvPr>
+          <p:cNvSpPr>
+            <a:spLocks noGrp="1" noRot="1" noChangeAspect="1" noMove="1" noResize="1" noEditPoints="1" noAdjustHandles="1" noChangeArrowheads="1" noChangeShapeType="1" noTextEdit="1"/>
+          </p:cNvSpPr>
+          <p:nvPr>
+            <p:extLst>
+              <p:ext uri="{386F3935-93C4-4BCD-93E2-E3B085C9AB24}">
+                <p16:designElem xmlns:p16="http://schemas.microsoft.com/office/powerpoint/2015/main" val="1"/>
+              </p:ext>
+            </p:extLst>
+          </p:nvPr>
+        </p:nvSpPr>
+        <p:spPr>
+          <a:xfrm>
+            <a:off x="1114425" y="0"/>
+            <a:ext cx="9963150" cy="6858000"/>
+          </a:xfrm>
+          <a:custGeom>
+            <a:avLst/>
+            <a:gdLst>
+              <a:gd name="connsiteX0" fmla="*/ 1595771 w 9963150"/>
+              <a:gd name="connsiteY0" fmla="*/ 0 h 6858000"/>
+              <a:gd name="connsiteX1" fmla="*/ 8367379 w 9963150"/>
+              <a:gd name="connsiteY1" fmla="*/ 0 h 6858000"/>
+              <a:gd name="connsiteX2" fmla="*/ 8504080 w 9963150"/>
+              <a:gd name="connsiteY2" fmla="*/ 130333 h 6858000"/>
+              <a:gd name="connsiteX3" fmla="*/ 9963150 w 9963150"/>
+              <a:gd name="connsiteY3" fmla="*/ 3652838 h 6858000"/>
+              <a:gd name="connsiteX4" fmla="*/ 8825600 w 9963150"/>
+              <a:gd name="connsiteY4" fmla="*/ 6821583 h 6858000"/>
+              <a:gd name="connsiteX5" fmla="*/ 8794055 w 9963150"/>
+              <a:gd name="connsiteY5" fmla="*/ 6858000 h 6858000"/>
+              <a:gd name="connsiteX6" fmla="*/ 1169096 w 9963150"/>
+              <a:gd name="connsiteY6" fmla="*/ 6858000 h 6858000"/>
+              <a:gd name="connsiteX7" fmla="*/ 1137550 w 9963150"/>
+              <a:gd name="connsiteY7" fmla="*/ 6821583 h 6858000"/>
+              <a:gd name="connsiteX8" fmla="*/ 0 w 9963150"/>
+              <a:gd name="connsiteY8" fmla="*/ 3652838 h 6858000"/>
+              <a:gd name="connsiteX9" fmla="*/ 1459070 w 9963150"/>
+              <a:gd name="connsiteY9" fmla="*/ 130333 h 6858000"/>
+            </a:gdLst>
+            <a:ahLst/>
+            <a:cxnLst>
+              <a:cxn ang="0">
+                <a:pos x="connsiteX0" y="connsiteY0"/>
+              </a:cxn>
+              <a:cxn ang="0">
+                <a:pos x="connsiteX1" y="connsiteY1"/>
+              </a:cxn>
+              <a:cxn ang="0">
+                <a:pos x="connsiteX2" y="connsiteY2"/>
+              </a:cxn>
+              <a:cxn ang="0">
+                <a:pos x="connsiteX3" y="connsiteY3"/>
+              </a:cxn>
+              <a:cxn ang="0">
+                <a:pos x="connsiteX4" y="connsiteY4"/>
+              </a:cxn>
+              <a:cxn ang="0">
+                <a:pos x="connsiteX5" y="connsiteY5"/>
+              </a:cxn>
+              <a:cxn ang="0">
+                <a:pos x="connsiteX6" y="connsiteY6"/>
+              </a:cxn>
+              <a:cxn ang="0">
+                <a:pos x="connsiteX7" y="connsiteY7"/>
+              </a:cxn>
+              <a:cxn ang="0">
+                <a:pos x="connsiteX8" y="connsiteY8"/>
+              </a:cxn>
+              <a:cxn ang="0">
+                <a:pos x="connsiteX9" y="connsiteY9"/>
+              </a:cxn>
+            </a:cxnLst>
+            <a:rect l="l" t="t" r="r" b="b"/>
+            <a:pathLst>
+              <a:path w="9963150" h="6858000">
+                <a:moveTo>
+                  <a:pt x="1595771" y="0"/>
+                </a:moveTo>
+                <a:lnTo>
+                  <a:pt x="8367379" y="0"/>
+                </a:lnTo>
+                <a:lnTo>
+                  <a:pt x="8504080" y="130333"/>
+                </a:lnTo>
+                <a:cubicBezTo>
+                  <a:pt x="9405568" y="1031820"/>
+                  <a:pt x="9963150" y="2277214"/>
+                  <a:pt x="9963150" y="3652838"/>
+                </a:cubicBezTo>
+                <a:cubicBezTo>
+                  <a:pt x="9963150" y="4856509"/>
+                  <a:pt x="9536251" y="5960473"/>
+                  <a:pt x="8825600" y="6821583"/>
+                </a:cubicBezTo>
+                <a:lnTo>
+                  <a:pt x="8794055" y="6858000"/>
+                </a:lnTo>
+                <a:lnTo>
+                  <a:pt x="1169096" y="6858000"/>
+                </a:lnTo>
+                <a:lnTo>
+                  <a:pt x="1137550" y="6821583"/>
+                </a:lnTo>
+                <a:cubicBezTo>
+                  <a:pt x="426899" y="5960473"/>
+                  <a:pt x="0" y="4856509"/>
+                  <a:pt x="0" y="3652838"/>
+                </a:cubicBezTo>
+                <a:cubicBezTo>
+                  <a:pt x="0" y="2277214"/>
+                  <a:pt x="557582" y="1031820"/>
+                  <a:pt x="1459070" y="130333"/>
+                </a:cubicBezTo>
+                <a:close/>
+              </a:path>
+            </a:pathLst>
+          </a:custGeom>
+          <a:ln w="9525">
+            <a:solidFill>
+              <a:srgbClr val="EFEFEF"/>
+            </a:solidFill>
+          </a:ln>
+          <a:effectLst>
+            <a:outerShdw blurRad="139700" sx="102000" sy="102000" algn="ctr" rotWithShape="0">
+              <a:schemeClr val="bg1">
+                <a:lumMod val="85000"/>
+                <a:alpha val="38000"/>
+              </a:schemeClr>
+            </a:outerShdw>
+          </a:effectLst>
+        </p:spPr>
+        <p:style>
+          <a:lnRef idx="2">
+            <a:schemeClr val="accent1">
+              <a:shade val="50000"/>
+            </a:schemeClr>
+          </a:lnRef>
+          <a:fillRef idx="1">
+            <a:schemeClr val="accent1"/>
+          </a:fillRef>
+          <a:effectRef idx="0">
+            <a:schemeClr val="accent1"/>
+          </a:effectRef>
+          <a:fontRef idx="minor">
+            <a:schemeClr val="lt1"/>
+          </a:fontRef>
+        </p:style>
+        <p:txBody>
+          <a:bodyPr wrap="square" rtlCol="0" anchor="ctr">
+            <a:noAutofit/>
+          </a:bodyPr>
+          <a:lstStyle/>
+          <a:p>
+            <a:pPr marL="0" marR="0" lvl="0" indent="0" algn="ctr" defTabSz="914400" rtl="0" eaLnBrk="1" fontAlgn="auto" latinLnBrk="0" hangingPunct="1">
+              <a:lnSpc>
+                <a:spcPct val="100000"/>
+              </a:lnSpc>
+              <a:spcBef>
+                <a:spcPts val="0"/>
+              </a:spcBef>
+              <a:spcAft>
+                <a:spcPts val="0"/>
+              </a:spcAft>
+              <a:buClrTx/>
+              <a:buSzTx/>
+              <a:buFontTx/>
+              <a:buNone/>
+              <a:tabLst/>
+              <a:defRPr/>
+            </a:pPr>
+            <a:endParaRPr kumimoji="0" lang="en-US" sz="1800" b="0" i="0" u="none" strike="noStrike" kern="1200" cap="none" spc="0" normalizeH="0" baseline="0" noProof="0">
+              <a:ln>
+                <a:noFill/>
+              </a:ln>
+              <a:solidFill>
+                <a:prstClr val="white"/>
+              </a:solidFill>
+              <a:effectLst/>
+              <a:uLnTx/>
+              <a:uFillTx/>
+              <a:latin typeface="Calibri" panose="020F0502020204030204"/>
+              <a:ea typeface="+mn-ea"/>
+              <a:cs typeface="+mn-cs"/>
+            </a:endParaRPr>
+          </a:p>
+        </p:txBody>
+      </p:sp>
+      <p:sp useBgFill="1">
+        <p:nvSpPr>
+          <p:cNvPr id="22" name="Freeform: Shape 21">
+            <a:extLst>
+              <a:ext uri="{FF2B5EF4-FFF2-40B4-BE49-F238E27FC236}">
+                <a16:creationId xmlns:a16="http://schemas.microsoft.com/office/drawing/2014/main" id="{C7F28D52-2A5F-4D23-81AE-7CB8B591C7AF}"/>
+              </a:ext>
+              <a:ext uri="{C183D7F6-B498-43B3-948B-1728B52AA6E4}">
+                <adec:decorative xmlns:adec="http://schemas.microsoft.com/office/drawing/2017/decorative" val="1"/>
+              </a:ext>
+            </a:extLst>
+          </p:cNvPr>
+          <p:cNvSpPr>
+            <a:spLocks noGrp="1" noRot="1" noChangeAspect="1" noMove="1" noResize="1" noEditPoints="1" noAdjustHandles="1" noChangeArrowheads="1" noChangeShapeType="1" noTextEdit="1"/>
+          </p:cNvSpPr>
+          <p:nvPr>
+            <p:extLst>
+              <p:ext uri="{386F3935-93C4-4BCD-93E2-E3B085C9AB24}">
+                <p16:designElem xmlns:p16="http://schemas.microsoft.com/office/powerpoint/2015/main" val="1"/>
+              </p:ext>
+            </p:extLst>
+          </p:nvPr>
+        </p:nvSpPr>
+        <p:spPr>
+          <a:xfrm>
+            <a:off x="1121664" y="0"/>
+            <a:ext cx="9948672" cy="6858000"/>
+          </a:xfrm>
+          <a:custGeom>
+            <a:avLst/>
+            <a:gdLst>
+              <a:gd name="connsiteX0" fmla="*/ 1595771 w 9963150"/>
+              <a:gd name="connsiteY0" fmla="*/ 0 h 6858000"/>
+              <a:gd name="connsiteX1" fmla="*/ 8367379 w 9963150"/>
+              <a:gd name="connsiteY1" fmla="*/ 0 h 6858000"/>
+              <a:gd name="connsiteX2" fmla="*/ 8504080 w 9963150"/>
+              <a:gd name="connsiteY2" fmla="*/ 130333 h 6858000"/>
+              <a:gd name="connsiteX3" fmla="*/ 9963150 w 9963150"/>
+              <a:gd name="connsiteY3" fmla="*/ 3652838 h 6858000"/>
+              <a:gd name="connsiteX4" fmla="*/ 8825600 w 9963150"/>
+              <a:gd name="connsiteY4" fmla="*/ 6821583 h 6858000"/>
+              <a:gd name="connsiteX5" fmla="*/ 8794055 w 9963150"/>
+              <a:gd name="connsiteY5" fmla="*/ 6858000 h 6858000"/>
+              <a:gd name="connsiteX6" fmla="*/ 1169096 w 9963150"/>
+              <a:gd name="connsiteY6" fmla="*/ 6858000 h 6858000"/>
+              <a:gd name="connsiteX7" fmla="*/ 1137550 w 9963150"/>
+              <a:gd name="connsiteY7" fmla="*/ 6821583 h 6858000"/>
+              <a:gd name="connsiteX8" fmla="*/ 0 w 9963150"/>
+              <a:gd name="connsiteY8" fmla="*/ 3652838 h 6858000"/>
+              <a:gd name="connsiteX9" fmla="*/ 1459070 w 9963150"/>
+              <a:gd name="connsiteY9" fmla="*/ 130333 h 6858000"/>
+            </a:gdLst>
+            <a:ahLst/>
+            <a:cxnLst>
+              <a:cxn ang="0">
+                <a:pos x="connsiteX0" y="connsiteY0"/>
+              </a:cxn>
+              <a:cxn ang="0">
+                <a:pos x="connsiteX1" y="connsiteY1"/>
+              </a:cxn>
+              <a:cxn ang="0">
+                <a:pos x="connsiteX2" y="connsiteY2"/>
+              </a:cxn>
+              <a:cxn ang="0">
+                <a:pos x="connsiteX3" y="connsiteY3"/>
+              </a:cxn>
+              <a:cxn ang="0">
+                <a:pos x="connsiteX4" y="connsiteY4"/>
+              </a:cxn>
+              <a:cxn ang="0">
+                <a:pos x="connsiteX5" y="connsiteY5"/>
+              </a:cxn>
+              <a:cxn ang="0">
+                <a:pos x="connsiteX6" y="connsiteY6"/>
+              </a:cxn>
+              <a:cxn ang="0">
+                <a:pos x="connsiteX7" y="connsiteY7"/>
+              </a:cxn>
+              <a:cxn ang="0">
+                <a:pos x="connsiteX8" y="connsiteY8"/>
+              </a:cxn>
+              <a:cxn ang="0">
+                <a:pos x="connsiteX9" y="connsiteY9"/>
+              </a:cxn>
+            </a:cxnLst>
+            <a:rect l="l" t="t" r="r" b="b"/>
+            <a:pathLst>
+              <a:path w="9963150" h="6858000">
+                <a:moveTo>
+                  <a:pt x="1595771" y="0"/>
+                </a:moveTo>
+                <a:lnTo>
+                  <a:pt x="8367379" y="0"/>
+                </a:lnTo>
+                <a:lnTo>
+                  <a:pt x="8504080" y="130333"/>
+                </a:lnTo>
+                <a:cubicBezTo>
+                  <a:pt x="9405568" y="1031820"/>
+                  <a:pt x="9963150" y="2277214"/>
+                  <a:pt x="9963150" y="3652838"/>
+                </a:cubicBezTo>
+                <a:cubicBezTo>
+                  <a:pt x="9963150" y="4856509"/>
+                  <a:pt x="9536251" y="5960473"/>
+                  <a:pt x="8825600" y="6821583"/>
+                </a:cubicBezTo>
+                <a:lnTo>
+                  <a:pt x="8794055" y="6858000"/>
+                </a:lnTo>
+                <a:lnTo>
+                  <a:pt x="1169096" y="6858000"/>
+                </a:lnTo>
+                <a:lnTo>
+                  <a:pt x="1137550" y="6821583"/>
+                </a:lnTo>
+                <a:cubicBezTo>
+                  <a:pt x="426899" y="5960473"/>
+                  <a:pt x="0" y="4856509"/>
+                  <a:pt x="0" y="3652838"/>
+                </a:cubicBezTo>
+                <a:cubicBezTo>
+                  <a:pt x="0" y="2277214"/>
+                  <a:pt x="557582" y="1031820"/>
+                  <a:pt x="1459070" y="130333"/>
+                </a:cubicBezTo>
+                <a:close/>
+              </a:path>
+            </a:pathLst>
+          </a:custGeom>
+          <a:ln w="9525">
+            <a:noFill/>
+          </a:ln>
+          <a:effectLst/>
+        </p:spPr>
+        <p:style>
+          <a:lnRef idx="2">
+            <a:schemeClr val="accent1">
+              <a:shade val="50000"/>
+            </a:schemeClr>
+          </a:lnRef>
+          <a:fillRef idx="1">
+            <a:schemeClr val="accent1"/>
+          </a:fillRef>
+          <a:effectRef idx="0">
+            <a:schemeClr val="accent1"/>
+          </a:effectRef>
+          <a:fontRef idx="minor">
+            <a:schemeClr val="lt1"/>
+          </a:fontRef>
+        </p:style>
+        <p:txBody>
+          <a:bodyPr wrap="square" rtlCol="0" anchor="ctr">
+            <a:noAutofit/>
+          </a:bodyPr>
+          <a:lstStyle/>
+          <a:p>
+            <a:pPr marL="0" marR="0" lvl="0" indent="0" algn="ctr" defTabSz="914400" rtl="0" eaLnBrk="1" fontAlgn="auto" latinLnBrk="0" hangingPunct="1">
+              <a:lnSpc>
+                <a:spcPct val="100000"/>
+              </a:lnSpc>
+              <a:spcBef>
+                <a:spcPts val="0"/>
+              </a:spcBef>
+              <a:spcAft>
+                <a:spcPts val="0"/>
+              </a:spcAft>
+              <a:buClrTx/>
+              <a:buSzTx/>
+              <a:buFontTx/>
+              <a:buNone/>
+              <a:tabLst/>
+              <a:defRPr/>
+            </a:pPr>
+            <a:endParaRPr kumimoji="0" lang="en-US" sz="1800" b="0" i="0" u="none" strike="noStrike" kern="1200" cap="none" spc="0" normalizeH="0" baseline="0" noProof="0">
+              <a:ln>
+                <a:noFill/>
+              </a:ln>
+              <a:solidFill>
+                <a:prstClr val="white"/>
+              </a:solidFill>
+              <a:effectLst/>
+              <a:uLnTx/>
+              <a:uFillTx/>
+              <a:latin typeface="Calibri" panose="020F0502020204030204"/>
+              <a:ea typeface="+mn-ea"/>
+              <a:cs typeface="+mn-cs"/>
+            </a:endParaRPr>
+          </a:p>
+        </p:txBody>
+      </p:sp>
       <p:sp>
         <p:nvSpPr>
-          <p:cNvPr id="2" name="Title 1" hidden="1">
+          <p:cNvPr id="2" name="Title 1">
             <a:extLst>
               <a:ext uri="{FF2B5EF4-FFF2-40B4-BE49-F238E27FC236}">
-                <a16:creationId xmlns:a16="http://schemas.microsoft.com/office/drawing/2014/main" id="{8A793C3A-75FB-98FE-6CF6-D693D40A90AB}"/>
+                <a16:creationId xmlns:a16="http://schemas.microsoft.com/office/drawing/2014/main" id="{A94E9E47-4DE1-B22A-679A-D7ED4DD3D6A9}"/>
               </a:ext>
             </a:extLst>
           </p:cNvPr>
@@ -1258,66 +7171,257 @@
             <p:ph type="title"/>
           </p:nvPr>
         </p:nvSpPr>
-        <p:spPr/>
+        <p:spPr>
+          <a:xfrm>
+            <a:off x="1524000" y="2617681"/>
+            <a:ext cx="9144000" cy="2764028"/>
+          </a:xfrm>
+        </p:spPr>
         <p:txBody>
-          <a:bodyPr/>
+          <a:bodyPr vert="horz" lIns="91440" tIns="45720" rIns="91440" bIns="45720" rtlCol="0" anchor="ctr">
+            <a:normAutofit/>
+          </a:bodyPr>
           <a:lstStyle/>
           <a:p>
             <a:pPr algn="ctr"/>
             <a:r>
-              <a:rPr lang="en-US" sz="6000" noProof="0"/>
-              <a:t>Comparison </a:t>
-            </a:r>
-            <a:r>
-              <a:rPr lang="en-US" sz="4400" noProof="0"/>
-              <a:t>Framework</a:t>
-            </a:r>
-            <a:r>
-              <a:rPr lang="en-DE" sz="4400" noProof="0"/>
-              <a:t>s</a:t>
-            </a:r>
-            <a:endParaRPr lang="en-US" sz="6000" noProof="0" dirty="0"/>
+              <a:rPr lang="en-DE" sz="6100" dirty="0"/>
+              <a:t>Front-End</a:t>
+            </a:r>
+            <a:br>
+              <a:rPr lang="en-DE" sz="6100" dirty="0"/>
+            </a:br>
+            <a:r>
+              <a:rPr lang="en-US" sz="3200" dirty="0"/>
+              <a:t>FLUTTER</a:t>
+            </a:r>
+            <a:br>
+              <a:rPr lang="en-DE" sz="3200" kern="1200" dirty="0">
+                <a:solidFill>
+                  <a:schemeClr val="tx1"/>
+                </a:solidFill>
+              </a:rPr>
+            </a:br>
+            <a:r>
+              <a:rPr lang="en-US" sz="3200" kern="1200" dirty="0">
+                <a:solidFill>
+                  <a:schemeClr val="tx1"/>
+                </a:solidFill>
+              </a:rPr>
+              <a:t>AVALONIA</a:t>
+            </a:r>
+            <a:br>
+              <a:rPr lang="en-US" sz="3200" kern="1200" dirty="0">
+                <a:solidFill>
+                  <a:schemeClr val="tx1"/>
+                </a:solidFill>
+              </a:rPr>
+            </a:br>
+            <a:r>
+              <a:rPr lang="en-US" sz="3200" kern="1200" dirty="0">
+                <a:solidFill>
+                  <a:schemeClr val="tx1"/>
+                </a:solidFill>
+              </a:rPr>
+              <a:t>.NET MAUI </a:t>
+            </a:r>
           </a:p>
         </p:txBody>
       </p:sp>
-      <p:pic>
-        <p:nvPicPr>
-          <p:cNvPr id="3" name="Picture 2">
+      <p:sp>
+        <p:nvSpPr>
+          <p:cNvPr id="24" name="Rectangle 23">
             <a:extLst>
               <a:ext uri="{FF2B5EF4-FFF2-40B4-BE49-F238E27FC236}">
-                <a16:creationId xmlns:a16="http://schemas.microsoft.com/office/drawing/2014/main" id="{0BBF303A-970E-41E1-FB81-D4D0ECE82664}"/>
+                <a16:creationId xmlns:a16="http://schemas.microsoft.com/office/drawing/2014/main" id="{3629484E-3792-4B3D-89AD-7C8A1ED0E0D4}"/>
+              </a:ext>
+              <a:ext uri="{C183D7F6-B498-43B3-948B-1728B52AA6E4}">
+                <adec:decorative xmlns:adec="http://schemas.microsoft.com/office/drawing/2017/decorative" val="1"/>
               </a:ext>
             </a:extLst>
           </p:cNvPr>
-          <p:cNvPicPr/>
-          <p:nvPr/>
-        </p:nvPicPr>
-        <p:blipFill>
-          <a:blip r:embed="rId2"/>
-          <a:stretch>
-            <a:fillRect/>
-          </a:stretch>
-        </p:blipFill>
+          <p:cNvSpPr>
+            <a:spLocks noGrp="1" noRot="1" noChangeAspect="1" noMove="1" noResize="1" noEditPoints="1" noAdjustHandles="1" noChangeArrowheads="1" noChangeShapeType="1" noTextEdit="1"/>
+          </p:cNvSpPr>
+          <p:nvPr>
+            <p:extLst>
+              <p:ext uri="{386F3935-93C4-4BCD-93E2-E3B085C9AB24}">
+                <p16:designElem xmlns:p16="http://schemas.microsoft.com/office/powerpoint/2015/main" val="1"/>
+              </p:ext>
+            </p:extLst>
+          </p:nvPr>
+        </p:nvSpPr>
         <p:spPr>
           <a:xfrm>
-            <a:off x="0" y="0"/>
-            <a:ext cx="12192000" cy="6858000"/>
+            <a:off x="3718560" y="5524786"/>
+            <a:ext cx="4754880" cy="27432"/>
           </a:xfrm>
           <a:prstGeom prst="rect">
             <a:avLst/>
           </a:prstGeom>
+          <a:solidFill>
+            <a:schemeClr val="accent2"/>
+          </a:solidFill>
+          <a:ln>
+            <a:noFill/>
+          </a:ln>
         </p:spPr>
-      </p:pic>
+        <p:style>
+          <a:lnRef idx="2">
+            <a:schemeClr val="accent1">
+              <a:shade val="50000"/>
+            </a:schemeClr>
+          </a:lnRef>
+          <a:fillRef idx="1">
+            <a:schemeClr val="accent1"/>
+          </a:fillRef>
+          <a:effectRef idx="0">
+            <a:schemeClr val="accent1"/>
+          </a:effectRef>
+          <a:fontRef idx="minor">
+            <a:schemeClr val="lt1"/>
+          </a:fontRef>
+        </p:style>
+        <p:txBody>
+          <a:bodyPr rtlCol="0" anchor="ctr"/>
+          <a:lstStyle/>
+          <a:p>
+            <a:pPr marL="0" marR="0" lvl="0" indent="0" algn="ctr" defTabSz="914400" rtl="0" eaLnBrk="1" fontAlgn="auto" latinLnBrk="0" hangingPunct="1">
+              <a:lnSpc>
+                <a:spcPct val="100000"/>
+              </a:lnSpc>
+              <a:spcBef>
+                <a:spcPts val="0"/>
+              </a:spcBef>
+              <a:spcAft>
+                <a:spcPts val="0"/>
+              </a:spcAft>
+              <a:buClrTx/>
+              <a:buSzTx/>
+              <a:buFontTx/>
+              <a:buNone/>
+              <a:tabLst/>
+              <a:defRPr/>
+            </a:pPr>
+            <a:endParaRPr kumimoji="0" lang="en-US" sz="1800" b="0" i="0" u="none" strike="noStrike" kern="1200" cap="none" spc="0" normalizeH="0" baseline="0" noProof="0">
+              <a:ln>
+                <a:noFill/>
+              </a:ln>
+              <a:solidFill>
+                <a:prstClr val="white"/>
+              </a:solidFill>
+              <a:effectLst/>
+              <a:uLnTx/>
+              <a:uFillTx/>
+              <a:latin typeface="Calibri" panose="020F0502020204030204"/>
+              <a:ea typeface="+mn-ea"/>
+              <a:cs typeface="+mn-cs"/>
+            </a:endParaRPr>
+          </a:p>
+        </p:txBody>
+      </p:sp>
     </p:spTree>
     <p:extLst>
       <p:ext uri="{BB962C8B-B14F-4D97-AF65-F5344CB8AC3E}">
-        <p14:creationId xmlns:p14="http://schemas.microsoft.com/office/powerpoint/2010/main" val="1807441716"/>
+        <p14:creationId xmlns:p14="http://schemas.microsoft.com/office/powerpoint/2010/main" val="3917685075"/>
       </p:ext>
     </p:extLst>
   </p:cSld>
   <p:clrMapOvr>
     <a:masterClrMapping/>
   </p:clrMapOvr>
+  <p:timing>
+    <p:tnLst>
+      <p:par>
+        <p:cTn id="1" dur="indefinite" restart="never" nodeType="tmRoot">
+          <p:childTnLst>
+            <p:seq concurrent="1" nextAc="seek">
+              <p:cTn id="2" dur="indefinite" nodeType="mainSeq">
+                <p:childTnLst>
+                  <p:par>
+                    <p:cTn id="3" fill="hold">
+                      <p:stCondLst>
+                        <p:cond delay="indefinite"/>
+                        <p:cond evt="onBegin" delay="0">
+                          <p:tn val="2"/>
+                        </p:cond>
+                      </p:stCondLst>
+                      <p:childTnLst>
+                        <p:par>
+                          <p:cTn id="4" fill="hold">
+                            <p:stCondLst>
+                              <p:cond delay="0"/>
+                            </p:stCondLst>
+                            <p:childTnLst>
+                              <p:par>
+                                <p:cTn id="5" presetID="10" presetClass="entr" presetSubtype="0" fill="hold" grpId="0" nodeType="withEffect">
+                                  <p:stCondLst>
+                                    <p:cond delay="500"/>
+                                  </p:stCondLst>
+                                  <p:iterate type="wd">
+                                    <p:tmPct val="15000"/>
+                                  </p:iterate>
+                                  <p:childTnLst>
+                                    <p:set>
+                                      <p:cBhvr>
+                                        <p:cTn id="6" dur="1" fill="hold">
+                                          <p:stCondLst>
+                                            <p:cond delay="0"/>
+                                          </p:stCondLst>
+                                        </p:cTn>
+                                        <p:tgtEl>
+                                          <p:spTgt spid="2"/>
+                                        </p:tgtEl>
+                                        <p:attrNameLst>
+                                          <p:attrName>style.visibility</p:attrName>
+                                        </p:attrNameLst>
+                                      </p:cBhvr>
+                                      <p:to>
+                                        <p:strVal val="visible"/>
+                                      </p:to>
+                                    </p:set>
+                                    <p:animEffect transition="in" filter="fade">
+                                      <p:cBhvr>
+                                        <p:cTn id="7" dur="1000"/>
+                                        <p:tgtEl>
+                                          <p:spTgt spid="2"/>
+                                        </p:tgtEl>
+                                      </p:cBhvr>
+                                    </p:animEffect>
+                                  </p:childTnLst>
+                                </p:cTn>
+                              </p:par>
+                            </p:childTnLst>
+                          </p:cTn>
+                        </p:par>
+                      </p:childTnLst>
+                    </p:cTn>
+                  </p:par>
+                </p:childTnLst>
+              </p:cTn>
+              <p:prevCondLst>
+                <p:cond evt="onPrev" delay="0">
+                  <p:tgtEl>
+                    <p:sldTgt/>
+                  </p:tgtEl>
+                </p:cond>
+              </p:prevCondLst>
+              <p:nextCondLst>
+                <p:cond evt="onNext" delay="0">
+                  <p:tgtEl>
+                    <p:sldTgt/>
+                  </p:tgtEl>
+                </p:cond>
+              </p:nextCondLst>
+            </p:seq>
+          </p:childTnLst>
+        </p:cTn>
+      </p:par>
+    </p:tnLst>
+    <p:bldLst>
+      <p:bldP spid="2" grpId="0"/>
+    </p:bldLst>
+  </p:timing>
 </p:sld>
 </file>
 
@@ -1383,14 +7487,43 @@
         </p:nvPicPr>
         <p:blipFill>
           <a:blip r:embed="rId2"/>
+          <a:srcRect r="57778"/>
+          <a:stretch/>
+        </p:blipFill>
+        <p:spPr>
+          <a:xfrm>
+            <a:off x="1388534" y="0"/>
+            <a:ext cx="5147733" cy="6858000"/>
+          </a:xfrm>
+          <a:prstGeom prst="rect">
+            <a:avLst/>
+          </a:prstGeom>
+        </p:spPr>
+      </p:pic>
+      <p:pic>
+        <p:nvPicPr>
+          <p:cNvPr id="5" name="Picture 4">
+            <a:extLst>
+              <a:ext uri="{FF2B5EF4-FFF2-40B4-BE49-F238E27FC236}">
+                <a16:creationId xmlns:a16="http://schemas.microsoft.com/office/drawing/2014/main" id="{CD4344ED-72DB-9C23-EE0F-76572408B217}"/>
+              </a:ext>
+            </a:extLst>
+          </p:cNvPr>
+          <p:cNvPicPr>
+            <a:picLocks noChangeAspect="1"/>
+          </p:cNvPicPr>
+          <p:nvPr/>
+        </p:nvPicPr>
+        <p:blipFill>
+          <a:blip r:embed="rId3"/>
           <a:stretch>
             <a:fillRect/>
           </a:stretch>
         </p:blipFill>
         <p:spPr>
           <a:xfrm>
-            <a:off x="0" y="0"/>
-            <a:ext cx="12192000" cy="6858000"/>
+            <a:off x="6536267" y="0"/>
+            <a:ext cx="4696331" cy="6858000"/>
           </a:xfrm>
           <a:prstGeom prst="rect">
             <a:avLst/>
@@ -1472,14 +7605,43 @@
         </p:nvPicPr>
         <p:blipFill>
           <a:blip r:embed="rId2"/>
+          <a:srcRect r="57709"/>
+          <a:stretch/>
+        </p:blipFill>
+        <p:spPr>
+          <a:xfrm>
+            <a:off x="1277972" y="0"/>
+            <a:ext cx="5156200" cy="6858000"/>
+          </a:xfrm>
+          <a:prstGeom prst="rect">
+            <a:avLst/>
+          </a:prstGeom>
+        </p:spPr>
+      </p:pic>
+      <p:pic>
+        <p:nvPicPr>
+          <p:cNvPr id="5" name="Picture 4">
+            <a:extLst>
+              <a:ext uri="{FF2B5EF4-FFF2-40B4-BE49-F238E27FC236}">
+                <a16:creationId xmlns:a16="http://schemas.microsoft.com/office/drawing/2014/main" id="{974A4C2B-16D6-B380-6203-CF9AC84EB9E6}"/>
+              </a:ext>
+            </a:extLst>
+          </p:cNvPr>
+          <p:cNvPicPr>
+            <a:picLocks noChangeAspect="1"/>
+          </p:cNvPicPr>
+          <p:nvPr/>
+        </p:nvPicPr>
+        <p:blipFill>
+          <a:blip r:embed="rId3"/>
           <a:stretch>
             <a:fillRect/>
           </a:stretch>
         </p:blipFill>
         <p:spPr>
           <a:xfrm>
-            <a:off x="0" y="0"/>
-            <a:ext cx="12192000" cy="6858000"/>
+            <a:off x="6434172" y="0"/>
+            <a:ext cx="4684750" cy="6858000"/>
           </a:xfrm>
           <a:prstGeom prst="rect">
             <a:avLst/>
@@ -1644,16 +7806,67 @@
           </a:p>
         </p:txBody>
       </p:sp>
-      <p:pic>
-        <p:nvPicPr>
-          <p:cNvPr id="3" name="Picture 2">
+      <p:sp>
+        <p:nvSpPr>
+          <p:cNvPr id="4" name="Rectangle 3">
             <a:extLst>
               <a:ext uri="{FF2B5EF4-FFF2-40B4-BE49-F238E27FC236}">
-                <a16:creationId xmlns:a16="http://schemas.microsoft.com/office/drawing/2014/main" id="{F5061CA2-B6C9-6F49-F6C0-23554E41D394}"/>
+                <a16:creationId xmlns:a16="http://schemas.microsoft.com/office/drawing/2014/main" id="{AF7F7785-85B6-BDF2-5EFB-C18F346E7973}"/>
               </a:ext>
             </a:extLst>
           </p:cNvPr>
-          <p:cNvPicPr/>
+          <p:cNvSpPr/>
+          <p:nvPr/>
+        </p:nvSpPr>
+        <p:spPr>
+          <a:xfrm>
+            <a:off x="1286933" y="4478867"/>
+            <a:ext cx="9618133" cy="1193800"/>
+          </a:xfrm>
+          <a:prstGeom prst="rect">
+            <a:avLst/>
+          </a:prstGeom>
+          <a:ln>
+            <a:solidFill>
+              <a:schemeClr val="bg1"/>
+            </a:solidFill>
+          </a:ln>
+        </p:spPr>
+        <p:style>
+          <a:lnRef idx="2">
+            <a:schemeClr val="dk1"/>
+          </a:lnRef>
+          <a:fillRef idx="1">
+            <a:schemeClr val="lt1"/>
+          </a:fillRef>
+          <a:effectRef idx="0">
+            <a:schemeClr val="dk1"/>
+          </a:effectRef>
+          <a:fontRef idx="minor">
+            <a:schemeClr val="dk1"/>
+          </a:fontRef>
+        </p:style>
+        <p:txBody>
+          <a:bodyPr rtlCol="0" anchor="ctr"/>
+          <a:lstStyle/>
+          <a:p>
+            <a:pPr algn="ctr"/>
+            <a:endParaRPr lang="de-DE"/>
+          </a:p>
+        </p:txBody>
+      </p:sp>
+      <p:pic>
+        <p:nvPicPr>
+          <p:cNvPr id="6" name="Picture 5">
+            <a:extLst>
+              <a:ext uri="{FF2B5EF4-FFF2-40B4-BE49-F238E27FC236}">
+                <a16:creationId xmlns:a16="http://schemas.microsoft.com/office/drawing/2014/main" id="{B0B13CCB-1D49-C7FB-7CBE-08DE574A8CE3}"/>
+              </a:ext>
+            </a:extLst>
+          </p:cNvPr>
+          <p:cNvPicPr>
+            <a:picLocks noChangeAspect="1"/>
+          </p:cNvPicPr>
           <p:nvPr/>
         </p:nvPicPr>
         <p:blipFill>
@@ -1664,8 +7877,8 @@
         </p:blipFill>
         <p:spPr>
           <a:xfrm>
-            <a:off x="0" y="0"/>
-            <a:ext cx="12192000" cy="6858000"/>
+            <a:off x="0" y="28680"/>
+            <a:ext cx="12192000" cy="6829320"/>
           </a:xfrm>
           <a:prstGeom prst="rect">
             <a:avLst/>
@@ -1690,7 +7903,9 @@
   <p:cSld>
     <p:bg>
       <p:bgPr>
-        <a:noFill/>
+        <a:solidFill>
+          <a:schemeClr val="bg1"/>
+        </a:solidFill>
         <a:effectLst/>
       </p:bgPr>
     </p:bg>
@@ -1708,12 +7923,463 @@
           <a:chExt cx="0" cy="0"/>
         </a:xfrm>
       </p:grpSpPr>
+      <p:sp useBgFill="1">
+        <p:nvSpPr>
+          <p:cNvPr id="7" name="Rectangle 6">
+            <a:extLst>
+              <a:ext uri="{FF2B5EF4-FFF2-40B4-BE49-F238E27FC236}">
+                <a16:creationId xmlns:a16="http://schemas.microsoft.com/office/drawing/2014/main" id="{FFD48BC7-DC40-47DE-87EE-9F4B6ECB9ABB}"/>
+              </a:ext>
+              <a:ext uri="{C183D7F6-B498-43B3-948B-1728B52AA6E4}">
+                <adec:decorative xmlns:adec="http://schemas.microsoft.com/office/drawing/2017/decorative" val="1"/>
+              </a:ext>
+            </a:extLst>
+          </p:cNvPr>
+          <p:cNvSpPr>
+            <a:spLocks noGrp="1" noRot="1" noChangeAspect="1" noMove="1" noResize="1" noEditPoints="1" noAdjustHandles="1" noChangeArrowheads="1" noChangeShapeType="1" noTextEdit="1"/>
+          </p:cNvSpPr>
+          <p:nvPr>
+            <p:extLst>
+              <p:ext uri="{386F3935-93C4-4BCD-93E2-E3B085C9AB24}">
+                <p16:designElem xmlns:p16="http://schemas.microsoft.com/office/powerpoint/2015/main" val="1"/>
+              </p:ext>
+            </p:extLst>
+          </p:nvPr>
+        </p:nvSpPr>
+        <p:spPr>
+          <a:xfrm>
+            <a:off x="0" y="0"/>
+            <a:ext cx="12192000" cy="6858000"/>
+          </a:xfrm>
+          <a:prstGeom prst="rect">
+            <a:avLst/>
+          </a:prstGeom>
+          <a:ln>
+            <a:noFill/>
+          </a:ln>
+        </p:spPr>
+        <p:style>
+          <a:lnRef idx="2">
+            <a:schemeClr val="accent1">
+              <a:shade val="50000"/>
+            </a:schemeClr>
+          </a:lnRef>
+          <a:fillRef idx="1">
+            <a:schemeClr val="accent1"/>
+          </a:fillRef>
+          <a:effectRef idx="0">
+            <a:schemeClr val="accent1"/>
+          </a:effectRef>
+          <a:fontRef idx="minor">
+            <a:schemeClr val="lt1"/>
+          </a:fontRef>
+        </p:style>
+        <p:txBody>
+          <a:bodyPr rtlCol="0" anchor="ctr"/>
+          <a:lstStyle/>
+          <a:p>
+            <a:pPr algn="ctr"/>
+            <a:endParaRPr lang="en-US"/>
+          </a:p>
+        </p:txBody>
+      </p:sp>
+      <p:sp useBgFill="1">
+        <p:nvSpPr>
+          <p:cNvPr id="9" name="Freeform: Shape 8">
+            <a:extLst>
+              <a:ext uri="{FF2B5EF4-FFF2-40B4-BE49-F238E27FC236}">
+                <a16:creationId xmlns:a16="http://schemas.microsoft.com/office/drawing/2014/main" id="{E502BBC7-2C76-46F3-BC24-5985BC13DB88}"/>
+              </a:ext>
+              <a:ext uri="{C183D7F6-B498-43B3-948B-1728B52AA6E4}">
+                <adec:decorative xmlns:adec="http://schemas.microsoft.com/office/drawing/2017/decorative" val="1"/>
+              </a:ext>
+            </a:extLst>
+          </p:cNvPr>
+          <p:cNvSpPr>
+            <a:spLocks noGrp="1" noRot="1" noChangeAspect="1" noMove="1" noResize="1" noEditPoints="1" noAdjustHandles="1" noChangeArrowheads="1" noChangeShapeType="1" noTextEdit="1"/>
+          </p:cNvSpPr>
+          <p:nvPr>
+            <p:extLst>
+              <p:ext uri="{386F3935-93C4-4BCD-93E2-E3B085C9AB24}">
+                <p16:designElem xmlns:p16="http://schemas.microsoft.com/office/powerpoint/2015/main" val="1"/>
+              </p:ext>
+            </p:extLst>
+          </p:nvPr>
+        </p:nvSpPr>
+        <p:spPr>
+          <a:xfrm>
+            <a:off x="1114425" y="0"/>
+            <a:ext cx="9963150" cy="6858000"/>
+          </a:xfrm>
+          <a:custGeom>
+            <a:avLst/>
+            <a:gdLst>
+              <a:gd name="connsiteX0" fmla="*/ 1595771 w 9963150"/>
+              <a:gd name="connsiteY0" fmla="*/ 0 h 6858000"/>
+              <a:gd name="connsiteX1" fmla="*/ 8367379 w 9963150"/>
+              <a:gd name="connsiteY1" fmla="*/ 0 h 6858000"/>
+              <a:gd name="connsiteX2" fmla="*/ 8504080 w 9963150"/>
+              <a:gd name="connsiteY2" fmla="*/ 130333 h 6858000"/>
+              <a:gd name="connsiteX3" fmla="*/ 9963150 w 9963150"/>
+              <a:gd name="connsiteY3" fmla="*/ 3652838 h 6858000"/>
+              <a:gd name="connsiteX4" fmla="*/ 8825600 w 9963150"/>
+              <a:gd name="connsiteY4" fmla="*/ 6821583 h 6858000"/>
+              <a:gd name="connsiteX5" fmla="*/ 8794055 w 9963150"/>
+              <a:gd name="connsiteY5" fmla="*/ 6858000 h 6858000"/>
+              <a:gd name="connsiteX6" fmla="*/ 1169096 w 9963150"/>
+              <a:gd name="connsiteY6" fmla="*/ 6858000 h 6858000"/>
+              <a:gd name="connsiteX7" fmla="*/ 1137550 w 9963150"/>
+              <a:gd name="connsiteY7" fmla="*/ 6821583 h 6858000"/>
+              <a:gd name="connsiteX8" fmla="*/ 0 w 9963150"/>
+              <a:gd name="connsiteY8" fmla="*/ 3652838 h 6858000"/>
+              <a:gd name="connsiteX9" fmla="*/ 1459070 w 9963150"/>
+              <a:gd name="connsiteY9" fmla="*/ 130333 h 6858000"/>
+            </a:gdLst>
+            <a:ahLst/>
+            <a:cxnLst>
+              <a:cxn ang="0">
+                <a:pos x="connsiteX0" y="connsiteY0"/>
+              </a:cxn>
+              <a:cxn ang="0">
+                <a:pos x="connsiteX1" y="connsiteY1"/>
+              </a:cxn>
+              <a:cxn ang="0">
+                <a:pos x="connsiteX2" y="connsiteY2"/>
+              </a:cxn>
+              <a:cxn ang="0">
+                <a:pos x="connsiteX3" y="connsiteY3"/>
+              </a:cxn>
+              <a:cxn ang="0">
+                <a:pos x="connsiteX4" y="connsiteY4"/>
+              </a:cxn>
+              <a:cxn ang="0">
+                <a:pos x="connsiteX5" y="connsiteY5"/>
+              </a:cxn>
+              <a:cxn ang="0">
+                <a:pos x="connsiteX6" y="connsiteY6"/>
+              </a:cxn>
+              <a:cxn ang="0">
+                <a:pos x="connsiteX7" y="connsiteY7"/>
+              </a:cxn>
+              <a:cxn ang="0">
+                <a:pos x="connsiteX8" y="connsiteY8"/>
+              </a:cxn>
+              <a:cxn ang="0">
+                <a:pos x="connsiteX9" y="connsiteY9"/>
+              </a:cxn>
+            </a:cxnLst>
+            <a:rect l="l" t="t" r="r" b="b"/>
+            <a:pathLst>
+              <a:path w="9963150" h="6858000">
+                <a:moveTo>
+                  <a:pt x="1595771" y="0"/>
+                </a:moveTo>
+                <a:lnTo>
+                  <a:pt x="8367379" y="0"/>
+                </a:lnTo>
+                <a:lnTo>
+                  <a:pt x="8504080" y="130333"/>
+                </a:lnTo>
+                <a:cubicBezTo>
+                  <a:pt x="9405568" y="1031820"/>
+                  <a:pt x="9963150" y="2277214"/>
+                  <a:pt x="9963150" y="3652838"/>
+                </a:cubicBezTo>
+                <a:cubicBezTo>
+                  <a:pt x="9963150" y="4856509"/>
+                  <a:pt x="9536251" y="5960473"/>
+                  <a:pt x="8825600" y="6821583"/>
+                </a:cubicBezTo>
+                <a:lnTo>
+                  <a:pt x="8794055" y="6858000"/>
+                </a:lnTo>
+                <a:lnTo>
+                  <a:pt x="1169096" y="6858000"/>
+                </a:lnTo>
+                <a:lnTo>
+                  <a:pt x="1137550" y="6821583"/>
+                </a:lnTo>
+                <a:cubicBezTo>
+                  <a:pt x="426899" y="5960473"/>
+                  <a:pt x="0" y="4856509"/>
+                  <a:pt x="0" y="3652838"/>
+                </a:cubicBezTo>
+                <a:cubicBezTo>
+                  <a:pt x="0" y="2277214"/>
+                  <a:pt x="557582" y="1031820"/>
+                  <a:pt x="1459070" y="130333"/>
+                </a:cubicBezTo>
+                <a:close/>
+              </a:path>
+            </a:pathLst>
+          </a:custGeom>
+          <a:ln w="9525">
+            <a:solidFill>
+              <a:srgbClr val="EFEFEF"/>
+            </a:solidFill>
+          </a:ln>
+          <a:effectLst>
+            <a:outerShdw blurRad="139700" sx="102000" sy="102000" algn="ctr" rotWithShape="0">
+              <a:schemeClr val="bg1">
+                <a:lumMod val="85000"/>
+                <a:alpha val="38000"/>
+              </a:schemeClr>
+            </a:outerShdw>
+          </a:effectLst>
+        </p:spPr>
+        <p:style>
+          <a:lnRef idx="2">
+            <a:schemeClr val="accent1">
+              <a:shade val="50000"/>
+            </a:schemeClr>
+          </a:lnRef>
+          <a:fillRef idx="1">
+            <a:schemeClr val="accent1"/>
+          </a:fillRef>
+          <a:effectRef idx="0">
+            <a:schemeClr val="accent1"/>
+          </a:effectRef>
+          <a:fontRef idx="minor">
+            <a:schemeClr val="lt1"/>
+          </a:fontRef>
+        </p:style>
+        <p:txBody>
+          <a:bodyPr wrap="square" rtlCol="0" anchor="ctr">
+            <a:noAutofit/>
+          </a:bodyPr>
+          <a:lstStyle/>
+          <a:p>
+            <a:pPr marL="0" marR="0" lvl="0" indent="0" algn="ctr" defTabSz="914400" rtl="0" eaLnBrk="1" fontAlgn="auto" latinLnBrk="0" hangingPunct="1">
+              <a:lnSpc>
+                <a:spcPct val="100000"/>
+              </a:lnSpc>
+              <a:spcBef>
+                <a:spcPts val="0"/>
+              </a:spcBef>
+              <a:spcAft>
+                <a:spcPts val="0"/>
+              </a:spcAft>
+              <a:buClrTx/>
+              <a:buSzTx/>
+              <a:buFontTx/>
+              <a:buNone/>
+              <a:tabLst/>
+              <a:defRPr/>
+            </a:pPr>
+            <a:endParaRPr kumimoji="0" lang="en-US" sz="1800" b="0" i="0" u="none" strike="noStrike" kern="1200" cap="none" spc="0" normalizeH="0" baseline="0" noProof="0">
+              <a:ln>
+                <a:noFill/>
+              </a:ln>
+              <a:solidFill>
+                <a:prstClr val="white"/>
+              </a:solidFill>
+              <a:effectLst/>
+              <a:uLnTx/>
+              <a:uFillTx/>
+              <a:latin typeface="Calibri" panose="020F0502020204030204"/>
+              <a:ea typeface="+mn-ea"/>
+              <a:cs typeface="+mn-cs"/>
+            </a:endParaRPr>
+          </a:p>
+        </p:txBody>
+      </p:sp>
+      <p:sp useBgFill="1">
+        <p:nvSpPr>
+          <p:cNvPr id="11" name="Freeform: Shape 10">
+            <a:extLst>
+              <a:ext uri="{FF2B5EF4-FFF2-40B4-BE49-F238E27FC236}">
+                <a16:creationId xmlns:a16="http://schemas.microsoft.com/office/drawing/2014/main" id="{C7F28D52-2A5F-4D23-81AE-7CB8B591C7AF}"/>
+              </a:ext>
+              <a:ext uri="{C183D7F6-B498-43B3-948B-1728B52AA6E4}">
+                <adec:decorative xmlns:adec="http://schemas.microsoft.com/office/drawing/2017/decorative" val="1"/>
+              </a:ext>
+            </a:extLst>
+          </p:cNvPr>
+          <p:cNvSpPr>
+            <a:spLocks noGrp="1" noRot="1" noChangeAspect="1" noMove="1" noResize="1" noEditPoints="1" noAdjustHandles="1" noChangeArrowheads="1" noChangeShapeType="1" noTextEdit="1"/>
+          </p:cNvSpPr>
+          <p:nvPr>
+            <p:extLst>
+              <p:ext uri="{386F3935-93C4-4BCD-93E2-E3B085C9AB24}">
+                <p16:designElem xmlns:p16="http://schemas.microsoft.com/office/powerpoint/2015/main" val="1"/>
+              </p:ext>
+            </p:extLst>
+          </p:nvPr>
+        </p:nvSpPr>
+        <p:spPr>
+          <a:xfrm>
+            <a:off x="1121664" y="0"/>
+            <a:ext cx="9948672" cy="6858000"/>
+          </a:xfrm>
+          <a:custGeom>
+            <a:avLst/>
+            <a:gdLst>
+              <a:gd name="connsiteX0" fmla="*/ 1595771 w 9963150"/>
+              <a:gd name="connsiteY0" fmla="*/ 0 h 6858000"/>
+              <a:gd name="connsiteX1" fmla="*/ 8367379 w 9963150"/>
+              <a:gd name="connsiteY1" fmla="*/ 0 h 6858000"/>
+              <a:gd name="connsiteX2" fmla="*/ 8504080 w 9963150"/>
+              <a:gd name="connsiteY2" fmla="*/ 130333 h 6858000"/>
+              <a:gd name="connsiteX3" fmla="*/ 9963150 w 9963150"/>
+              <a:gd name="connsiteY3" fmla="*/ 3652838 h 6858000"/>
+              <a:gd name="connsiteX4" fmla="*/ 8825600 w 9963150"/>
+              <a:gd name="connsiteY4" fmla="*/ 6821583 h 6858000"/>
+              <a:gd name="connsiteX5" fmla="*/ 8794055 w 9963150"/>
+              <a:gd name="connsiteY5" fmla="*/ 6858000 h 6858000"/>
+              <a:gd name="connsiteX6" fmla="*/ 1169096 w 9963150"/>
+              <a:gd name="connsiteY6" fmla="*/ 6858000 h 6858000"/>
+              <a:gd name="connsiteX7" fmla="*/ 1137550 w 9963150"/>
+              <a:gd name="connsiteY7" fmla="*/ 6821583 h 6858000"/>
+              <a:gd name="connsiteX8" fmla="*/ 0 w 9963150"/>
+              <a:gd name="connsiteY8" fmla="*/ 3652838 h 6858000"/>
+              <a:gd name="connsiteX9" fmla="*/ 1459070 w 9963150"/>
+              <a:gd name="connsiteY9" fmla="*/ 130333 h 6858000"/>
+            </a:gdLst>
+            <a:ahLst/>
+            <a:cxnLst>
+              <a:cxn ang="0">
+                <a:pos x="connsiteX0" y="connsiteY0"/>
+              </a:cxn>
+              <a:cxn ang="0">
+                <a:pos x="connsiteX1" y="connsiteY1"/>
+              </a:cxn>
+              <a:cxn ang="0">
+                <a:pos x="connsiteX2" y="connsiteY2"/>
+              </a:cxn>
+              <a:cxn ang="0">
+                <a:pos x="connsiteX3" y="connsiteY3"/>
+              </a:cxn>
+              <a:cxn ang="0">
+                <a:pos x="connsiteX4" y="connsiteY4"/>
+              </a:cxn>
+              <a:cxn ang="0">
+                <a:pos x="connsiteX5" y="connsiteY5"/>
+              </a:cxn>
+              <a:cxn ang="0">
+                <a:pos x="connsiteX6" y="connsiteY6"/>
+              </a:cxn>
+              <a:cxn ang="0">
+                <a:pos x="connsiteX7" y="connsiteY7"/>
+              </a:cxn>
+              <a:cxn ang="0">
+                <a:pos x="connsiteX8" y="connsiteY8"/>
+              </a:cxn>
+              <a:cxn ang="0">
+                <a:pos x="connsiteX9" y="connsiteY9"/>
+              </a:cxn>
+            </a:cxnLst>
+            <a:rect l="l" t="t" r="r" b="b"/>
+            <a:pathLst>
+              <a:path w="9963150" h="6858000">
+                <a:moveTo>
+                  <a:pt x="1595771" y="0"/>
+                </a:moveTo>
+                <a:lnTo>
+                  <a:pt x="8367379" y="0"/>
+                </a:lnTo>
+                <a:lnTo>
+                  <a:pt x="8504080" y="130333"/>
+                </a:lnTo>
+                <a:cubicBezTo>
+                  <a:pt x="9405568" y="1031820"/>
+                  <a:pt x="9963150" y="2277214"/>
+                  <a:pt x="9963150" y="3652838"/>
+                </a:cubicBezTo>
+                <a:cubicBezTo>
+                  <a:pt x="9963150" y="4856509"/>
+                  <a:pt x="9536251" y="5960473"/>
+                  <a:pt x="8825600" y="6821583"/>
+                </a:cubicBezTo>
+                <a:lnTo>
+                  <a:pt x="8794055" y="6858000"/>
+                </a:lnTo>
+                <a:lnTo>
+                  <a:pt x="1169096" y="6858000"/>
+                </a:lnTo>
+                <a:lnTo>
+                  <a:pt x="1137550" y="6821583"/>
+                </a:lnTo>
+                <a:cubicBezTo>
+                  <a:pt x="426899" y="5960473"/>
+                  <a:pt x="0" y="4856509"/>
+                  <a:pt x="0" y="3652838"/>
+                </a:cubicBezTo>
+                <a:cubicBezTo>
+                  <a:pt x="0" y="2277214"/>
+                  <a:pt x="557582" y="1031820"/>
+                  <a:pt x="1459070" y="130333"/>
+                </a:cubicBezTo>
+                <a:close/>
+              </a:path>
+            </a:pathLst>
+          </a:custGeom>
+          <a:ln w="9525">
+            <a:noFill/>
+          </a:ln>
+          <a:effectLst/>
+        </p:spPr>
+        <p:style>
+          <a:lnRef idx="2">
+            <a:schemeClr val="accent1">
+              <a:shade val="50000"/>
+            </a:schemeClr>
+          </a:lnRef>
+          <a:fillRef idx="1">
+            <a:schemeClr val="accent1"/>
+          </a:fillRef>
+          <a:effectRef idx="0">
+            <a:schemeClr val="accent1"/>
+          </a:effectRef>
+          <a:fontRef idx="minor">
+            <a:schemeClr val="lt1"/>
+          </a:fontRef>
+        </p:style>
+        <p:txBody>
+          <a:bodyPr wrap="square" rtlCol="0" anchor="ctr">
+            <a:noAutofit/>
+          </a:bodyPr>
+          <a:lstStyle/>
+          <a:p>
+            <a:pPr marL="0" marR="0" lvl="0" indent="0" algn="ctr" defTabSz="914400" rtl="0" eaLnBrk="1" fontAlgn="auto" latinLnBrk="0" hangingPunct="1">
+              <a:lnSpc>
+                <a:spcPct val="100000"/>
+              </a:lnSpc>
+              <a:spcBef>
+                <a:spcPts val="0"/>
+              </a:spcBef>
+              <a:spcAft>
+                <a:spcPts val="0"/>
+              </a:spcAft>
+              <a:buClrTx/>
+              <a:buSzTx/>
+              <a:buFontTx/>
+              <a:buNone/>
+              <a:tabLst/>
+              <a:defRPr/>
+            </a:pPr>
+            <a:endParaRPr kumimoji="0" lang="en-US" sz="1800" b="0" i="0" u="none" strike="noStrike" kern="1200" cap="none" spc="0" normalizeH="0" baseline="0" noProof="0">
+              <a:ln>
+                <a:noFill/>
+              </a:ln>
+              <a:solidFill>
+                <a:prstClr val="white"/>
+              </a:solidFill>
+              <a:effectLst/>
+              <a:uLnTx/>
+              <a:uFillTx/>
+              <a:latin typeface="Calibri" panose="020F0502020204030204"/>
+              <a:ea typeface="+mn-ea"/>
+              <a:cs typeface="+mn-cs"/>
+            </a:endParaRPr>
+          </a:p>
+        </p:txBody>
+      </p:sp>
       <p:sp>
         <p:nvSpPr>
-          <p:cNvPr id="2" name="Title 1" hidden="1">
+          <p:cNvPr id="2" name="Title 1">
             <a:extLst>
               <a:ext uri="{FF2B5EF4-FFF2-40B4-BE49-F238E27FC236}">
-                <a16:creationId xmlns:a16="http://schemas.microsoft.com/office/drawing/2014/main" id="{7A038CD1-05A4-6236-E0EE-239AB9C57253}"/>
+                <a16:creationId xmlns:a16="http://schemas.microsoft.com/office/drawing/2014/main" id="{DFA46440-C1B3-D012-7CC9-FD4740CD243A}"/>
               </a:ext>
             </a:extLst>
           </p:cNvPr>
@@ -1724,59 +8390,129 @@
             <p:ph type="title"/>
           </p:nvPr>
         </p:nvSpPr>
-        <p:spPr/>
+        <p:spPr>
+          <a:xfrm>
+            <a:off x="1524003" y="1999615"/>
+            <a:ext cx="9144000" cy="2764028"/>
+          </a:xfrm>
+        </p:spPr>
         <p:txBody>
-          <a:bodyPr/>
+          <a:bodyPr vert="horz" lIns="91440" tIns="45720" rIns="91440" bIns="45720" rtlCol="0" anchor="ctr">
+            <a:normAutofit/>
+          </a:bodyPr>
           <a:lstStyle/>
           <a:p>
-            <a:r>
-              <a:rPr lang="de-DE"/>
-              <a:t>W</a:t>
-            </a:r>
-            <a:r>
-              <a:rPr lang="en-DE"/>
-              <a:t>hat is </a:t>
-            </a:r>
-            <a:r>
-              <a:rPr lang="en-GB"/>
-              <a:t>gRPC</a:t>
-            </a:r>
-            <a:endParaRPr lang="de-DE" dirty="0"/>
+            <a:pPr algn="ctr"/>
+            <a:r>
+              <a:rPr lang="en-US" sz="7200" kern="1200" dirty="0">
+                <a:solidFill>
+                  <a:schemeClr val="tx1"/>
+                </a:solidFill>
+                <a:latin typeface="+mj-lt"/>
+                <a:ea typeface="+mj-ea"/>
+                <a:cs typeface="+mj-cs"/>
+              </a:rPr>
+              <a:t>Inter Protocol Communication </a:t>
+            </a:r>
           </a:p>
         </p:txBody>
       </p:sp>
-      <p:pic>
-        <p:nvPicPr>
-          <p:cNvPr id="3" name="Picture 2">
+      <p:sp>
+        <p:nvSpPr>
+          <p:cNvPr id="13" name="Rectangle 12">
             <a:extLst>
               <a:ext uri="{FF2B5EF4-FFF2-40B4-BE49-F238E27FC236}">
-                <a16:creationId xmlns:a16="http://schemas.microsoft.com/office/drawing/2014/main" id="{28B80667-1D12-E6C8-0349-967046E937C4}"/>
+                <a16:creationId xmlns:a16="http://schemas.microsoft.com/office/drawing/2014/main" id="{3629484E-3792-4B3D-89AD-7C8A1ED0E0D4}"/>
+              </a:ext>
+              <a:ext uri="{C183D7F6-B498-43B3-948B-1728B52AA6E4}">
+                <adec:decorative xmlns:adec="http://schemas.microsoft.com/office/drawing/2017/decorative" val="1"/>
               </a:ext>
             </a:extLst>
           </p:cNvPr>
-          <p:cNvPicPr/>
-          <p:nvPr/>
-        </p:nvPicPr>
-        <p:blipFill>
-          <a:blip r:embed="rId2"/>
-          <a:stretch>
-            <a:fillRect/>
-          </a:stretch>
-        </p:blipFill>
+          <p:cNvSpPr>
+            <a:spLocks noGrp="1" noRot="1" noChangeAspect="1" noMove="1" noResize="1" noEditPoints="1" noAdjustHandles="1" noChangeArrowheads="1" noChangeShapeType="1" noTextEdit="1"/>
+          </p:cNvSpPr>
+          <p:nvPr>
+            <p:extLst>
+              <p:ext uri="{386F3935-93C4-4BCD-93E2-E3B085C9AB24}">
+                <p16:designElem xmlns:p16="http://schemas.microsoft.com/office/powerpoint/2015/main" val="1"/>
+              </p:ext>
+            </p:extLst>
+          </p:nvPr>
+        </p:nvSpPr>
         <p:spPr>
           <a:xfrm>
-            <a:off x="0" y="0"/>
-            <a:ext cx="12192000" cy="6858000"/>
+            <a:off x="3718560" y="5524786"/>
+            <a:ext cx="4754880" cy="27432"/>
           </a:xfrm>
           <a:prstGeom prst="rect">
             <a:avLst/>
           </a:prstGeom>
+          <a:solidFill>
+            <a:schemeClr val="accent2"/>
+          </a:solidFill>
+          <a:ln>
+            <a:noFill/>
+          </a:ln>
         </p:spPr>
-      </p:pic>
+        <p:style>
+          <a:lnRef idx="2">
+            <a:schemeClr val="accent1">
+              <a:shade val="50000"/>
+            </a:schemeClr>
+          </a:lnRef>
+          <a:fillRef idx="1">
+            <a:schemeClr val="accent1"/>
+          </a:fillRef>
+          <a:effectRef idx="0">
+            <a:schemeClr val="accent1"/>
+          </a:effectRef>
+          <a:fontRef idx="minor">
+            <a:schemeClr val="lt1"/>
+          </a:fontRef>
+        </p:style>
+        <p:txBody>
+          <a:bodyPr rtlCol="0" anchor="ctr"/>
+          <a:lstStyle/>
+          <a:p>
+            <a:pPr marL="0" marR="0" lvl="0" indent="0" algn="ctr" defTabSz="914400" rtl="0" eaLnBrk="1" fontAlgn="auto" latinLnBrk="0" hangingPunct="1">
+              <a:lnSpc>
+                <a:spcPct val="100000"/>
+              </a:lnSpc>
+              <a:spcBef>
+                <a:spcPts val="0"/>
+              </a:spcBef>
+              <a:spcAft>
+                <a:spcPts val="0"/>
+              </a:spcAft>
+              <a:buClrTx/>
+              <a:buSzTx/>
+              <a:buFontTx/>
+              <a:buNone/>
+              <a:tabLst/>
+              <a:defRPr/>
+            </a:pPr>
+            <a:endParaRPr kumimoji="0" lang="en-US" sz="1800" b="0" i="0" u="none" strike="noStrike" kern="1200" cap="none" spc="0" normalizeH="0" baseline="0" noProof="0">
+              <a:ln>
+                <a:noFill/>
+              </a:ln>
+              <a:solidFill>
+                <a:prstClr val="white"/>
+              </a:solidFill>
+              <a:effectLst/>
+              <a:uLnTx/>
+              <a:uFillTx/>
+              <a:latin typeface="Calibri" panose="020F0502020204030204"/>
+              <a:ea typeface="+mn-ea"/>
+              <a:cs typeface="+mn-cs"/>
+            </a:endParaRPr>
+          </a:p>
+        </p:txBody>
+      </p:sp>
     </p:spTree>
     <p:extLst>
       <p:ext uri="{BB962C8B-B14F-4D97-AF65-F5344CB8AC3E}">
-        <p14:creationId xmlns:p14="http://schemas.microsoft.com/office/powerpoint/2010/main" val="1583723509"/>
+        <p14:creationId xmlns:p14="http://schemas.microsoft.com/office/powerpoint/2010/main" val="312468014"/>
       </p:ext>
     </p:extLst>
   </p:cSld>
@@ -1789,12 +8525,6 @@
 <file path=ppt/slides/slide9.xml><?xml version="1.0" encoding="utf-8"?>
 <p:sld xmlns:a="http://schemas.openxmlformats.org/drawingml/2006/main" xmlns:r="http://schemas.openxmlformats.org/officeDocument/2006/relationships" xmlns:p="http://schemas.openxmlformats.org/presentationml/2006/main">
   <p:cSld>
-    <p:bg>
-      <p:bgPr>
-        <a:noFill/>
-        <a:effectLst/>
-      </p:bgPr>
-    </p:bg>
     <p:spTree>
       <p:nvGrpSpPr>
         <p:cNvPr id="1" name=""/>
@@ -1811,10 +8541,10 @@
       </p:grpSpPr>
       <p:sp>
         <p:nvSpPr>
-          <p:cNvPr id="2" name="Title 1" hidden="1">
+          <p:cNvPr id="2" name="Title 1">
             <a:extLst>
               <a:ext uri="{FF2B5EF4-FFF2-40B4-BE49-F238E27FC236}">
-                <a16:creationId xmlns:a16="http://schemas.microsoft.com/office/drawing/2014/main" id="{834B8E4C-47EF-CDD7-198A-069B65169AA0}"/>
+                <a16:creationId xmlns:a16="http://schemas.microsoft.com/office/drawing/2014/main" id="{2B8616AD-5341-4AE0-9C82-2E959EA79F08}"/>
               </a:ext>
             </a:extLst>
           </p:cNvPr>
@@ -1831,49 +8561,17 @@
           <a:lstStyle/>
           <a:p>
             <a:r>
-              <a:rPr lang="en-DE" b="1"/>
-              <a:t>When to Include </a:t>
-            </a:r>
-            <a:r>
-              <a:rPr lang="de-DE" b="1"/>
-              <a:t>gRPC?</a:t>
-            </a:r>
-            <a:endParaRPr lang="de-DE" dirty="0"/>
+              <a:rPr lang="en-DE" b="1" dirty="0"/>
+              <a:t>What is GRPC </a:t>
+            </a:r>
+            <a:endParaRPr lang="de-DE" b="1" dirty="0"/>
           </a:p>
         </p:txBody>
       </p:sp>
-      <p:pic>
-        <p:nvPicPr>
-          <p:cNvPr id="3" name="Picture 2">
-            <a:extLst>
-              <a:ext uri="{FF2B5EF4-FFF2-40B4-BE49-F238E27FC236}">
-                <a16:creationId xmlns:a16="http://schemas.microsoft.com/office/drawing/2014/main" id="{9C2815E3-06D4-842F-EAE5-721B0AFA1BB2}"/>
-              </a:ext>
-            </a:extLst>
-          </p:cNvPr>
-          <p:cNvPicPr/>
-          <p:nvPr/>
-        </p:nvPicPr>
-        <p:blipFill>
-          <a:blip r:embed="rId2"/>
-          <a:stretch>
-            <a:fillRect/>
-          </a:stretch>
-        </p:blipFill>
-        <p:spPr>
-          <a:xfrm>
-            <a:off x="0" y="0"/>
-            <a:ext cx="12192000" cy="6858000"/>
-          </a:xfrm>
-          <a:prstGeom prst="rect">
-            <a:avLst/>
-          </a:prstGeom>
-        </p:spPr>
-      </p:pic>
     </p:spTree>
     <p:extLst>
       <p:ext uri="{BB962C8B-B14F-4D97-AF65-F5344CB8AC3E}">
-        <p14:creationId xmlns:p14="http://schemas.microsoft.com/office/powerpoint/2010/main" val="2385722567"/>
+        <p14:creationId xmlns:p14="http://schemas.microsoft.com/office/powerpoint/2010/main" val="3220518724"/>
       </p:ext>
     </p:extLst>
   </p:cSld>
